--- a/Data Glacier Internship.pptx
+++ b/Data Glacier Internship.pptx
@@ -3064,7 +3064,7 @@
                   <a:srgbClr val="FF6600"/>
                 </a:solidFill>
               </a:rPr>
-              <a:t>Submitted By: Igwebuike Eze</a:t>
+              <a:t>Submitted By: Igwebuike Eze &amp; Lucy Nowascki</a:t>
             </a:r>
             <a:endParaRPr lang="en-GB" altLang="en-US" sz="3600" dirty="0">
               <a:solidFill>
@@ -4116,7 +4116,11 @@
         <p:txBody>
           <a:bodyPr/>
           <a:p>
-            <a:endParaRPr lang="en-US"/>
+            <a:r>
+              <a:rPr lang="en-GB" altLang="en-US"/>
+              <a:t>Recommendations</a:t>
+            </a:r>
+            <a:endParaRPr lang="en-GB" altLang="en-US"/>
           </a:p>
         </p:txBody>
       </p:sp>
@@ -4134,6 +4138,47 @@
         <p:txBody>
           <a:bodyPr/>
           <a:p>
+            <a:pPr marL="0" indent="0">
+              <a:buNone/>
+            </a:pPr>
+            <a:r>
+              <a:rPr lang="en-GB" altLang="en-US"/>
+              <a:t>1. </a:t>
+            </a:r>
+            <a:r>
+              <a:rPr lang="en-US"/>
+              <a:t>xLSTM model outperforms the nanoGPT model in terms of accuracy, precision, recall, and F1 score </a:t>
+            </a:r>
+            <a:r>
+              <a:rPr lang="en-GB" altLang="en-US"/>
+              <a:t>and</a:t>
+            </a:r>
+            <a:r>
+              <a:rPr lang="en-US"/>
+              <a:t> does so with significantly fewer parameters</a:t>
+            </a:r>
+            <a:r>
+              <a:rPr lang="en-GB" altLang="en-US"/>
+              <a:t> making it</a:t>
+            </a:r>
+            <a:r>
+              <a:rPr lang="en-US"/>
+              <a:t> a more efficient and effective solution for hate speech detection. </a:t>
+            </a:r>
+            <a:endParaRPr lang="en-US"/>
+          </a:p>
+          <a:p>
+            <a:pPr marL="0" indent="0">
+              <a:buNone/>
+            </a:pPr>
+            <a:r>
+              <a:rPr lang="en-GB" altLang="en-US"/>
+              <a:t>2. xLSTM </a:t>
+            </a:r>
+            <a:r>
+              <a:rPr lang="en-US"/>
+              <a:t>offers superior performance while being resource-efficient, providing a strong competitive advantage in the NLP market.</a:t>
+            </a:r>
             <a:endParaRPr lang="en-US"/>
           </a:p>
         </p:txBody>

--- a/Data Glacier Internship.pptx
+++ b/Data Glacier Internship.pptx
@@ -4,6 +4,9 @@
   <p:sldMasterIdLst>
     <p:sldMasterId id="2147483648" r:id="rId1"/>
   </p:sldMasterIdLst>
+  <p:notesMasterIdLst>
+    <p:notesMasterId r:id="rId10"/>
+  </p:notesMasterIdLst>
   <p:sldIdLst>
     <p:sldId id="256" r:id="rId3"/>
     <p:sldId id="267" r:id="rId4"/>
@@ -11,8 +14,14 @@
     <p:sldId id="269" r:id="rId6"/>
     <p:sldId id="271" r:id="rId7"/>
     <p:sldId id="272" r:id="rId8"/>
-    <p:sldId id="273" r:id="rId9"/>
-    <p:sldId id="268" r:id="rId10"/>
+    <p:sldId id="282" r:id="rId9"/>
+    <p:sldId id="278" r:id="rId11"/>
+    <p:sldId id="283" r:id="rId12"/>
+    <p:sldId id="281" r:id="rId13"/>
+    <p:sldId id="273" r:id="rId14"/>
+    <p:sldId id="277" r:id="rId15"/>
+    <p:sldId id="279" r:id="rId16"/>
+    <p:sldId id="268" r:id="rId17"/>
   </p:sldIdLst>
   <p:sldSz cx="12192000" cy="6858000"/>
   <p:notesSz cx="6858000" cy="9144000"/>
@@ -112,6 +121,397 @@
     </a:lvl9pPr>
   </p:defaultTextStyle>
 </p:presentation>
+</file>
+
+<file path=ppt/notesMasters/notesMaster1.xml><?xml version="1.0" encoding="utf-8"?>
+<p:notesMaster xmlns:a="http://schemas.openxmlformats.org/drawingml/2006/main" xmlns:r="http://schemas.openxmlformats.org/officeDocument/2006/relationships" xmlns:p="http://schemas.openxmlformats.org/presentationml/2006/main">
+  <p:cSld>
+    <p:bg>
+      <p:bgRef idx="1001">
+        <a:schemeClr val="bg1"/>
+      </p:bgRef>
+    </p:bg>
+    <p:spTree>
+      <p:nvGrpSpPr>
+        <p:cNvPr id="1" name=""/>
+        <p:cNvGrpSpPr/>
+        <p:nvPr/>
+      </p:nvGrpSpPr>
+      <p:grpSpPr>
+        <a:xfrm>
+          <a:off x="0" y="0"/>
+          <a:ext cx="0" cy="0"/>
+          <a:chOff x="0" y="0"/>
+          <a:chExt cx="0" cy="0"/>
+        </a:xfrm>
+      </p:grpSpPr>
+      <p:sp>
+        <p:nvSpPr>
+          <p:cNvPr id="2" name="Header Placeholder 1"/>
+          <p:cNvSpPr>
+            <a:spLocks noGrp="1"/>
+          </p:cNvSpPr>
+          <p:nvPr>
+            <p:ph type="hdr" sz="quarter"/>
+          </p:nvPr>
+        </p:nvSpPr>
+        <p:spPr>
+          <a:xfrm>
+            <a:off x="0" y="0"/>
+            <a:ext cx="2971800" cy="458788"/>
+          </a:xfrm>
+          <a:prstGeom prst="rect">
+            <a:avLst/>
+          </a:prstGeom>
+        </p:spPr>
+        <p:txBody>
+          <a:bodyPr vert="horz" lIns="91440" tIns="45720" rIns="91440" bIns="45720" rtlCol="0"/>
+          <a:lstStyle>
+            <a:lvl1pPr algn="l">
+              <a:defRPr sz="1200"/>
+            </a:lvl1pPr>
+          </a:lstStyle>
+          <a:p>
+            <a:endParaRPr lang="en-US"/>
+          </a:p>
+        </p:txBody>
+      </p:sp>
+      <p:sp>
+        <p:nvSpPr>
+          <p:cNvPr id="3" name="Date Placeholder 2"/>
+          <p:cNvSpPr>
+            <a:spLocks noGrp="1"/>
+          </p:cNvSpPr>
+          <p:nvPr>
+            <p:ph type="dt" idx="1"/>
+          </p:nvPr>
+        </p:nvSpPr>
+        <p:spPr>
+          <a:xfrm>
+            <a:off x="3884613" y="0"/>
+            <a:ext cx="2971800" cy="458788"/>
+          </a:xfrm>
+          <a:prstGeom prst="rect">
+            <a:avLst/>
+          </a:prstGeom>
+        </p:spPr>
+        <p:txBody>
+          <a:bodyPr vert="horz" lIns="91440" tIns="45720" rIns="91440" bIns="45720" rtlCol="0"/>
+          <a:lstStyle>
+            <a:lvl1pPr algn="r">
+              <a:defRPr sz="1200"/>
+            </a:lvl1pPr>
+          </a:lstStyle>
+          <a:p>
+            <a:fld id="{3EFD42F7-718C-4B98-AAEC-167E6DDD60A7}" type="datetimeFigureOut">
+              <a:rPr lang="en-US" smtClean="0"/>
+            </a:fld>
+            <a:endParaRPr lang="en-US"/>
+          </a:p>
+        </p:txBody>
+      </p:sp>
+      <p:sp>
+        <p:nvSpPr>
+          <p:cNvPr id="4" name="Slide Image Placeholder 3"/>
+          <p:cNvSpPr>
+            <a:spLocks noGrp="1" noRot="1" noChangeAspect="1"/>
+          </p:cNvSpPr>
+          <p:nvPr>
+            <p:ph type="sldImg" idx="2"/>
+          </p:nvPr>
+        </p:nvSpPr>
+        <p:spPr>
+          <a:xfrm>
+            <a:off x="685800" y="1143000"/>
+            <a:ext cx="5486400" cy="3086100"/>
+          </a:xfrm>
+          <a:prstGeom prst="rect">
+            <a:avLst/>
+          </a:prstGeom>
+          <a:noFill/>
+          <a:ln w="12700">
+            <a:solidFill>
+              <a:prstClr val="black"/>
+            </a:solidFill>
+          </a:ln>
+        </p:spPr>
+        <p:txBody>
+          <a:bodyPr vert="horz" lIns="91440" tIns="45720" rIns="91440" bIns="45720" rtlCol="0" anchor="ctr"/>
+          <a:lstStyle/>
+          <a:p>
+            <a:endParaRPr lang="en-US"/>
+          </a:p>
+        </p:txBody>
+      </p:sp>
+      <p:sp>
+        <p:nvSpPr>
+          <p:cNvPr id="5" name="Notes Placeholder 4"/>
+          <p:cNvSpPr>
+            <a:spLocks noGrp="1"/>
+          </p:cNvSpPr>
+          <p:nvPr>
+            <p:ph type="body" sz="quarter" idx="3"/>
+          </p:nvPr>
+        </p:nvSpPr>
+        <p:spPr>
+          <a:xfrm>
+            <a:off x="685800" y="4400550"/>
+            <a:ext cx="5486400" cy="3600450"/>
+          </a:xfrm>
+          <a:prstGeom prst="rect">
+            <a:avLst/>
+          </a:prstGeom>
+        </p:spPr>
+        <p:txBody>
+          <a:bodyPr vert="horz" lIns="91440" tIns="45720" rIns="91440" bIns="45720" rtlCol="0"/>
+          <a:lstStyle/>
+          <a:p>
+            <a:pPr lvl="0"/>
+            <a:r>
+              <a:rPr lang="en-US" smtClean="0"/>
+              <a:t>Click to edit Master text styles</a:t>
+            </a:r>
+            <a:endParaRPr lang="en-US" smtClean="0"/>
+          </a:p>
+          <a:p>
+            <a:pPr lvl="1"/>
+            <a:r>
+              <a:rPr lang="en-US" smtClean="0"/>
+              <a:t>Second level</a:t>
+            </a:r>
+            <a:endParaRPr lang="en-US" smtClean="0"/>
+          </a:p>
+          <a:p>
+            <a:pPr lvl="2"/>
+            <a:r>
+              <a:rPr lang="en-US" smtClean="0"/>
+              <a:t>Third level</a:t>
+            </a:r>
+            <a:endParaRPr lang="en-US" smtClean="0"/>
+          </a:p>
+          <a:p>
+            <a:pPr lvl="3"/>
+            <a:r>
+              <a:rPr lang="en-US" smtClean="0"/>
+              <a:t>Fourth level</a:t>
+            </a:r>
+            <a:endParaRPr lang="en-US" smtClean="0"/>
+          </a:p>
+          <a:p>
+            <a:pPr lvl="4"/>
+            <a:r>
+              <a:rPr lang="en-US" smtClean="0"/>
+              <a:t>Fifth level</a:t>
+            </a:r>
+            <a:endParaRPr lang="en-US"/>
+          </a:p>
+        </p:txBody>
+      </p:sp>
+      <p:sp>
+        <p:nvSpPr>
+          <p:cNvPr id="6" name="Footer Placeholder 5"/>
+          <p:cNvSpPr>
+            <a:spLocks noGrp="1"/>
+          </p:cNvSpPr>
+          <p:nvPr>
+            <p:ph type="ftr" sz="quarter" idx="4"/>
+          </p:nvPr>
+        </p:nvSpPr>
+        <p:spPr>
+          <a:xfrm>
+            <a:off x="0" y="8685213"/>
+            <a:ext cx="2971800" cy="458787"/>
+          </a:xfrm>
+          <a:prstGeom prst="rect">
+            <a:avLst/>
+          </a:prstGeom>
+        </p:spPr>
+        <p:txBody>
+          <a:bodyPr vert="horz" lIns="91440" tIns="45720" rIns="91440" bIns="45720" rtlCol="0" anchor="b"/>
+          <a:lstStyle>
+            <a:lvl1pPr algn="l">
+              <a:defRPr sz="1200"/>
+            </a:lvl1pPr>
+          </a:lstStyle>
+          <a:p>
+            <a:endParaRPr lang="en-US"/>
+          </a:p>
+        </p:txBody>
+      </p:sp>
+      <p:sp>
+        <p:nvSpPr>
+          <p:cNvPr id="7" name="Slide Number Placeholder 6"/>
+          <p:cNvSpPr>
+            <a:spLocks noGrp="1"/>
+          </p:cNvSpPr>
+          <p:nvPr>
+            <p:ph type="sldNum" sz="quarter" idx="5"/>
+          </p:nvPr>
+        </p:nvSpPr>
+        <p:spPr>
+          <a:xfrm>
+            <a:off x="3884613" y="8685213"/>
+            <a:ext cx="2971800" cy="458787"/>
+          </a:xfrm>
+          <a:prstGeom prst="rect">
+            <a:avLst/>
+          </a:prstGeom>
+        </p:spPr>
+        <p:txBody>
+          <a:bodyPr vert="horz" lIns="91440" tIns="45720" rIns="91440" bIns="45720" rtlCol="0" anchor="b"/>
+          <a:lstStyle>
+            <a:lvl1pPr algn="r">
+              <a:defRPr sz="1200"/>
+            </a:lvl1pPr>
+          </a:lstStyle>
+          <a:p>
+            <a:fld id="{21B2AA4F-B828-4D7C-AFD3-893933DAFCB4}" type="slidenum">
+              <a:rPr lang="en-US" smtClean="0"/>
+            </a:fld>
+            <a:endParaRPr lang="en-US"/>
+          </a:p>
+        </p:txBody>
+      </p:sp>
+    </p:spTree>
+  </p:cSld>
+  <p:clrMap bg1="lt1" tx1="dk1" bg2="lt2" tx2="dk2" accent1="accent1" accent2="accent2" accent3="accent3" accent4="accent4" accent5="accent5" accent6="accent6" hlink="hlink" folHlink="folHlink"/>
+  <p:notesStyle>
+    <a:lvl1pPr marL="0" algn="l" defTabSz="914400" rtl="0" eaLnBrk="1" latinLnBrk="0" hangingPunct="1">
+      <a:defRPr sz="1200" kern="1200">
+        <a:solidFill>
+          <a:schemeClr val="tx1"/>
+        </a:solidFill>
+        <a:latin typeface="+mn-lt"/>
+        <a:ea typeface="+mn-ea"/>
+        <a:cs typeface="+mn-cs"/>
+      </a:defRPr>
+    </a:lvl1pPr>
+    <a:lvl2pPr marL="457200" algn="l" defTabSz="914400" rtl="0" eaLnBrk="1" latinLnBrk="0" hangingPunct="1">
+      <a:defRPr sz="1200" kern="1200">
+        <a:solidFill>
+          <a:schemeClr val="tx1"/>
+        </a:solidFill>
+        <a:latin typeface="+mn-lt"/>
+        <a:ea typeface="+mn-ea"/>
+        <a:cs typeface="+mn-cs"/>
+      </a:defRPr>
+    </a:lvl2pPr>
+    <a:lvl3pPr marL="914400" algn="l" defTabSz="914400" rtl="0" eaLnBrk="1" latinLnBrk="0" hangingPunct="1">
+      <a:defRPr sz="1200" kern="1200">
+        <a:solidFill>
+          <a:schemeClr val="tx1"/>
+        </a:solidFill>
+        <a:latin typeface="+mn-lt"/>
+        <a:ea typeface="+mn-ea"/>
+        <a:cs typeface="+mn-cs"/>
+      </a:defRPr>
+    </a:lvl3pPr>
+    <a:lvl4pPr marL="1371600" algn="l" defTabSz="914400" rtl="0" eaLnBrk="1" latinLnBrk="0" hangingPunct="1">
+      <a:defRPr sz="1200" kern="1200">
+        <a:solidFill>
+          <a:schemeClr val="tx1"/>
+        </a:solidFill>
+        <a:latin typeface="+mn-lt"/>
+        <a:ea typeface="+mn-ea"/>
+        <a:cs typeface="+mn-cs"/>
+      </a:defRPr>
+    </a:lvl4pPr>
+    <a:lvl5pPr marL="1828800" algn="l" defTabSz="914400" rtl="0" eaLnBrk="1" latinLnBrk="0" hangingPunct="1">
+      <a:defRPr sz="1200" kern="1200">
+        <a:solidFill>
+          <a:schemeClr val="tx1"/>
+        </a:solidFill>
+        <a:latin typeface="+mn-lt"/>
+        <a:ea typeface="+mn-ea"/>
+        <a:cs typeface="+mn-cs"/>
+      </a:defRPr>
+    </a:lvl5pPr>
+    <a:lvl6pPr marL="2286000" algn="l" defTabSz="914400" rtl="0" eaLnBrk="1" latinLnBrk="0" hangingPunct="1">
+      <a:defRPr sz="1200" kern="1200">
+        <a:solidFill>
+          <a:schemeClr val="tx1"/>
+        </a:solidFill>
+        <a:latin typeface="+mn-lt"/>
+        <a:ea typeface="+mn-ea"/>
+        <a:cs typeface="+mn-cs"/>
+      </a:defRPr>
+    </a:lvl6pPr>
+    <a:lvl7pPr marL="2743200" algn="l" defTabSz="914400" rtl="0" eaLnBrk="1" latinLnBrk="0" hangingPunct="1">
+      <a:defRPr sz="1200" kern="1200">
+        <a:solidFill>
+          <a:schemeClr val="tx1"/>
+        </a:solidFill>
+        <a:latin typeface="+mn-lt"/>
+        <a:ea typeface="+mn-ea"/>
+        <a:cs typeface="+mn-cs"/>
+      </a:defRPr>
+    </a:lvl7pPr>
+    <a:lvl8pPr marL="3200400" algn="l" defTabSz="914400" rtl="0" eaLnBrk="1" latinLnBrk="0" hangingPunct="1">
+      <a:defRPr sz="1200" kern="1200">
+        <a:solidFill>
+          <a:schemeClr val="tx1"/>
+        </a:solidFill>
+        <a:latin typeface="+mn-lt"/>
+        <a:ea typeface="+mn-ea"/>
+        <a:cs typeface="+mn-cs"/>
+      </a:defRPr>
+    </a:lvl8pPr>
+    <a:lvl9pPr marL="3657600" algn="l" defTabSz="914400" rtl="0" eaLnBrk="1" latinLnBrk="0" hangingPunct="1">
+      <a:defRPr sz="1200" kern="1200">
+        <a:solidFill>
+          <a:schemeClr val="tx1"/>
+        </a:solidFill>
+        <a:latin typeface="+mn-lt"/>
+        <a:ea typeface="+mn-ea"/>
+        <a:cs typeface="+mn-cs"/>
+      </a:defRPr>
+    </a:lvl9pPr>
+  </p:notesStyle>
+</p:notesMaster>
+</file>
+
+<file path=ppt/notesSlides/notesSlide1.xml><?xml version="1.0" encoding="utf-8"?>
+<p:notes xmlns:a="http://schemas.openxmlformats.org/drawingml/2006/main" xmlns:r="http://schemas.openxmlformats.org/officeDocument/2006/relationships" xmlns:p="http://schemas.openxmlformats.org/presentationml/2006/main">
+  <p:cSld>
+    <p:spTree>
+      <p:nvGrpSpPr>
+        <p:cNvPr id="1" name=""/>
+        <p:cNvGrpSpPr/>
+        <p:nvPr/>
+      </p:nvGrpSpPr>
+      <p:grpSpPr/>
+      <p:sp>
+        <p:nvSpPr>
+          <p:cNvPr id="2" name="Slide Image Placeholder 1"/>
+          <p:cNvSpPr/>
+          <p:nvPr>
+            <p:ph type="sldImg" idx="2"/>
+          </p:nvPr>
+        </p:nvSpPr>
+        <p:spPr/>
+      </p:sp>
+      <p:sp>
+        <p:nvSpPr>
+          <p:cNvPr id="3" name="Text Placeholder 2"/>
+          <p:cNvSpPr/>
+          <p:nvPr>
+            <p:ph type="body" idx="3"/>
+          </p:nvPr>
+        </p:nvSpPr>
+        <p:spPr/>
+        <p:txBody>
+          <a:bodyPr/>
+          <a:p>
+            <a:endParaRPr lang="en-US"/>
+          </a:p>
+        </p:txBody>
+      </p:sp>
+    </p:spTree>
+  </p:cSld>
+  <p:clrMapOvr>
+    <a:masterClrMapping/>
+  </p:clrMapOvr>
+</p:notes>
 </file>
 
 <file path=ppt/slideLayouts/slideLayout1.xml><?xml version="1.0" encoding="utf-8"?>
@@ -3064,7 +3464,7 @@
                   <a:srgbClr val="FF6600"/>
                 </a:solidFill>
               </a:rPr>
-              <a:t>Submitted By: Igwebuike Eze &amp; Lucy Nowascki</a:t>
+              <a:t>Submitted By: Igwebuike Eze &amp; Lucy Nowacki</a:t>
             </a:r>
             <a:endParaRPr lang="en-GB" altLang="en-US" sz="3600" dirty="0">
               <a:solidFill>
@@ -3112,6 +3512,1778 @@
   <p:clrMapOvr>
     <a:masterClrMapping/>
   </p:clrMapOvr>
+</p:sld>
+</file>
+
+<file path=ppt/slides/slide10.xml><?xml version="1.0" encoding="utf-8"?>
+<p:sld xmlns:a="http://schemas.openxmlformats.org/drawingml/2006/main" xmlns:r="http://schemas.openxmlformats.org/officeDocument/2006/relationships" xmlns:p="http://schemas.openxmlformats.org/presentationml/2006/main">
+  <p:cSld>
+    <p:spTree>
+      <p:nvGrpSpPr>
+        <p:cNvPr id="1" name=""/>
+        <p:cNvGrpSpPr/>
+        <p:nvPr/>
+      </p:nvGrpSpPr>
+      <p:grpSpPr/>
+      <p:sp>
+        <p:nvSpPr>
+          <p:cNvPr id="2" name="Title 1"/>
+          <p:cNvSpPr>
+            <a:spLocks noGrp="1"/>
+          </p:cNvSpPr>
+          <p:nvPr>
+            <p:ph type="title"/>
+          </p:nvPr>
+        </p:nvSpPr>
+        <p:spPr>
+          <a:xfrm>
+            <a:off x="838200" y="365125"/>
+            <a:ext cx="10515600" cy="628650"/>
+          </a:xfrm>
+        </p:spPr>
+        <p:txBody>
+          <a:bodyPr>
+            <a:normAutofit/>
+          </a:bodyPr>
+          <a:p>
+            <a:r>
+              <a:rPr lang="en-US" sz="2665" b="1">
+                <a:solidFill>
+                  <a:srgbClr val="0070C0"/>
+                </a:solidFill>
+                <a:latin typeface="Arial" panose="020B0604020202020204" pitchFamily="34" charset="0"/>
+                <a:cs typeface="Arial" panose="020B0604020202020204" pitchFamily="34" charset="0"/>
+              </a:rPr>
+              <a:t>Model Performance</a:t>
+            </a:r>
+            <a:r>
+              <a:rPr lang="en-GB" altLang="en-US" sz="2665" b="1">
+                <a:solidFill>
+                  <a:srgbClr val="0070C0"/>
+                </a:solidFill>
+                <a:latin typeface="Arial" panose="020B0604020202020204" pitchFamily="34" charset="0"/>
+                <a:cs typeface="Arial" panose="020B0604020202020204" pitchFamily="34" charset="0"/>
+              </a:rPr>
+              <a:t> Comparison</a:t>
+            </a:r>
+            <a:endParaRPr lang="en-GB" altLang="en-US" sz="2665" b="1">
+              <a:solidFill>
+                <a:srgbClr val="0070C0"/>
+              </a:solidFill>
+              <a:latin typeface="Arial" panose="020B0604020202020204" pitchFamily="34" charset="0"/>
+              <a:cs typeface="Arial" panose="020B0604020202020204" pitchFamily="34" charset="0"/>
+            </a:endParaRPr>
+          </a:p>
+        </p:txBody>
+      </p:sp>
+      <p:graphicFrame>
+        <p:nvGraphicFramePr>
+          <p:cNvPr id="4" name="Content Placeholder 3"/>
+          <p:cNvGraphicFramePr/>
+          <p:nvPr>
+            <p:ph idx="1"/>
+          </p:nvPr>
+        </p:nvGraphicFramePr>
+        <p:xfrm>
+          <a:off x="838200" y="1174115"/>
+          <a:ext cx="6309360" cy="3048000"/>
+        </p:xfrm>
+        <a:graphic>
+          <a:graphicData uri="http://schemas.openxmlformats.org/drawingml/2006/table">
+            <a:tbl>
+              <a:tblPr firstRow="1" bandRow="1">
+                <a:tableStyleId>{5C22544A-7EE6-4342-B048-85BDC9FD1C3A}</a:tableStyleId>
+              </a:tblPr>
+              <a:tblGrid>
+                <a:gridCol w="2103120"/>
+                <a:gridCol w="1051560"/>
+                <a:gridCol w="1051560"/>
+                <a:gridCol w="1051560"/>
+                <a:gridCol w="1051560"/>
+              </a:tblGrid>
+              <a:tr h="381000">
+                <a:tc>
+                  <a:txBody>
+                    <a:bodyPr/>
+                    <a:p>
+                      <a:pPr>
+                        <a:buNone/>
+                      </a:pPr>
+                      <a:r>
+                        <a:rPr lang="en-GB" altLang="en-US"/>
+                        <a:t>Model</a:t>
+                      </a:r>
+                      <a:endParaRPr lang="en-GB" altLang="en-US"/>
+                    </a:p>
+                  </a:txBody>
+                  <a:tcPr/>
+                </a:tc>
+                <a:tc gridSpan="2">
+                  <a:txBody>
+                    <a:bodyPr/>
+                    <a:p>
+                      <a:pPr>
+                        <a:buNone/>
+                      </a:pPr>
+                      <a:r>
+                        <a:rPr lang="en-GB" altLang="en-US"/>
+                        <a:t>NanoGPT</a:t>
+                      </a:r>
+                      <a:endParaRPr lang="en-GB" altLang="en-US"/>
+                    </a:p>
+                  </a:txBody>
+                  <a:tcPr/>
+                </a:tc>
+                <a:tc hMerge="1">
+                  <a:tcPr/>
+                </a:tc>
+                <a:tc gridSpan="2">
+                  <a:txBody>
+                    <a:bodyPr/>
+                    <a:p>
+                      <a:pPr>
+                        <a:buNone/>
+                      </a:pPr>
+                      <a:r>
+                        <a:rPr lang="en-GB" altLang="en-US"/>
+                        <a:t>xLSTM</a:t>
+                      </a:r>
+                      <a:endParaRPr lang="en-GB" altLang="en-US"/>
+                    </a:p>
+                  </a:txBody>
+                  <a:tcPr/>
+                </a:tc>
+                <a:tc hMerge="1">
+                  <a:tcPr/>
+                </a:tc>
+              </a:tr>
+              <a:tr h="381000">
+                <a:tc>
+                  <a:txBody>
+                    <a:bodyPr/>
+                    <a:p>
+                      <a:pPr>
+                        <a:buNone/>
+                      </a:pPr>
+                      <a:r>
+                        <a:rPr lang="en-GB" altLang="en-US"/>
+                        <a:t>No. of Params(M)</a:t>
+                      </a:r>
+                      <a:endParaRPr lang="en-GB" altLang="en-US"/>
+                    </a:p>
+                  </a:txBody>
+                  <a:tcPr/>
+                </a:tc>
+                <a:tc gridSpan="2">
+                  <a:txBody>
+                    <a:bodyPr/>
+                    <a:p>
+                      <a:pPr>
+                        <a:buNone/>
+                      </a:pPr>
+                      <a:r>
+                        <a:rPr lang="en-GB" altLang="en-US"/>
+                        <a:t>29.95</a:t>
+                      </a:r>
+                      <a:endParaRPr lang="en-GB" altLang="en-US"/>
+                    </a:p>
+                  </a:txBody>
+                  <a:tcPr/>
+                </a:tc>
+                <a:tc hMerge="1">
+                  <a:tcPr/>
+                </a:tc>
+                <a:tc gridSpan="2">
+                  <a:txBody>
+                    <a:bodyPr/>
+                    <a:p>
+                      <a:pPr>
+                        <a:buNone/>
+                      </a:pPr>
+                      <a:r>
+                        <a:rPr lang="en-GB" altLang="en-US"/>
+                        <a:t>6.68</a:t>
+                      </a:r>
+                      <a:endParaRPr lang="en-GB" altLang="en-US"/>
+                    </a:p>
+                  </a:txBody>
+                  <a:tcPr/>
+                </a:tc>
+                <a:tc hMerge="1">
+                  <a:tcPr/>
+                </a:tc>
+              </a:tr>
+              <a:tr h="381000">
+                <a:tc>
+                  <a:txBody>
+                    <a:bodyPr/>
+                    <a:p>
+                      <a:pPr>
+                        <a:buNone/>
+                      </a:pPr>
+                      <a:r>
+                        <a:rPr lang="en-GB" altLang="en-US"/>
+                        <a:t>Accuracy</a:t>
+                      </a:r>
+                      <a:endParaRPr lang="en-GB" altLang="en-US"/>
+                    </a:p>
+                  </a:txBody>
+                  <a:tcPr/>
+                </a:tc>
+                <a:tc gridSpan="2">
+                  <a:txBody>
+                    <a:bodyPr/>
+                    <a:p>
+                      <a:pPr>
+                        <a:buNone/>
+                      </a:pPr>
+                      <a:r>
+                        <a:rPr lang="en-GB" altLang="en-US"/>
+                        <a:t>0.9271</a:t>
+                      </a:r>
+                      <a:endParaRPr lang="en-GB" altLang="en-US"/>
+                    </a:p>
+                  </a:txBody>
+                  <a:tcPr/>
+                </a:tc>
+                <a:tc hMerge="1">
+                  <a:tcPr/>
+                </a:tc>
+                <a:tc gridSpan="2">
+                  <a:txBody>
+                    <a:bodyPr/>
+                    <a:p>
+                      <a:pPr>
+                        <a:buNone/>
+                      </a:pPr>
+                      <a:r>
+                        <a:rPr lang="en-GB" altLang="en-US"/>
+                        <a:t>0.9987</a:t>
+                      </a:r>
+                      <a:endParaRPr lang="en-GB" altLang="en-US"/>
+                    </a:p>
+                  </a:txBody>
+                  <a:tcPr/>
+                </a:tc>
+                <a:tc hMerge="1">
+                  <a:tcPr/>
+                </a:tc>
+              </a:tr>
+              <a:tr h="381000">
+                <a:tc>
+                  <a:txBody>
+                    <a:bodyPr/>
+                    <a:p>
+                      <a:pPr>
+                        <a:buNone/>
+                      </a:pPr>
+                      <a:r>
+                        <a:rPr lang="en-GB" altLang="en-US"/>
+                        <a:t>ROC AUC</a:t>
+                      </a:r>
+                      <a:endParaRPr lang="en-GB" altLang="en-US"/>
+                    </a:p>
+                  </a:txBody>
+                  <a:tcPr/>
+                </a:tc>
+                <a:tc gridSpan="2">
+                  <a:txBody>
+                    <a:bodyPr/>
+                    <a:p>
+                      <a:pPr>
+                        <a:buNone/>
+                      </a:pPr>
+                      <a:r>
+                        <a:rPr lang="en-GB" altLang="en-US"/>
+                        <a:t>-</a:t>
+                      </a:r>
+                      <a:endParaRPr lang="en-GB" altLang="en-US"/>
+                    </a:p>
+                  </a:txBody>
+                  <a:tcPr/>
+                </a:tc>
+                <a:tc hMerge="1">
+                  <a:tcPr/>
+                </a:tc>
+                <a:tc gridSpan="2">
+                  <a:txBody>
+                    <a:bodyPr/>
+                    <a:p>
+                      <a:pPr>
+                        <a:buNone/>
+                      </a:pPr>
+                      <a:r>
+                        <a:rPr lang="en-GB" altLang="en-US"/>
+                        <a:t>1.0000</a:t>
+                      </a:r>
+                      <a:endParaRPr lang="en-GB" altLang="en-US"/>
+                    </a:p>
+                  </a:txBody>
+                  <a:tcPr/>
+                </a:tc>
+                <a:tc hMerge="1">
+                  <a:tcPr/>
+                </a:tc>
+              </a:tr>
+              <a:tr h="381000">
+                <a:tc>
+                  <a:txBody>
+                    <a:bodyPr/>
+                    <a:p>
+                      <a:pPr>
+                        <a:buNone/>
+                      </a:pPr>
+                      <a:r>
+                        <a:rPr lang="en-GB" altLang="en-US" sz="1800">
+                          <a:sym typeface="+mn-ea"/>
+                        </a:rPr>
+                        <a:t>Class</a:t>
+                      </a:r>
+                      <a:endParaRPr lang="en-US"/>
+                    </a:p>
+                  </a:txBody>
+                  <a:tcPr/>
+                </a:tc>
+                <a:tc>
+                  <a:txBody>
+                    <a:bodyPr/>
+                    <a:p>
+                      <a:pPr>
+                        <a:buNone/>
+                      </a:pPr>
+                      <a:r>
+                        <a:rPr lang="en-GB" altLang="en-US"/>
+                        <a:t>0</a:t>
+                      </a:r>
+                      <a:endParaRPr lang="en-GB" altLang="en-US"/>
+                    </a:p>
+                  </a:txBody>
+                  <a:tcPr/>
+                </a:tc>
+                <a:tc>
+                  <a:txBody>
+                    <a:bodyPr/>
+                    <a:p>
+                      <a:pPr>
+                        <a:buNone/>
+                      </a:pPr>
+                      <a:r>
+                        <a:rPr lang="en-GB" altLang="en-US"/>
+                        <a:t>1</a:t>
+                      </a:r>
+                      <a:endParaRPr lang="en-GB" altLang="en-US"/>
+                    </a:p>
+                  </a:txBody>
+                  <a:tcPr/>
+                </a:tc>
+                <a:tc>
+                  <a:txBody>
+                    <a:bodyPr/>
+                    <a:p>
+                      <a:pPr>
+                        <a:buNone/>
+                      </a:pPr>
+                      <a:r>
+                        <a:rPr lang="en-GB" altLang="en-US"/>
+                        <a:t>0</a:t>
+                      </a:r>
+                      <a:endParaRPr lang="en-GB" altLang="en-US"/>
+                    </a:p>
+                  </a:txBody>
+                  <a:tcPr/>
+                </a:tc>
+                <a:tc>
+                  <a:txBody>
+                    <a:bodyPr/>
+                    <a:p>
+                      <a:pPr>
+                        <a:buNone/>
+                      </a:pPr>
+                      <a:r>
+                        <a:rPr lang="en-GB" altLang="en-US"/>
+                        <a:t>1</a:t>
+                      </a:r>
+                      <a:endParaRPr lang="en-GB" altLang="en-US"/>
+                    </a:p>
+                  </a:txBody>
+                  <a:tcPr/>
+                </a:tc>
+              </a:tr>
+              <a:tr h="381000">
+                <a:tc>
+                  <a:txBody>
+                    <a:bodyPr/>
+                    <a:p>
+                      <a:pPr>
+                        <a:buNone/>
+                      </a:pPr>
+                      <a:r>
+                        <a:rPr lang="en-GB" altLang="en-US"/>
+                        <a:t>Precision</a:t>
+                      </a:r>
+                      <a:endParaRPr lang="en-GB" altLang="en-US"/>
+                    </a:p>
+                  </a:txBody>
+                  <a:tcPr/>
+                </a:tc>
+                <a:tc>
+                  <a:txBody>
+                    <a:bodyPr/>
+                    <a:p>
+                      <a:pPr>
+                        <a:buNone/>
+                      </a:pPr>
+                      <a:r>
+                        <a:rPr lang="en-GB" altLang="en-US"/>
+                        <a:t>0.93</a:t>
+                      </a:r>
+                      <a:endParaRPr lang="en-GB" altLang="en-US"/>
+                    </a:p>
+                  </a:txBody>
+                  <a:tcPr/>
+                </a:tc>
+                <a:tc>
+                  <a:txBody>
+                    <a:bodyPr/>
+                    <a:p>
+                      <a:pPr>
+                        <a:buNone/>
+                      </a:pPr>
+                      <a:r>
+                        <a:rPr lang="en-GB" altLang="en-US"/>
+                        <a:t>0.00</a:t>
+                      </a:r>
+                      <a:endParaRPr lang="en-GB" altLang="en-US"/>
+                    </a:p>
+                  </a:txBody>
+                  <a:tcPr/>
+                </a:tc>
+                <a:tc>
+                  <a:txBody>
+                    <a:bodyPr/>
+                    <a:p>
+                      <a:pPr>
+                        <a:buNone/>
+                      </a:pPr>
+                      <a:r>
+                        <a:rPr lang="en-GB" altLang="en-US"/>
+                        <a:t>0.9990</a:t>
+                      </a:r>
+                      <a:endParaRPr lang="en-GB" altLang="en-US"/>
+                    </a:p>
+                  </a:txBody>
+                  <a:tcPr/>
+                </a:tc>
+                <a:tc>
+                  <a:txBody>
+                    <a:bodyPr/>
+                    <a:p>
+                      <a:pPr>
+                        <a:buNone/>
+                      </a:pPr>
+                      <a:r>
+                        <a:rPr lang="en-GB" altLang="en-US"/>
+                        <a:t>0.9958</a:t>
+                      </a:r>
+                      <a:endParaRPr lang="en-GB" altLang="en-US"/>
+                    </a:p>
+                  </a:txBody>
+                  <a:tcPr/>
+                </a:tc>
+              </a:tr>
+              <a:tr h="381000">
+                <a:tc>
+                  <a:txBody>
+                    <a:bodyPr/>
+                    <a:p>
+                      <a:pPr>
+                        <a:buNone/>
+                      </a:pPr>
+                      <a:r>
+                        <a:rPr lang="en-GB" altLang="en-US"/>
+                        <a:t>Recall</a:t>
+                      </a:r>
+                      <a:endParaRPr lang="en-GB" altLang="en-US"/>
+                    </a:p>
+                  </a:txBody>
+                  <a:tcPr/>
+                </a:tc>
+                <a:tc>
+                  <a:txBody>
+                    <a:bodyPr/>
+                    <a:p>
+                      <a:pPr>
+                        <a:buNone/>
+                      </a:pPr>
+                      <a:r>
+                        <a:rPr lang="en-GB" altLang="en-US"/>
+                        <a:t>1.00</a:t>
+                      </a:r>
+                      <a:endParaRPr lang="en-GB" altLang="en-US"/>
+                    </a:p>
+                  </a:txBody>
+                  <a:tcPr/>
+                </a:tc>
+                <a:tc>
+                  <a:txBody>
+                    <a:bodyPr/>
+                    <a:p>
+                      <a:pPr>
+                        <a:buNone/>
+                      </a:pPr>
+                      <a:r>
+                        <a:rPr lang="en-GB" altLang="en-US"/>
+                        <a:t>0.00</a:t>
+                      </a:r>
+                      <a:endParaRPr lang="en-GB" altLang="en-US"/>
+                    </a:p>
+                  </a:txBody>
+                  <a:tcPr/>
+                </a:tc>
+                <a:tc>
+                  <a:txBody>
+                    <a:bodyPr/>
+                    <a:p>
+                      <a:pPr>
+                        <a:buNone/>
+                      </a:pPr>
+                      <a:r>
+                        <a:rPr lang="en-GB" altLang="en-US"/>
+                        <a:t>0.9997</a:t>
+                      </a:r>
+                      <a:endParaRPr lang="en-GB" altLang="en-US"/>
+                    </a:p>
+                  </a:txBody>
+                  <a:tcPr/>
+                </a:tc>
+                <a:tc>
+                  <a:txBody>
+                    <a:bodyPr/>
+                    <a:p>
+                      <a:pPr>
+                        <a:buNone/>
+                      </a:pPr>
+                      <a:r>
+                        <a:rPr lang="en-GB" altLang="en-US"/>
+                        <a:t>0.9876</a:t>
+                      </a:r>
+                      <a:endParaRPr lang="en-GB" altLang="en-US"/>
+                    </a:p>
+                  </a:txBody>
+                  <a:tcPr/>
+                </a:tc>
+              </a:tr>
+              <a:tr h="381000">
+                <a:tc>
+                  <a:txBody>
+                    <a:bodyPr/>
+                    <a:p>
+                      <a:pPr>
+                        <a:buNone/>
+                      </a:pPr>
+                      <a:r>
+                        <a:rPr lang="en-GB" altLang="en-US"/>
+                        <a:t>F1-Score</a:t>
+                      </a:r>
+                      <a:endParaRPr lang="en-GB" altLang="en-US"/>
+                    </a:p>
+                  </a:txBody>
+                  <a:tcPr/>
+                </a:tc>
+                <a:tc>
+                  <a:txBody>
+                    <a:bodyPr/>
+                    <a:p>
+                      <a:pPr>
+                        <a:buNone/>
+                      </a:pPr>
+                      <a:r>
+                        <a:rPr lang="en-GB" altLang="en-US"/>
+                        <a:t>0.96</a:t>
+                      </a:r>
+                      <a:endParaRPr lang="en-GB" altLang="en-US"/>
+                    </a:p>
+                  </a:txBody>
+                  <a:tcPr/>
+                </a:tc>
+                <a:tc>
+                  <a:txBody>
+                    <a:bodyPr/>
+                    <a:p>
+                      <a:pPr>
+                        <a:buNone/>
+                      </a:pPr>
+                      <a:r>
+                        <a:rPr lang="en-GB" altLang="en-US"/>
+                        <a:t>0.00</a:t>
+                      </a:r>
+                      <a:endParaRPr lang="en-GB" altLang="en-US"/>
+                    </a:p>
+                  </a:txBody>
+                  <a:tcPr/>
+                </a:tc>
+                <a:tc>
+                  <a:txBody>
+                    <a:bodyPr/>
+                    <a:p>
+                      <a:pPr>
+                        <a:buNone/>
+                      </a:pPr>
+                      <a:r>
+                        <a:rPr lang="en-GB" altLang="en-US"/>
+                        <a:t>0.9993</a:t>
+                      </a:r>
+                      <a:endParaRPr lang="en-GB" altLang="en-US"/>
+                    </a:p>
+                  </a:txBody>
+                  <a:tcPr/>
+                </a:tc>
+                <a:tc>
+                  <a:txBody>
+                    <a:bodyPr/>
+                    <a:p>
+                      <a:pPr>
+                        <a:buNone/>
+                      </a:pPr>
+                      <a:r>
+                        <a:rPr lang="en-GB" altLang="en-US"/>
+                        <a:t>0.9917</a:t>
+                      </a:r>
+                      <a:endParaRPr lang="en-GB" altLang="en-US"/>
+                    </a:p>
+                  </a:txBody>
+                  <a:tcPr/>
+                </a:tc>
+              </a:tr>
+            </a:tbl>
+          </a:graphicData>
+        </a:graphic>
+      </p:graphicFrame>
+      <p:sp>
+        <p:nvSpPr>
+          <p:cNvPr id="65" name="textbox 65"/>
+          <p:cNvSpPr/>
+          <p:nvPr/>
+        </p:nvSpPr>
+        <p:spPr>
+          <a:xfrm>
+            <a:off x="838200" y="4401820"/>
+            <a:ext cx="3459480" cy="354330"/>
+          </a:xfrm>
+          <a:prstGeom prst="rect">
+            <a:avLst/>
+          </a:prstGeom>
+          <a:solidFill>
+            <a:srgbClr val="5B9BD5"/>
+          </a:solidFill>
+        </p:spPr>
+        <p:txBody>
+          <a:bodyPr vert="horz" wrap="square" lIns="0" tIns="0" rIns="0" bIns="0"/>
+          <a:p>
+            <a:pPr algn="l" rtl="0" eaLnBrk="0">
+              <a:lnSpc>
+                <a:spcPct val="135000"/>
+              </a:lnSpc>
+            </a:pPr>
+            <a:endParaRPr lang="en-US" altLang="en-US" sz="200" dirty="0">
+              <a:latin typeface="Arial" panose="020B0604020202020204" pitchFamily="34" charset="0"/>
+              <a:cs typeface="Arial" panose="020B0604020202020204" pitchFamily="34" charset="0"/>
+            </a:endParaRPr>
+          </a:p>
+          <a:p>
+            <a:pPr marL="262890" algn="l" rtl="0" eaLnBrk="0">
+              <a:lnSpc>
+                <a:spcPts val="1840"/>
+              </a:lnSpc>
+              <a:spcBef>
+                <a:spcPts val="0"/>
+              </a:spcBef>
+            </a:pPr>
+            <a:r>
+              <a:rPr b="1" kern="0" spc="-30" dirty="0">
+                <a:solidFill>
+                  <a:srgbClr val="000000">
+                    <a:alpha val="100000"/>
+                  </a:srgbClr>
+                </a:solidFill>
+                <a:latin typeface="Arial" panose="020B0604020202020204" pitchFamily="34" charset="0"/>
+                <a:ea typeface="Arial" panose="020B0604020202020204"/>
+                <a:cs typeface="Arial" panose="020B0604020202020204" pitchFamily="34" charset="0"/>
+              </a:rPr>
+              <a:t>Observations</a:t>
+            </a:r>
+            <a:r>
+              <a:rPr kern="0" spc="-20" dirty="0">
+                <a:solidFill>
+                  <a:srgbClr val="000000">
+                    <a:alpha val="100000"/>
+                  </a:srgbClr>
+                </a:solidFill>
+                <a:latin typeface="Arial" panose="020B0604020202020204" pitchFamily="34" charset="0"/>
+                <a:ea typeface="Arial" panose="020B0604020202020204"/>
+                <a:cs typeface="Arial" panose="020B0604020202020204" pitchFamily="34" charset="0"/>
+              </a:rPr>
+              <a:t> </a:t>
+            </a:r>
+            <a:r>
+              <a:rPr b="1" kern="0" spc="-30" dirty="0">
+                <a:solidFill>
+                  <a:srgbClr val="000000">
+                    <a:alpha val="100000"/>
+                  </a:srgbClr>
+                </a:solidFill>
+                <a:latin typeface="Arial" panose="020B0604020202020204" pitchFamily="34" charset="0"/>
+                <a:ea typeface="Arial" panose="020B0604020202020204"/>
+                <a:cs typeface="Arial" panose="020B0604020202020204" pitchFamily="34" charset="0"/>
+              </a:rPr>
+              <a:t>/</a:t>
+            </a:r>
+            <a:r>
+              <a:rPr kern="0" spc="80" dirty="0">
+                <a:solidFill>
+                  <a:srgbClr val="000000">
+                    <a:alpha val="100000"/>
+                  </a:srgbClr>
+                </a:solidFill>
+                <a:latin typeface="Arial" panose="020B0604020202020204" pitchFamily="34" charset="0"/>
+                <a:ea typeface="Arial" panose="020B0604020202020204"/>
+                <a:cs typeface="Arial" panose="020B0604020202020204" pitchFamily="34" charset="0"/>
+              </a:rPr>
+              <a:t> </a:t>
+            </a:r>
+            <a:r>
+              <a:rPr b="1" kern="0" spc="-30" dirty="0">
+                <a:solidFill>
+                  <a:srgbClr val="000000">
+                    <a:alpha val="100000"/>
+                  </a:srgbClr>
+                </a:solidFill>
+                <a:latin typeface="Arial" panose="020B0604020202020204" pitchFamily="34" charset="0"/>
+                <a:ea typeface="Arial" panose="020B0604020202020204"/>
+                <a:cs typeface="Arial" panose="020B0604020202020204" pitchFamily="34" charset="0"/>
+              </a:rPr>
+              <a:t>Findings</a:t>
+            </a:r>
+            <a:endParaRPr lang="en-US" altLang="en-US" dirty="0">
+              <a:latin typeface="Arial" panose="020B0604020202020204" pitchFamily="34" charset="0"/>
+              <a:cs typeface="Arial" panose="020B0604020202020204" pitchFamily="34" charset="0"/>
+            </a:endParaRPr>
+          </a:p>
+        </p:txBody>
+      </p:sp>
+      <p:sp>
+        <p:nvSpPr>
+          <p:cNvPr id="62" name="rect"/>
+          <p:cNvSpPr/>
+          <p:nvPr/>
+        </p:nvSpPr>
+        <p:spPr>
+          <a:xfrm>
+            <a:off x="716915" y="4755515"/>
+            <a:ext cx="11019155" cy="1972310"/>
+          </a:xfrm>
+          <a:prstGeom prst="rect">
+            <a:avLst/>
+          </a:prstGeom>
+          <a:solidFill>
+            <a:srgbClr val="5B9BD5">
+              <a:alpha val="20000"/>
+            </a:srgbClr>
+          </a:solidFill>
+          <a:ln cap="flat">
+            <a:noFill/>
+            <a:prstDash val="solid"/>
+            <a:miter lim="0"/>
+          </a:ln>
+        </p:spPr>
+        <p:txBody>
+          <a:bodyPr rtlCol="0"/>
+          <a:p>
+            <a:pPr marL="342900" indent="-342900">
+              <a:buAutoNum type="arabicPeriod"/>
+            </a:pPr>
+            <a:r>
+              <a:rPr lang="en-US" altLang="en-GB" dirty="0">
+                <a:latin typeface="Arial" panose="020B0604020202020204" pitchFamily="34" charset="0"/>
+                <a:cs typeface="Arial" panose="020B0604020202020204" pitchFamily="34" charset="0"/>
+              </a:rPr>
+              <a:t>nanoGPT achieves an accuracy of 0.9271, which is significantly lower compared to the xLSTM's accuracy of 0.9987. </a:t>
+            </a:r>
+            <a:endParaRPr lang="en-US" altLang="en-GB" dirty="0">
+              <a:latin typeface="Arial" panose="020B0604020202020204" pitchFamily="34" charset="0"/>
+              <a:cs typeface="Arial" panose="020B0604020202020204" pitchFamily="34" charset="0"/>
+            </a:endParaRPr>
+          </a:p>
+          <a:p>
+            <a:pPr marL="342900" indent="-342900">
+              <a:buAutoNum type="arabicPeriod"/>
+            </a:pPr>
+            <a:r>
+              <a:rPr lang="en-US" altLang="en-GB" dirty="0">
+                <a:latin typeface="Arial" panose="020B0604020202020204" pitchFamily="34" charset="0"/>
+                <a:cs typeface="Arial" panose="020B0604020202020204" pitchFamily="34" charset="0"/>
+              </a:rPr>
+              <a:t>nanoGPT model exhibits poor performance in detecting class 1 (hate speech) with a precision, recall, and F1-score of 0.00</a:t>
+            </a:r>
+            <a:r>
+              <a:rPr lang="en-GB" altLang="en-US" dirty="0">
+                <a:latin typeface="Arial" panose="020B0604020202020204" pitchFamily="34" charset="0"/>
+                <a:cs typeface="Arial" panose="020B0604020202020204" pitchFamily="34" charset="0"/>
+              </a:rPr>
+              <a:t> while</a:t>
+            </a:r>
+            <a:r>
+              <a:rPr lang="en-US" altLang="en-GB" dirty="0">
+                <a:latin typeface="Arial" panose="020B0604020202020204" pitchFamily="34" charset="0"/>
+                <a:cs typeface="Arial" panose="020B0604020202020204" pitchFamily="34" charset="0"/>
+              </a:rPr>
+              <a:t> xLSTM model shows  near-perfect scores for both classes.</a:t>
+            </a:r>
+            <a:endParaRPr lang="en-US" altLang="en-GB" dirty="0">
+              <a:latin typeface="Arial" panose="020B0604020202020204" pitchFamily="34" charset="0"/>
+              <a:cs typeface="Arial" panose="020B0604020202020204" pitchFamily="34" charset="0"/>
+            </a:endParaRPr>
+          </a:p>
+          <a:p>
+            <a:pPr marL="342900" indent="-342900">
+              <a:buAutoNum type="arabicPeriod"/>
+            </a:pPr>
+            <a:br>
+              <a:rPr lang="en-GB" dirty="0">
+                <a:latin typeface="Arial" panose="020B0604020202020204" pitchFamily="34" charset="0"/>
+                <a:cs typeface="Arial" panose="020B0604020202020204" pitchFamily="34" charset="0"/>
+              </a:rPr>
+            </a:br>
+            <a:endParaRPr lang="zh-CN" altLang="en-US" dirty="0">
+              <a:latin typeface="Arial" panose="020B0604020202020204" pitchFamily="34" charset="0"/>
+              <a:cs typeface="Arial" panose="020B0604020202020204" pitchFamily="34" charset="0"/>
+            </a:endParaRPr>
+          </a:p>
+        </p:txBody>
+      </p:sp>
+    </p:spTree>
+  </p:cSld>
+  <p:clrMapOvr>
+    <a:masterClrMapping/>
+  </p:clrMapOvr>
+</p:sld>
+</file>
+
+<file path=ppt/slides/slide11.xml><?xml version="1.0" encoding="utf-8"?>
+<p:sld xmlns:a="http://schemas.openxmlformats.org/drawingml/2006/main" xmlns:r="http://schemas.openxmlformats.org/officeDocument/2006/relationships" xmlns:p="http://schemas.openxmlformats.org/presentationml/2006/main">
+  <p:cSld>
+    <p:spTree>
+      <p:nvGrpSpPr>
+        <p:cNvPr id="1" name=""/>
+        <p:cNvGrpSpPr/>
+        <p:nvPr/>
+      </p:nvGrpSpPr>
+      <p:grpSpPr/>
+      <p:sp>
+        <p:nvSpPr>
+          <p:cNvPr id="2" name="Title 1"/>
+          <p:cNvSpPr>
+            <a:spLocks noGrp="1"/>
+          </p:cNvSpPr>
+          <p:nvPr>
+            <p:ph type="title"/>
+          </p:nvPr>
+        </p:nvSpPr>
+        <p:spPr>
+          <a:xfrm>
+            <a:off x="838200" y="365125"/>
+            <a:ext cx="10515600" cy="659130"/>
+          </a:xfrm>
+        </p:spPr>
+        <p:txBody>
+          <a:bodyPr/>
+          <a:p>
+            <a:r>
+              <a:rPr lang="en-GB" altLang="en-US" sz="2800" b="1">
+                <a:solidFill>
+                  <a:srgbClr val="0070C0"/>
+                </a:solidFill>
+                <a:latin typeface="Arial" panose="020B0604020202020204" pitchFamily="34" charset="0"/>
+                <a:cs typeface="Arial" panose="020B0604020202020204" pitchFamily="34" charset="0"/>
+              </a:rPr>
+              <a:t>Recommendations</a:t>
+            </a:r>
+            <a:endParaRPr lang="en-GB" altLang="en-US" sz="2800" b="1">
+              <a:solidFill>
+                <a:srgbClr val="0070C0"/>
+              </a:solidFill>
+              <a:latin typeface="Arial" panose="020B0604020202020204" pitchFamily="34" charset="0"/>
+              <a:cs typeface="Arial" panose="020B0604020202020204" pitchFamily="34" charset="0"/>
+            </a:endParaRPr>
+          </a:p>
+        </p:txBody>
+      </p:sp>
+      <p:sp>
+        <p:nvSpPr>
+          <p:cNvPr id="3" name="Content Placeholder 2"/>
+          <p:cNvSpPr>
+            <a:spLocks noGrp="1"/>
+          </p:cNvSpPr>
+          <p:nvPr>
+            <p:ph idx="1"/>
+          </p:nvPr>
+        </p:nvSpPr>
+        <p:spPr>
+          <a:xfrm>
+            <a:off x="838200" y="1266825"/>
+            <a:ext cx="10515600" cy="2955925"/>
+          </a:xfrm>
+        </p:spPr>
+        <p:txBody>
+          <a:bodyPr/>
+          <a:p>
+            <a:pPr marL="0" indent="0">
+              <a:buNone/>
+            </a:pPr>
+            <a:r>
+              <a:rPr lang="en-GB" altLang="en-US" sz="2400">
+                <a:latin typeface="Arial" panose="020B0604020202020204" pitchFamily="34" charset="0"/>
+                <a:cs typeface="Arial" panose="020B0604020202020204" pitchFamily="34" charset="0"/>
+              </a:rPr>
+              <a:t>1. </a:t>
+            </a:r>
+            <a:r>
+              <a:rPr lang="en-US" sz="2400">
+                <a:latin typeface="Arial" panose="020B0604020202020204" pitchFamily="34" charset="0"/>
+                <a:cs typeface="Arial" panose="020B0604020202020204" pitchFamily="34" charset="0"/>
+              </a:rPr>
+              <a:t>xLSTM model outperforms the nanoGPT model in terms of accuracy, precision, recall, and F1 score </a:t>
+            </a:r>
+            <a:r>
+              <a:rPr lang="en-GB" altLang="en-US" sz="2400">
+                <a:latin typeface="Arial" panose="020B0604020202020204" pitchFamily="34" charset="0"/>
+                <a:cs typeface="Arial" panose="020B0604020202020204" pitchFamily="34" charset="0"/>
+              </a:rPr>
+              <a:t>and</a:t>
+            </a:r>
+            <a:r>
+              <a:rPr lang="en-US" sz="2400">
+                <a:latin typeface="Arial" panose="020B0604020202020204" pitchFamily="34" charset="0"/>
+                <a:cs typeface="Arial" panose="020B0604020202020204" pitchFamily="34" charset="0"/>
+              </a:rPr>
+              <a:t> does so with significantly fewer parameters</a:t>
+            </a:r>
+            <a:r>
+              <a:rPr lang="en-GB" altLang="en-US" sz="2400">
+                <a:latin typeface="Arial" panose="020B0604020202020204" pitchFamily="34" charset="0"/>
+                <a:cs typeface="Arial" panose="020B0604020202020204" pitchFamily="34" charset="0"/>
+              </a:rPr>
+              <a:t> making it</a:t>
+            </a:r>
+            <a:r>
+              <a:rPr lang="en-US" sz="2400">
+                <a:latin typeface="Arial" panose="020B0604020202020204" pitchFamily="34" charset="0"/>
+                <a:cs typeface="Arial" panose="020B0604020202020204" pitchFamily="34" charset="0"/>
+              </a:rPr>
+              <a:t> a more efficient and effective solution for hate speech detection. </a:t>
+            </a:r>
+            <a:endParaRPr lang="en-US" sz="2400">
+              <a:latin typeface="Arial" panose="020B0604020202020204" pitchFamily="34" charset="0"/>
+              <a:cs typeface="Arial" panose="020B0604020202020204" pitchFamily="34" charset="0"/>
+            </a:endParaRPr>
+          </a:p>
+          <a:p>
+            <a:pPr marL="0" indent="0">
+              <a:buNone/>
+            </a:pPr>
+            <a:r>
+              <a:rPr lang="en-GB" altLang="en-US" sz="2400">
+                <a:latin typeface="Arial" panose="020B0604020202020204" pitchFamily="34" charset="0"/>
+                <a:cs typeface="Arial" panose="020B0604020202020204" pitchFamily="34" charset="0"/>
+              </a:rPr>
+              <a:t>2. xLSTM </a:t>
+            </a:r>
+            <a:r>
+              <a:rPr lang="en-US" sz="2400">
+                <a:latin typeface="Arial" panose="020B0604020202020204" pitchFamily="34" charset="0"/>
+                <a:cs typeface="Arial" panose="020B0604020202020204" pitchFamily="34" charset="0"/>
+              </a:rPr>
+              <a:t>offers superior performance while being resource-efficient, providing a strong competitive advantage in the NLP market.</a:t>
+            </a:r>
+            <a:endParaRPr lang="en-US" sz="2400">
+              <a:latin typeface="Arial" panose="020B0604020202020204" pitchFamily="34" charset="0"/>
+              <a:cs typeface="Arial" panose="020B0604020202020204" pitchFamily="34" charset="0"/>
+            </a:endParaRPr>
+          </a:p>
+        </p:txBody>
+      </p:sp>
+    </p:spTree>
+  </p:cSld>
+  <p:clrMapOvr>
+    <a:masterClrMapping/>
+  </p:clrMapOvr>
+</p:sld>
+</file>
+
+<file path=ppt/slides/slide12.xml><?xml version="1.0" encoding="utf-8"?>
+<p:sld xmlns:a="http://schemas.openxmlformats.org/drawingml/2006/main" xmlns:r="http://schemas.openxmlformats.org/officeDocument/2006/relationships" xmlns:p="http://schemas.openxmlformats.org/presentationml/2006/main">
+  <p:cSld>
+    <p:spTree>
+      <p:nvGrpSpPr>
+        <p:cNvPr id="1" name=""/>
+        <p:cNvGrpSpPr/>
+        <p:nvPr/>
+      </p:nvGrpSpPr>
+      <p:grpSpPr/>
+      <p:sp>
+        <p:nvSpPr>
+          <p:cNvPr id="2" name="Title 1"/>
+          <p:cNvSpPr>
+            <a:spLocks noGrp="1"/>
+          </p:cNvSpPr>
+          <p:nvPr>
+            <p:ph type="title"/>
+          </p:nvPr>
+        </p:nvSpPr>
+        <p:spPr>
+          <a:xfrm>
+            <a:off x="838200" y="365125"/>
+            <a:ext cx="10515600" cy="643890"/>
+          </a:xfrm>
+        </p:spPr>
+        <p:txBody>
+          <a:bodyPr/>
+          <a:p>
+            <a:r>
+              <a:rPr lang="en-US" sz="2800" b="1">
+                <a:solidFill>
+                  <a:srgbClr val="0070C0"/>
+                </a:solidFill>
+                <a:latin typeface="Arial" panose="020B0604020202020204" pitchFamily="34" charset="0"/>
+                <a:cs typeface="Arial" panose="020B0604020202020204" pitchFamily="34" charset="0"/>
+                <a:sym typeface="+mn-ea"/>
+              </a:rPr>
+              <a:t>Conclusion</a:t>
+            </a:r>
+            <a:endParaRPr lang="en-US" sz="2800" b="1">
+              <a:solidFill>
+                <a:srgbClr val="0070C0"/>
+              </a:solidFill>
+              <a:latin typeface="Arial" panose="020B0604020202020204" pitchFamily="34" charset="0"/>
+              <a:cs typeface="Arial" panose="020B0604020202020204" pitchFamily="34" charset="0"/>
+              <a:sym typeface="+mn-ea"/>
+            </a:endParaRPr>
+          </a:p>
+        </p:txBody>
+      </p:sp>
+      <p:sp>
+        <p:nvSpPr>
+          <p:cNvPr id="3" name="Content Placeholder 2"/>
+          <p:cNvSpPr>
+            <a:spLocks noGrp="1"/>
+          </p:cNvSpPr>
+          <p:nvPr>
+            <p:ph idx="1"/>
+          </p:nvPr>
+        </p:nvSpPr>
+        <p:spPr>
+          <a:xfrm>
+            <a:off x="838200" y="1297940"/>
+            <a:ext cx="10515600" cy="2893695"/>
+          </a:xfrm>
+        </p:spPr>
+        <p:txBody>
+          <a:bodyPr/>
+          <a:p>
+            <a:pPr marL="0" indent="0">
+              <a:buNone/>
+            </a:pPr>
+            <a:r>
+              <a:rPr lang="en-US" sz="2400">
+                <a:latin typeface="Arial" panose="020B0604020202020204" pitchFamily="34" charset="0"/>
+                <a:cs typeface="Arial" panose="020B0604020202020204" pitchFamily="34" charset="0"/>
+              </a:rPr>
+              <a:t>The comparative analysis clearly demonstrates that the xLSTM model not only outperforms the nanoGPT model in terms of accuracy, precision, recall, and F1 score but also does so with significantly fewer parameters. This makes the xLSTM model a more efficient and effective solution for hate speech detection. </a:t>
+            </a:r>
+            <a:endParaRPr lang="en-US" sz="2400">
+              <a:latin typeface="Arial" panose="020B0604020202020204" pitchFamily="34" charset="0"/>
+              <a:cs typeface="Arial" panose="020B0604020202020204" pitchFamily="34" charset="0"/>
+            </a:endParaRPr>
+          </a:p>
+        </p:txBody>
+      </p:sp>
+    </p:spTree>
+  </p:cSld>
+  <p:clrMapOvr>
+    <a:masterClrMapping/>
+  </p:clrMapOvr>
+</p:sld>
+</file>
+
+<file path=ppt/slides/slide13.xml><?xml version="1.0" encoding="utf-8"?>
+<p:sld xmlns:a="http://schemas.openxmlformats.org/drawingml/2006/main" xmlns:r="http://schemas.openxmlformats.org/officeDocument/2006/relationships" xmlns:p="http://schemas.openxmlformats.org/presentationml/2006/main">
+  <p:cSld>
+    <p:spTree>
+      <p:nvGrpSpPr>
+        <p:cNvPr id="1" name=""/>
+        <p:cNvGrpSpPr/>
+        <p:nvPr/>
+      </p:nvGrpSpPr>
+      <p:grpSpPr/>
+      <p:sp>
+        <p:nvSpPr>
+          <p:cNvPr id="2" name="Title 1"/>
+          <p:cNvSpPr>
+            <a:spLocks noGrp="1"/>
+          </p:cNvSpPr>
+          <p:nvPr>
+            <p:ph type="title"/>
+          </p:nvPr>
+        </p:nvSpPr>
+        <p:spPr>
+          <a:xfrm>
+            <a:off x="341630" y="365125"/>
+            <a:ext cx="10515600" cy="520065"/>
+          </a:xfrm>
+        </p:spPr>
+        <p:txBody>
+          <a:bodyPr>
+            <a:normAutofit/>
+          </a:bodyPr>
+          <a:p>
+            <a:r>
+              <a:rPr lang="en-GB" altLang="en-US" sz="2800" b="1">
+                <a:solidFill>
+                  <a:srgbClr val="0070C0"/>
+                </a:solidFill>
+                <a:latin typeface="Arial" panose="020B0604020202020204" pitchFamily="34" charset="0"/>
+                <a:cs typeface="Arial" panose="020B0604020202020204" pitchFamily="34" charset="0"/>
+              </a:rPr>
+              <a:t>Future Work</a:t>
+            </a:r>
+            <a:endParaRPr lang="en-GB" altLang="en-US" sz="2800" b="1">
+              <a:solidFill>
+                <a:srgbClr val="0070C0"/>
+              </a:solidFill>
+              <a:latin typeface="Arial" panose="020B0604020202020204" pitchFamily="34" charset="0"/>
+              <a:cs typeface="Arial" panose="020B0604020202020204" pitchFamily="34" charset="0"/>
+            </a:endParaRPr>
+          </a:p>
+        </p:txBody>
+      </p:sp>
+      <p:sp>
+        <p:nvSpPr>
+          <p:cNvPr id="3" name="Content Placeholder 2"/>
+          <p:cNvSpPr>
+            <a:spLocks noGrp="1"/>
+          </p:cNvSpPr>
+          <p:nvPr>
+            <p:ph idx="1"/>
+          </p:nvPr>
+        </p:nvSpPr>
+        <p:spPr>
+          <a:xfrm>
+            <a:off x="341630" y="885190"/>
+            <a:ext cx="11710670" cy="4284345"/>
+          </a:xfrm>
+        </p:spPr>
+        <p:txBody>
+          <a:bodyPr>
+            <a:noAutofit/>
+          </a:bodyPr>
+          <a:p>
+            <a:pPr marL="0" indent="0">
+              <a:buNone/>
+            </a:pPr>
+            <a:r>
+              <a:rPr lang="en-US" sz="2400">
+                <a:latin typeface="Arial" panose="020B0604020202020204" pitchFamily="34" charset="0"/>
+                <a:cs typeface="Arial" panose="020B0604020202020204" pitchFamily="34" charset="0"/>
+              </a:rPr>
+              <a:t>We will make better hate detection by:</a:t>
+            </a:r>
+            <a:endParaRPr lang="en-US" sz="2400">
+              <a:latin typeface="Arial" panose="020B0604020202020204" pitchFamily="34" charset="0"/>
+              <a:cs typeface="Arial" panose="020B0604020202020204" pitchFamily="34" charset="0"/>
+            </a:endParaRPr>
+          </a:p>
+          <a:p>
+            <a:r>
+              <a:rPr lang="en-GB" altLang="en-US" sz="2400">
+                <a:latin typeface="Arial" panose="020B0604020202020204" pitchFamily="34" charset="0"/>
+                <a:cs typeface="Arial" panose="020B0604020202020204" pitchFamily="34" charset="0"/>
+              </a:rPr>
+              <a:t>A</a:t>
+            </a:r>
+            <a:r>
+              <a:rPr lang="en-US" sz="2400">
+                <a:latin typeface="Arial" panose="020B0604020202020204" pitchFamily="34" charset="0"/>
+                <a:cs typeface="Arial" panose="020B0604020202020204" pitchFamily="34" charset="0"/>
+              </a:rPr>
+              <a:t>ugmentation</a:t>
+            </a:r>
+            <a:r>
+              <a:rPr lang="en-GB" altLang="en-US" sz="2400">
+                <a:latin typeface="Arial" panose="020B0604020202020204" pitchFamily="34" charset="0"/>
+                <a:cs typeface="Arial" panose="020B0604020202020204" pitchFamily="34" charset="0"/>
+              </a:rPr>
+              <a:t> of</a:t>
+            </a:r>
+            <a:r>
+              <a:rPr lang="en-US" sz="2400">
+                <a:latin typeface="Arial" panose="020B0604020202020204" pitchFamily="34" charset="0"/>
+                <a:cs typeface="Arial" panose="020B0604020202020204" pitchFamily="34" charset="0"/>
+              </a:rPr>
+              <a:t> the training data by abusive wording from the language dictionary</a:t>
+            </a:r>
+            <a:r>
+              <a:rPr lang="en-GB" altLang="en-US" sz="2400">
+                <a:latin typeface="Arial" panose="020B0604020202020204" pitchFamily="34" charset="0"/>
+                <a:cs typeface="Arial" panose="020B0604020202020204" pitchFamily="34" charset="0"/>
+              </a:rPr>
+              <a:t> </a:t>
+            </a:r>
+            <a:r>
+              <a:rPr lang="en-US" sz="2400">
+                <a:latin typeface="Arial" panose="020B0604020202020204" pitchFamily="34" charset="0"/>
+                <a:cs typeface="Arial" panose="020B0604020202020204" pitchFamily="34" charset="0"/>
+              </a:rPr>
+              <a:t>using another than GPT2 embedding</a:t>
+            </a:r>
+            <a:endParaRPr lang="en-US" sz="2400">
+              <a:latin typeface="Arial" panose="020B0604020202020204" pitchFamily="34" charset="0"/>
+              <a:cs typeface="Arial" panose="020B0604020202020204" pitchFamily="34" charset="0"/>
+            </a:endParaRPr>
+          </a:p>
+          <a:p>
+            <a:r>
+              <a:rPr lang="en-GB" altLang="en-US" sz="2400">
+                <a:latin typeface="Arial" panose="020B0604020202020204" pitchFamily="34" charset="0"/>
+                <a:cs typeface="Arial" panose="020B0604020202020204" pitchFamily="34" charset="0"/>
+              </a:rPr>
+              <a:t>I</a:t>
+            </a:r>
+            <a:r>
+              <a:rPr lang="en-US" sz="2400">
+                <a:latin typeface="Arial" panose="020B0604020202020204" pitchFamily="34" charset="0"/>
+                <a:cs typeface="Arial" panose="020B0604020202020204" pitchFamily="34" charset="0"/>
+              </a:rPr>
+              <a:t>ncorporating pretraining loop in which the model will learn next word instead of binary classification</a:t>
+            </a:r>
+            <a:endParaRPr lang="en-US" sz="2400">
+              <a:latin typeface="Arial" panose="020B0604020202020204" pitchFamily="34" charset="0"/>
+              <a:cs typeface="Arial" panose="020B0604020202020204" pitchFamily="34" charset="0"/>
+            </a:endParaRPr>
+          </a:p>
+          <a:p>
+            <a:r>
+              <a:rPr lang="en-GB" altLang="en-US" sz="2400">
+                <a:latin typeface="Arial" panose="020B0604020202020204" pitchFamily="34" charset="0"/>
+                <a:cs typeface="Arial" panose="020B0604020202020204" pitchFamily="34" charset="0"/>
+              </a:rPr>
+              <a:t>E</a:t>
+            </a:r>
+            <a:r>
+              <a:rPr lang="en-US" sz="2400">
+                <a:latin typeface="Arial" panose="020B0604020202020204" pitchFamily="34" charset="0"/>
+                <a:cs typeface="Arial" panose="020B0604020202020204" pitchFamily="34" charset="0"/>
+              </a:rPr>
+              <a:t>ns</a:t>
+            </a:r>
+            <a:r>
+              <a:rPr lang="en-GB" altLang="en-US" sz="2400">
+                <a:latin typeface="Arial" panose="020B0604020202020204" pitchFamily="34" charset="0"/>
+                <a:cs typeface="Arial" panose="020B0604020202020204" pitchFamily="34" charset="0"/>
+              </a:rPr>
+              <a:t>e</a:t>
+            </a:r>
+            <a:r>
+              <a:rPr lang="en-US" sz="2400">
+                <a:latin typeface="Arial" panose="020B0604020202020204" pitchFamily="34" charset="0"/>
+                <a:cs typeface="Arial" panose="020B0604020202020204" pitchFamily="34" charset="0"/>
+              </a:rPr>
+              <a:t>mble model by stacking xLSTM and GPT in residual block, where say, learning signal nanoGPT : xLSTM is 1:3</a:t>
+            </a:r>
+            <a:endParaRPr lang="en-US" sz="2400">
+              <a:latin typeface="Arial" panose="020B0604020202020204" pitchFamily="34" charset="0"/>
+              <a:cs typeface="Arial" panose="020B0604020202020204" pitchFamily="34" charset="0"/>
+            </a:endParaRPr>
+          </a:p>
+          <a:p>
+            <a:r>
+              <a:rPr lang="en-GB" altLang="en-US" sz="2400">
+                <a:latin typeface="Arial" panose="020B0604020202020204" pitchFamily="34" charset="0"/>
+                <a:cs typeface="Arial" panose="020B0604020202020204" pitchFamily="34" charset="0"/>
+              </a:rPr>
+              <a:t>U</a:t>
+            </a:r>
+            <a:r>
+              <a:rPr lang="en-US" sz="2400">
+                <a:latin typeface="Arial" panose="020B0604020202020204" pitchFamily="34" charset="0"/>
+                <a:cs typeface="Arial" panose="020B0604020202020204" pitchFamily="34" charset="0"/>
+              </a:rPr>
+              <a:t>sing adversarial training based on synthetic data augmentation on the ongoing basis during training</a:t>
+            </a:r>
+            <a:endParaRPr lang="en-US" sz="2400">
+              <a:latin typeface="Arial" panose="020B0604020202020204" pitchFamily="34" charset="0"/>
+              <a:cs typeface="Arial" panose="020B0604020202020204" pitchFamily="34" charset="0"/>
+            </a:endParaRPr>
+          </a:p>
+          <a:p>
+            <a:r>
+              <a:rPr lang="en-GB" altLang="en-US" sz="2400">
+                <a:latin typeface="Arial" panose="020B0604020202020204" pitchFamily="34" charset="0"/>
+                <a:cs typeface="Arial" panose="020B0604020202020204" pitchFamily="34" charset="0"/>
+              </a:rPr>
+              <a:t>I</a:t>
+            </a:r>
+            <a:r>
+              <a:rPr lang="en-US" sz="2400">
+                <a:latin typeface="Arial" panose="020B0604020202020204" pitchFamily="34" charset="0"/>
+                <a:cs typeface="Arial" panose="020B0604020202020204" pitchFamily="34" charset="0"/>
+              </a:rPr>
+              <a:t>ncorporating external liquid layers that will learn how to set up residual connections between blocks, blocks and so on</a:t>
+            </a:r>
+            <a:endParaRPr lang="en-US" sz="2400">
+              <a:latin typeface="Arial" panose="020B0604020202020204" pitchFamily="34" charset="0"/>
+              <a:cs typeface="Arial" panose="020B0604020202020204" pitchFamily="34" charset="0"/>
+            </a:endParaRPr>
+          </a:p>
+          <a:p>
+            <a:r>
+              <a:rPr lang="en-GB" altLang="en-US" sz="2400">
+                <a:latin typeface="Arial" panose="020B0604020202020204" pitchFamily="34" charset="0"/>
+                <a:cs typeface="Arial" panose="020B0604020202020204" pitchFamily="34" charset="0"/>
+              </a:rPr>
+              <a:t>C</a:t>
+            </a:r>
+            <a:r>
+              <a:rPr lang="en-US" sz="2400">
+                <a:latin typeface="Arial" panose="020B0604020202020204" pitchFamily="34" charset="0"/>
+                <a:cs typeface="Arial" panose="020B0604020202020204" pitchFamily="34" charset="0"/>
+              </a:rPr>
+              <a:t>urrent model is not trained enough since it should be trained on much larger number of tokens and conditionaly take into account abusive dictionary and phrases. </a:t>
+            </a:r>
+            <a:endParaRPr lang="en-US" sz="2400">
+              <a:latin typeface="Arial" panose="020B0604020202020204" pitchFamily="34" charset="0"/>
+              <a:cs typeface="Arial" panose="020B0604020202020204" pitchFamily="34" charset="0"/>
+            </a:endParaRPr>
+          </a:p>
+        </p:txBody>
+      </p:sp>
+    </p:spTree>
+  </p:cSld>
+  <p:clrMapOvr>
+    <a:masterClrMapping/>
+  </p:clrMapOvr>
+</p:sld>
+</file>
+
+<file path=ppt/slides/slide14.xml><?xml version="1.0" encoding="utf-8"?>
+<p:sld xmlns:a="http://schemas.openxmlformats.org/drawingml/2006/main" xmlns:r="http://schemas.openxmlformats.org/officeDocument/2006/relationships" xmlns:p="http://schemas.openxmlformats.org/presentationml/2006/main">
+  <p:cSld>
+    <p:spTree>
+      <p:nvGrpSpPr>
+        <p:cNvPr id="1" name=""/>
+        <p:cNvGrpSpPr/>
+        <p:nvPr/>
+      </p:nvGrpSpPr>
+      <p:grpSpPr>
+        <a:xfrm>
+          <a:off x="0" y="0"/>
+          <a:ext cx="0" cy="0"/>
+          <a:chOff x="0" y="0"/>
+          <a:chExt cx="0" cy="0"/>
+        </a:xfrm>
+      </p:grpSpPr>
+      <p:sp>
+        <p:nvSpPr>
+          <p:cNvPr id="2" name="Title 1"/>
+          <p:cNvSpPr>
+            <a:spLocks noGrp="1"/>
+          </p:cNvSpPr>
+          <p:nvPr>
+            <p:ph type="ctrTitle"/>
+          </p:nvPr>
+        </p:nvSpPr>
+        <p:spPr>
+          <a:xfrm rot="5400000">
+            <a:off x="-562431" y="562430"/>
+            <a:ext cx="6858002" cy="5733142"/>
+          </a:xfrm>
+          <a:solidFill>
+            <a:srgbClr val="3B3B3B"/>
+          </a:solidFill>
+        </p:spPr>
+        <p:txBody>
+          <a:bodyPr vert="vert270" anchor="t" anchorCtr="0"/>
+          <a:lstStyle/>
+          <a:p>
+            <a:r>
+              <a:rPr lang="en-GB" altLang="en-US" b="1" dirty="0">
+                <a:solidFill>
+                  <a:srgbClr val="FF6600"/>
+                </a:solidFill>
+              </a:rPr>
+              <a:t>Samson</a:t>
+            </a:r>
+            <a:br>
+              <a:rPr lang="en-GB" altLang="en-US" b="1" dirty="0">
+                <a:solidFill>
+                  <a:srgbClr val="FF6600"/>
+                </a:solidFill>
+              </a:rPr>
+            </a:br>
+            <a:br>
+              <a:rPr lang="en-GB" altLang="en-US" b="1" dirty="0">
+                <a:solidFill>
+                  <a:srgbClr val="FF6600"/>
+                </a:solidFill>
+              </a:rPr>
+            </a:br>
+            <a:br>
+              <a:rPr lang="en-GB" altLang="en-US" b="1" dirty="0">
+                <a:solidFill>
+                  <a:srgbClr val="FF6600"/>
+                </a:solidFill>
+              </a:rPr>
+            </a:br>
+            <a:r>
+              <a:rPr lang="en-GB" altLang="en-US" b="1" dirty="0">
+                <a:solidFill>
+                  <a:srgbClr val="FF6600"/>
+                </a:solidFill>
+              </a:rPr>
+              <a:t>&amp;</a:t>
+            </a:r>
+            <a:br>
+              <a:rPr lang="en-GB" altLang="en-US" b="1" dirty="0">
+                <a:solidFill>
+                  <a:srgbClr val="FF6600"/>
+                </a:solidFill>
+              </a:rPr>
+            </a:br>
+            <a:br>
+              <a:rPr lang="en-GB" altLang="en-US" b="1" dirty="0">
+                <a:solidFill>
+                  <a:srgbClr val="FF6600"/>
+                </a:solidFill>
+              </a:rPr>
+            </a:br>
+            <a:br>
+              <a:rPr lang="en-GB" altLang="en-US" b="1" dirty="0">
+                <a:solidFill>
+                  <a:srgbClr val="FF6600"/>
+                </a:solidFill>
+              </a:rPr>
+            </a:br>
+            <a:r>
+              <a:rPr lang="en-GB" altLang="en-US" b="1" dirty="0">
+                <a:solidFill>
+                  <a:srgbClr val="FF6600"/>
+                </a:solidFill>
+              </a:rPr>
+              <a:t>Lucy</a:t>
+            </a:r>
+            <a:endParaRPr lang="en-GB" altLang="en-US" b="1" dirty="0">
+              <a:solidFill>
+                <a:srgbClr val="FF6600"/>
+              </a:solidFill>
+            </a:endParaRPr>
+          </a:p>
+        </p:txBody>
+      </p:sp>
+      <p:pic>
+        <p:nvPicPr>
+          <p:cNvPr id="4" name="Picture 3"/>
+          <p:cNvPicPr>
+            <a:picLocks noChangeAspect="1"/>
+          </p:cNvPicPr>
+          <p:nvPr/>
+        </p:nvPicPr>
+        <p:blipFill>
+          <a:blip r:embed="rId1">
+            <a:extLst>
+              <a:ext uri="{28A0092B-C50C-407E-A947-70E740481C1C}">
+                <a14:useLocalDpi xmlns:a14="http://schemas.microsoft.com/office/drawing/2010/main" val="0"/>
+              </a:ext>
+            </a:extLst>
+          </a:blip>
+          <a:stretch>
+            <a:fillRect/>
+          </a:stretch>
+        </p:blipFill>
+        <p:spPr>
+          <a:xfrm>
+            <a:off x="0" y="5863771"/>
+            <a:ext cx="1654627" cy="994232"/>
+          </a:xfrm>
+          <a:prstGeom prst="rect">
+            <a:avLst/>
+          </a:prstGeom>
+        </p:spPr>
+      </p:pic>
+      <p:sp>
+        <p:nvSpPr>
+          <p:cNvPr id="6" name="Subtitle 5"/>
+          <p:cNvSpPr>
+            <a:spLocks noGrp="1"/>
+          </p:cNvSpPr>
+          <p:nvPr>
+            <p:ph type="subTitle" idx="1"/>
+          </p:nvPr>
+        </p:nvSpPr>
+        <p:spPr>
+          <a:xfrm>
+            <a:off x="6096635" y="1132840"/>
+            <a:ext cx="5653405" cy="3924300"/>
+          </a:xfrm>
+        </p:spPr>
+        <p:txBody>
+          <a:bodyPr>
+            <a:normAutofit/>
+          </a:bodyPr>
+          <a:lstStyle/>
+          <a:p>
+            <a:r>
+              <a:rPr lang="en-GB" altLang="en-US" sz="6600" dirty="0">
+                <a:solidFill>
+                  <a:srgbClr val="FF6600"/>
+                </a:solidFill>
+              </a:rPr>
+              <a:t>Say</a:t>
+            </a:r>
+            <a:endParaRPr lang="en-US" sz="6600" dirty="0">
+              <a:solidFill>
+                <a:srgbClr val="FF6600"/>
+              </a:solidFill>
+            </a:endParaRPr>
+          </a:p>
+          <a:p>
+            <a:endParaRPr lang="en-US" sz="6600" dirty="0">
+              <a:solidFill>
+                <a:srgbClr val="FF6600"/>
+              </a:solidFill>
+            </a:endParaRPr>
+          </a:p>
+          <a:p>
+            <a:r>
+              <a:rPr lang="en-US" sz="6600" dirty="0">
+                <a:solidFill>
+                  <a:srgbClr val="FF6600"/>
+                </a:solidFill>
+              </a:rPr>
+              <a:t>Thank You</a:t>
+            </a:r>
+            <a:endParaRPr lang="en-US" sz="6600" dirty="0">
+              <a:solidFill>
+                <a:srgbClr val="FF6600"/>
+              </a:solidFill>
+            </a:endParaRPr>
+          </a:p>
+          <a:p>
+            <a:endParaRPr lang="en-US" sz="6600" dirty="0">
+              <a:solidFill>
+                <a:srgbClr val="FF6600"/>
+              </a:solidFill>
+            </a:endParaRPr>
+          </a:p>
+        </p:txBody>
+      </p:sp>
+    </p:spTree>
+  </p:cSld>
+  <p:clrMapOvr>
+    <a:masterClrMapping/>
+  </p:clrMapOvr>
+  <p:timing>
+    <p:tnLst>
+      <p:par>
+        <p:cTn id="1" dur="indefinite" restart="never" nodeType="tmRoot">
+          <p:childTnLst>
+            <p:seq concurrent="1" nextAc="seek">
+              <p:cTn id="2" dur="indefinite" nodeType="mainSeq">
+                <p:childTnLst>
+                  <p:par>
+                    <p:cTn id="3" fill="hold">
+                      <p:stCondLst>
+                        <p:cond delay="indefinite"/>
+                        <p:cond evt="onBegin" delay="0">
+                          <p:tn val="2"/>
+                        </p:cond>
+                      </p:stCondLst>
+                      <p:childTnLst>
+                        <p:par>
+                          <p:cTn id="4" fill="hold">
+                            <p:stCondLst>
+                              <p:cond delay="0"/>
+                            </p:stCondLst>
+                            <p:childTnLst>
+                              <p:par>
+                                <p:cTn id="5" presetID="4" presetClass="entr" presetSubtype="16" fill="hold" nodeType="afterEffect">
+                                  <p:stCondLst>
+                                    <p:cond delay="0"/>
+                                  </p:stCondLst>
+                                  <p:childTnLst>
+                                    <p:set>
+                                      <p:cBhvr>
+                                        <p:cTn id="6" dur="1" fill="hold">
+                                          <p:stCondLst>
+                                            <p:cond delay="0"/>
+                                          </p:stCondLst>
+                                        </p:cTn>
+                                        <p:tgtEl>
+                                          <p:spTgt spid="6">
+                                            <p:txEl>
+                                              <p:pRg st="2" end="2"/>
+                                            </p:txEl>
+                                          </p:spTgt>
+                                        </p:tgtEl>
+                                        <p:attrNameLst>
+                                          <p:attrName>style.visibility</p:attrName>
+                                        </p:attrNameLst>
+                                      </p:cBhvr>
+                                      <p:to>
+                                        <p:strVal val="visible"/>
+                                      </p:to>
+                                    </p:set>
+                                    <p:animEffect transition="in" filter="box(in)">
+                                      <p:cBhvr>
+                                        <p:cTn id="7" dur="2000"/>
+                                        <p:tgtEl>
+                                          <p:spTgt spid="6">
+                                            <p:txEl>
+                                              <p:pRg st="2" end="2"/>
+                                            </p:txEl>
+                                          </p:spTgt>
+                                        </p:tgtEl>
+                                      </p:cBhvr>
+                                    </p:animEffect>
+                                  </p:childTnLst>
+                                </p:cTn>
+                              </p:par>
+                            </p:childTnLst>
+                          </p:cTn>
+                        </p:par>
+                        <p:par>
+                          <p:cTn id="8" fill="hold">
+                            <p:stCondLst>
+                              <p:cond delay="2000"/>
+                            </p:stCondLst>
+                            <p:childTnLst>
+                              <p:par>
+                                <p:cTn id="9" presetID="4" presetClass="entr" presetSubtype="16" fill="hold" nodeType="afterEffect">
+                                  <p:stCondLst>
+                                    <p:cond delay="0"/>
+                                  </p:stCondLst>
+                                  <p:childTnLst>
+                                    <p:set>
+                                      <p:cBhvr>
+                                        <p:cTn id="10" dur="1" fill="hold">
+                                          <p:stCondLst>
+                                            <p:cond delay="0"/>
+                                          </p:stCondLst>
+                                        </p:cTn>
+                                        <p:tgtEl>
+                                          <p:spTgt spid="6">
+                                            <p:txEl>
+                                              <p:pRg st="0" end="0"/>
+                                            </p:txEl>
+                                          </p:spTgt>
+                                        </p:tgtEl>
+                                        <p:attrNameLst>
+                                          <p:attrName>style.visibility</p:attrName>
+                                        </p:attrNameLst>
+                                      </p:cBhvr>
+                                      <p:to>
+                                        <p:strVal val="visible"/>
+                                      </p:to>
+                                    </p:set>
+                                    <p:animEffect transition="in" filter="box(in)">
+                                      <p:cBhvr>
+                                        <p:cTn id="11" dur="2000"/>
+                                        <p:tgtEl>
+                                          <p:spTgt spid="6">
+                                            <p:txEl>
+                                              <p:pRg st="0" end="0"/>
+                                            </p:txEl>
+                                          </p:spTgt>
+                                        </p:tgtEl>
+                                      </p:cBhvr>
+                                    </p:animEffect>
+                                  </p:childTnLst>
+                                </p:cTn>
+                              </p:par>
+                            </p:childTnLst>
+                          </p:cTn>
+                        </p:par>
+                        <p:par>
+                          <p:cTn id="12" fill="hold">
+                            <p:stCondLst>
+                              <p:cond delay="4000"/>
+                            </p:stCondLst>
+                            <p:childTnLst>
+                              <p:par>
+                                <p:cTn id="13" presetID="3" presetClass="entr" presetSubtype="10" fill="hold" grpId="0" nodeType="afterEffect">
+                                  <p:stCondLst>
+                                    <p:cond delay="0"/>
+                                  </p:stCondLst>
+                                  <p:childTnLst>
+                                    <p:set>
+                                      <p:cBhvr>
+                                        <p:cTn id="14" dur="1" fill="hold">
+                                          <p:stCondLst>
+                                            <p:cond delay="0"/>
+                                          </p:stCondLst>
+                                        </p:cTn>
+                                        <p:tgtEl>
+                                          <p:spTgt spid="2"/>
+                                        </p:tgtEl>
+                                        <p:attrNameLst>
+                                          <p:attrName>style.visibility</p:attrName>
+                                        </p:attrNameLst>
+                                      </p:cBhvr>
+                                      <p:to>
+                                        <p:strVal val="visible"/>
+                                      </p:to>
+                                    </p:set>
+                                    <p:animEffect transition="in" filter="blinds(horizontal)">
+                                      <p:cBhvr>
+                                        <p:cTn id="15" dur="500"/>
+                                        <p:tgtEl>
+                                          <p:spTgt spid="2"/>
+                                        </p:tgtEl>
+                                      </p:cBhvr>
+                                    </p:animEffect>
+                                  </p:childTnLst>
+                                </p:cTn>
+                              </p:par>
+                            </p:childTnLst>
+                          </p:cTn>
+                        </p:par>
+                      </p:childTnLst>
+                    </p:cTn>
+                  </p:par>
+                </p:childTnLst>
+              </p:cTn>
+              <p:prevCondLst>
+                <p:cond evt="onPrev" delay="0">
+                  <p:tgtEl>
+                    <p:sldTgt/>
+                  </p:tgtEl>
+                </p:cond>
+              </p:prevCondLst>
+              <p:nextCondLst>
+                <p:cond evt="onNext" delay="0">
+                  <p:tgtEl>
+                    <p:sldTgt/>
+                  </p:tgtEl>
+                </p:cond>
+              </p:nextCondLst>
+            </p:seq>
+          </p:childTnLst>
+        </p:cTn>
+      </p:par>
+    </p:tnLst>
+    <p:bldLst>
+      <p:bldP spid="2" grpId="0" animBg="1"/>
+      <p:bldP spid="2" grpId="1" animBg="1"/>
+    </p:bldLst>
+  </p:timing>
 </p:sld>
 </file>
 
@@ -3198,7 +5370,7 @@
         </p:spPr>
         <p:txBody>
           <a:bodyPr vert="vert270">
-            <a:normAutofit/>
+            <a:normAutofit lnSpcReduction="10000"/>
           </a:bodyPr>
           <a:lstStyle/>
           <a:p>
@@ -3328,7 +5500,7 @@
                   <a:srgbClr val="FF6600"/>
                 </a:solidFill>
               </a:rPr>
-              <a:t>         EDA</a:t>
+              <a:t>         EDA Summary</a:t>
             </a:r>
             <a:endParaRPr lang="en-US" sz="2800" dirty="0">
               <a:solidFill>
@@ -3344,7 +5516,55 @@
                   <a:srgbClr val="FF6600"/>
                 </a:solidFill>
               </a:rPr>
-              <a:t>         EDA Summary</a:t>
+              <a:t> </a:t>
+            </a:r>
+            <a:r>
+              <a:rPr lang="en-GB" altLang="en-US" sz="2800" dirty="0">
+                <a:solidFill>
+                  <a:srgbClr val="FF6600"/>
+                </a:solidFill>
+              </a:rPr>
+              <a:t>        </a:t>
+            </a:r>
+            <a:r>
+              <a:rPr lang="en-US" sz="2800">
+                <a:solidFill>
+                  <a:srgbClr val="FF6600"/>
+                </a:solidFill>
+                <a:latin typeface="Calibri(Body)" charset="0"/>
+                <a:cs typeface="Calibri(Body)" charset="0"/>
+                <a:sym typeface="+mn-ea"/>
+              </a:rPr>
+              <a:t>Model Performance</a:t>
+            </a:r>
+            <a:r>
+              <a:rPr lang="en-GB" altLang="en-US" sz="2800">
+                <a:solidFill>
+                  <a:srgbClr val="FF6600"/>
+                </a:solidFill>
+                <a:latin typeface="Calibri(Body)" charset="0"/>
+                <a:cs typeface="Calibri(Body)" charset="0"/>
+                <a:sym typeface="+mn-ea"/>
+              </a:rPr>
+              <a:t> Comparison</a:t>
+            </a:r>
+            <a:endParaRPr lang="en-US" sz="2800" dirty="0">
+              <a:solidFill>
+                <a:srgbClr val="FF6600"/>
+              </a:solidFill>
+              <a:latin typeface="Calibri(Body)" charset="0"/>
+              <a:cs typeface="Calibri(Body)" charset="0"/>
+            </a:endParaRPr>
+          </a:p>
+          <a:p>
+            <a:pPr algn="just"/>
+            <a:r>
+              <a:rPr lang="en-US" sz="2800" dirty="0">
+                <a:solidFill>
+                  <a:srgbClr val="FF6600"/>
+                </a:solidFill>
+              </a:rPr>
+              <a:t>         Recommendations</a:t>
             </a:r>
             <a:endParaRPr lang="en-US" sz="2800" dirty="0">
               <a:solidFill>
@@ -3355,12 +5575,28 @@
           <a:p>
             <a:pPr algn="just"/>
             <a:r>
-              <a:rPr lang="en-US" sz="2800" dirty="0">
+              <a:rPr lang="en-GB" altLang="en-US" sz="2800" dirty="0">
                 <a:solidFill>
                   <a:srgbClr val="FF6600"/>
                 </a:solidFill>
               </a:rPr>
-              <a:t>         Recommendations</a:t>
+              <a:t>         Conclusion</a:t>
+            </a:r>
+            <a:endParaRPr lang="en-GB" altLang="en-US" sz="2800" dirty="0">
+              <a:solidFill>
+                <a:srgbClr val="FF6600"/>
+              </a:solidFill>
+            </a:endParaRPr>
+          </a:p>
+          <a:p>
+            <a:pPr algn="just"/>
+            <a:r>
+              <a:rPr lang="en-GB" altLang="en-US" sz="2800" dirty="0">
+                <a:solidFill>
+                  <a:srgbClr val="FF6600"/>
+                </a:solidFill>
+              </a:rPr>
+              <a:t>         Future Work</a:t>
             </a:r>
             <a:endParaRPr lang="en-US" sz="2800" dirty="0">
               <a:solidFill>
@@ -3449,15 +5685,32 @@
             <p:ph type="title"/>
           </p:nvPr>
         </p:nvSpPr>
-        <p:spPr/>
+        <p:spPr>
+          <a:xfrm>
+            <a:off x="838200" y="365125"/>
+            <a:ext cx="10515600" cy="814070"/>
+          </a:xfrm>
+        </p:spPr>
         <p:txBody>
           <a:bodyPr/>
           <a:p>
             <a:r>
-              <a:rPr lang="en-GB" altLang="en-US"/>
+              <a:rPr lang="en-GB" altLang="en-US" sz="2800" b="1">
+                <a:solidFill>
+                  <a:schemeClr val="accent1"/>
+                </a:solidFill>
+                <a:latin typeface="Arial" panose="020B0604020202020204" pitchFamily="34" charset="0"/>
+                <a:cs typeface="Arial" panose="020B0604020202020204" pitchFamily="34" charset="0"/>
+              </a:rPr>
               <a:t>Executive Summary</a:t>
             </a:r>
-            <a:endParaRPr lang="en-GB" altLang="en-US"/>
+            <a:endParaRPr lang="en-GB" altLang="en-US" sz="2800" b="1">
+              <a:solidFill>
+                <a:schemeClr val="accent1"/>
+              </a:solidFill>
+              <a:latin typeface="Arial" panose="020B0604020202020204" pitchFamily="34" charset="0"/>
+              <a:cs typeface="Arial" panose="020B0604020202020204" pitchFamily="34" charset="0"/>
+            </a:endParaRPr>
           </a:p>
         </p:txBody>
       </p:sp>
@@ -3471,26 +5724,111 @@
             <p:ph idx="1"/>
           </p:nvPr>
         </p:nvSpPr>
-        <p:spPr/>
-        <p:txBody>
-          <a:bodyPr/>
+        <p:spPr>
+          <a:xfrm>
+            <a:off x="838200" y="1179195"/>
+            <a:ext cx="10515600" cy="3818890"/>
+          </a:xfrm>
+        </p:spPr>
+        <p:txBody>
+          <a:bodyPr>
+            <a:normAutofit lnSpcReduction="20000"/>
+          </a:bodyPr>
           <a:p>
             <a:pPr marL="0" indent="0">
               <a:buNone/>
             </a:pPr>
             <a:r>
-              <a:rPr lang="en-US"/>
-              <a:t>Detecting and mitigating hate speech on social media platforms is critical for fostering inclusive digital environments. Traditional large language models (LLMs) like GPT, BERT, and ILAMA are effective but resource-intensive, limiting their practicality for widespread deployment. Our focus is on developing models that balance effectiveness with resource efficiency, ensuring broader accessibility and scalability</a:t>
-            </a:r>
-            <a:r>
-              <a:rPr lang="en-GB" altLang="en-US"/>
+              <a:rPr lang="en-US" sz="2400">
+                <a:latin typeface="Arial" panose="020B0604020202020204" pitchFamily="34" charset="0"/>
+                <a:cs typeface="Arial" panose="020B0604020202020204" pitchFamily="34" charset="0"/>
+              </a:rPr>
+              <a:t>Detecting and mitigating hate speech on social media platforms is critical for fostering inclusive digital environments. Traditional large language models (LLMs) like GPT, BERT, and ILAMA are effective but resource-intensive, limiting their practicality for widespread deployment. </a:t>
+            </a:r>
+            <a:endParaRPr lang="en-US" sz="2400">
+              <a:latin typeface="Arial" panose="020B0604020202020204" pitchFamily="34" charset="0"/>
+              <a:cs typeface="Arial" panose="020B0604020202020204" pitchFamily="34" charset="0"/>
+            </a:endParaRPr>
+          </a:p>
+          <a:p>
+            <a:pPr marL="0" indent="0">
+              <a:buNone/>
+            </a:pPr>
+            <a:r>
+              <a:rPr lang="en-GB" altLang="en-US" sz="2400">
+                <a:latin typeface="Arial" panose="020B0604020202020204" pitchFamily="34" charset="0"/>
+                <a:cs typeface="Arial" panose="020B0604020202020204" pitchFamily="34" charset="0"/>
+                <a:sym typeface="+mn-ea"/>
+              </a:rPr>
+              <a:t>W</a:t>
+            </a:r>
+            <a:r>
+              <a:rPr lang="en-US" sz="2400">
+                <a:latin typeface="Arial" panose="020B0604020202020204" pitchFamily="34" charset="0"/>
+                <a:cs typeface="Arial" panose="020B0604020202020204" pitchFamily="34" charset="0"/>
+                <a:sym typeface="+mn-ea"/>
+              </a:rPr>
+              <a:t>e used implementaion of xLSTM architecture provided from inventors</a:t>
+            </a:r>
+            <a:r>
+              <a:rPr lang="en-GB" altLang="en-US" sz="2400">
+                <a:latin typeface="Arial" panose="020B0604020202020204" pitchFamily="34" charset="0"/>
+                <a:cs typeface="Arial" panose="020B0604020202020204" pitchFamily="34" charset="0"/>
+                <a:sym typeface="+mn-ea"/>
+              </a:rPr>
+              <a:t> [xLSTM: Efficient and Scalable Neural Networks for Sequence Learning](https://arxiv.org/abs/2405.04517)</a:t>
+            </a:r>
+            <a:r>
+              <a:rPr lang="en-US" sz="2400">
+                <a:latin typeface="Arial" panose="020B0604020202020204" pitchFamily="34" charset="0"/>
+                <a:cs typeface="Arial" panose="020B0604020202020204" pitchFamily="34" charset="0"/>
+                <a:sym typeface="+mn-ea"/>
+              </a:rPr>
+              <a:t> of xLSTM's technology with some modification to adjust the training for binary classifier</a:t>
+            </a:r>
+            <a:endParaRPr lang="en-US" sz="2400">
+              <a:latin typeface="Arial" panose="020B0604020202020204" pitchFamily="34" charset="0"/>
+              <a:cs typeface="Arial" panose="020B0604020202020204" pitchFamily="34" charset="0"/>
+            </a:endParaRPr>
+          </a:p>
+          <a:p>
+            <a:pPr marL="0" indent="0">
+              <a:buNone/>
+            </a:pPr>
+            <a:r>
+              <a:rPr lang="en-US" sz="2400">
+                <a:latin typeface="Arial" panose="020B0604020202020204" pitchFamily="34" charset="0"/>
+                <a:cs typeface="Arial" panose="020B0604020202020204" pitchFamily="34" charset="0"/>
+              </a:rPr>
+              <a:t>Our focus is on developing models that balance effectiveness with resource efficiency, ensuring broader accessibility and scalability</a:t>
+            </a:r>
+            <a:r>
+              <a:rPr lang="en-GB" altLang="en-US" sz="2400">
+                <a:latin typeface="Arial" panose="020B0604020202020204" pitchFamily="34" charset="0"/>
+                <a:cs typeface="Arial" panose="020B0604020202020204" pitchFamily="34" charset="0"/>
+              </a:rPr>
               <a:t> by comparing NanoGPT and xLSTM models</a:t>
             </a:r>
             <a:r>
-              <a:rPr lang="en-US"/>
+              <a:rPr lang="en-US" sz="2400">
+                <a:latin typeface="Arial" panose="020B0604020202020204" pitchFamily="34" charset="0"/>
+                <a:cs typeface="Arial" panose="020B0604020202020204" pitchFamily="34" charset="0"/>
+              </a:rPr>
               <a:t>.</a:t>
             </a:r>
-            <a:endParaRPr lang="en-US"/>
+            <a:endParaRPr lang="en-US" sz="2400">
+              <a:latin typeface="Arial" panose="020B0604020202020204" pitchFamily="34" charset="0"/>
+              <a:cs typeface="Arial" panose="020B0604020202020204" pitchFamily="34" charset="0"/>
+            </a:endParaRPr>
+          </a:p>
+          <a:p>
+            <a:pPr marL="0" indent="0">
+              <a:buNone/>
+            </a:pPr>
+            <a:endParaRPr lang="en-US" sz="2400">
+              <a:latin typeface="Arial" panose="020B0604020202020204" pitchFamily="34" charset="0"/>
+              <a:cs typeface="Arial" panose="020B0604020202020204" pitchFamily="34" charset="0"/>
+            </a:endParaRPr>
           </a:p>
         </p:txBody>
       </p:sp>
@@ -3522,15 +5860,32 @@
             <p:ph type="title"/>
           </p:nvPr>
         </p:nvSpPr>
-        <p:spPr/>
+        <p:spPr>
+          <a:xfrm>
+            <a:off x="838200" y="365125"/>
+            <a:ext cx="10515600" cy="519430"/>
+          </a:xfrm>
+        </p:spPr>
         <p:txBody>
           <a:bodyPr/>
           <a:p>
             <a:r>
-              <a:rPr lang="en-GB" altLang="en-US" b="1"/>
+              <a:rPr lang="en-GB" altLang="en-US" sz="2800" b="1">
+                <a:solidFill>
+                  <a:schemeClr val="accent1"/>
+                </a:solidFill>
+                <a:latin typeface="Arial" panose="020B0604020202020204" pitchFamily="34" charset="0"/>
+                <a:cs typeface="Arial" panose="020B0604020202020204" pitchFamily="34" charset="0"/>
+              </a:rPr>
               <a:t>Problem Description</a:t>
             </a:r>
-            <a:endParaRPr lang="en-GB" altLang="en-US" b="1"/>
+            <a:endParaRPr lang="en-GB" altLang="en-US" sz="2800" b="1">
+              <a:solidFill>
+                <a:schemeClr val="accent1"/>
+              </a:solidFill>
+              <a:latin typeface="Arial" panose="020B0604020202020204" pitchFamily="34" charset="0"/>
+              <a:cs typeface="Arial" panose="020B0604020202020204" pitchFamily="34" charset="0"/>
+            </a:endParaRPr>
           </a:p>
         </p:txBody>
       </p:sp>
@@ -3544,24 +5899,35 @@
             <p:ph idx="1"/>
           </p:nvPr>
         </p:nvSpPr>
-        <p:spPr/>
+        <p:spPr>
+          <a:xfrm>
+            <a:off x="838200" y="1019175"/>
+            <a:ext cx="10515600" cy="5158105"/>
+          </a:xfrm>
+        </p:spPr>
         <p:txBody>
           <a:bodyPr>
-            <a:normAutofit lnSpcReduction="20000"/>
+            <a:normAutofit/>
           </a:bodyPr>
           <a:p>
-            <a:r>
-              <a:rPr lang="en-US"/>
+            <a:pPr marL="0" indent="0">
+              <a:buNone/>
+            </a:pPr>
+            <a:r>
+              <a:rPr lang="en-US" sz="2400"/>
               <a:t>The term hate speech is understood as any type of verbal, written or behavioural communication that attacks or uses derogatory or discriminatory language against a person or group based on what they are, in other words, based on their religion, ethnicity, nationality, race, colour, ancestry, sex or another identity factor. In this problem, We will take you through a hate speech detection model with Machine Learning and Python.</a:t>
             </a:r>
-            <a:endParaRPr lang="en-US"/>
-          </a:p>
-          <a:p>
-            <a:r>
-              <a:rPr lang="en-US"/>
+            <a:endParaRPr lang="en-US" sz="2400"/>
+          </a:p>
+          <a:p>
+            <a:pPr marL="0" indent="0">
+              <a:buNone/>
+            </a:pPr>
+            <a:r>
+              <a:rPr lang="en-US" sz="2400"/>
               <a:t>Hate Speech Detection is generally a task of sentiment classification. So for training, a model that can classify hate speech from a certain piece of tweet can be achieved by training it on a data that is generally used to classify sentiments. So for the task of hate speech detection model, We will use the Twitter tweets to identify tweets containing Hate speech.</a:t>
             </a:r>
-            <a:endParaRPr lang="en-US"/>
+            <a:endParaRPr lang="en-US" sz="2400"/>
           </a:p>
         </p:txBody>
       </p:sp>
@@ -3593,15 +5959,32 @@
             <p:ph type="title"/>
           </p:nvPr>
         </p:nvSpPr>
-        <p:spPr/>
+        <p:spPr>
+          <a:xfrm>
+            <a:off x="838200" y="365125"/>
+            <a:ext cx="10515600" cy="596265"/>
+          </a:xfrm>
+        </p:spPr>
         <p:txBody>
           <a:bodyPr/>
           <a:p>
             <a:r>
-              <a:rPr lang="en-GB" altLang="en-US"/>
+              <a:rPr lang="en-GB" altLang="en-US" sz="2800" b="1">
+                <a:solidFill>
+                  <a:schemeClr val="accent1"/>
+                </a:solidFill>
+                <a:latin typeface="Arial" panose="020B0604020202020204" pitchFamily="34" charset="0"/>
+                <a:cs typeface="Arial" panose="020B0604020202020204" pitchFamily="34" charset="0"/>
+              </a:rPr>
               <a:t>Project Approach</a:t>
             </a:r>
-            <a:endParaRPr lang="en-GB" altLang="en-US"/>
+            <a:endParaRPr lang="en-GB" altLang="en-US" sz="2800" b="1">
+              <a:solidFill>
+                <a:schemeClr val="accent1"/>
+              </a:solidFill>
+              <a:latin typeface="Arial" panose="020B0604020202020204" pitchFamily="34" charset="0"/>
+              <a:cs typeface="Arial" panose="020B0604020202020204" pitchFamily="34" charset="0"/>
+            </a:endParaRPr>
           </a:p>
         </p:txBody>
       </p:sp>
@@ -3615,10 +5998,18 @@
             <p:ph idx="1"/>
           </p:nvPr>
         </p:nvSpPr>
-        <p:spPr/>
+        <p:spPr>
+          <a:xfrm>
+            <a:off x="838200" y="961390"/>
+            <a:ext cx="10515600" cy="4378325"/>
+          </a:xfrm>
+        </p:spPr>
         <p:txBody>
           <a:bodyPr/>
           <a:p>
+            <a:pPr marL="0" indent="0">
+              <a:buNone/>
+            </a:pPr>
             <a:endParaRPr lang="en-US"/>
           </a:p>
         </p:txBody>
@@ -4046,15 +6437,34 @@
             <p:ph type="title"/>
           </p:nvPr>
         </p:nvSpPr>
-        <p:spPr/>
-        <p:txBody>
-          <a:bodyPr/>
-          <a:p>
-            <a:r>
-              <a:rPr lang="en-GB" altLang="en-US"/>
+        <p:spPr>
+          <a:xfrm>
+            <a:off x="838200" y="365125"/>
+            <a:ext cx="10515600" cy="563880"/>
+          </a:xfrm>
+        </p:spPr>
+        <p:txBody>
+          <a:bodyPr>
+            <a:normAutofit/>
+          </a:bodyPr>
+          <a:p>
+            <a:r>
+              <a:rPr lang="en-GB" altLang="en-US" sz="3110" b="1">
+                <a:solidFill>
+                  <a:schemeClr val="accent1"/>
+                </a:solidFill>
+                <a:latin typeface="Arial" panose="020B0604020202020204" pitchFamily="34" charset="0"/>
+                <a:cs typeface="Arial" panose="020B0604020202020204" pitchFamily="34" charset="0"/>
+              </a:rPr>
               <a:t>EDA</a:t>
             </a:r>
-            <a:endParaRPr lang="en-GB" altLang="en-US"/>
+            <a:endParaRPr lang="en-GB" altLang="en-US" sz="3110" b="1">
+              <a:solidFill>
+                <a:schemeClr val="accent1"/>
+              </a:solidFill>
+              <a:latin typeface="Arial" panose="020B0604020202020204" pitchFamily="34" charset="0"/>
+              <a:cs typeface="Arial" panose="020B0604020202020204" pitchFamily="34" charset="0"/>
+            </a:endParaRPr>
           </a:p>
         </p:txBody>
       </p:sp>
@@ -4065,25 +6475,240 @@
             <a:picLocks noChangeAspect="1"/>
           </p:cNvPicPr>
           <p:nvPr>
-            <p:ph idx="1"/>
+            <p:ph sz="half" idx="1"/>
           </p:nvPr>
         </p:nvPicPr>
         <p:blipFill>
           <a:blip r:embed="rId1"/>
+          <a:srcRect r="36475"/>
           <a:stretch>
             <a:fillRect/>
           </a:stretch>
         </p:blipFill>
         <p:spPr>
           <a:xfrm>
-            <a:off x="3228340" y="1691005"/>
-            <a:ext cx="6722745" cy="4238625"/>
+            <a:off x="528955" y="1041400"/>
+            <a:ext cx="3985260" cy="4059555"/>
           </a:xfrm>
           <a:prstGeom prst="rect">
             <a:avLst/>
           </a:prstGeom>
         </p:spPr>
       </p:pic>
+      <p:pic>
+        <p:nvPicPr>
+          <p:cNvPr id="5" name="Content Placeholder 4"/>
+          <p:cNvPicPr>
+            <a:picLocks noChangeAspect="1"/>
+          </p:cNvPicPr>
+          <p:nvPr>
+            <p:ph sz="half" idx="2"/>
+          </p:nvPr>
+        </p:nvPicPr>
+        <p:blipFill>
+          <a:blip r:embed="rId2"/>
+          <a:stretch>
+            <a:fillRect/>
+          </a:stretch>
+        </p:blipFill>
+        <p:spPr>
+          <a:xfrm>
+            <a:off x="4807585" y="803275"/>
+            <a:ext cx="6546215" cy="4315460"/>
+          </a:xfrm>
+          <a:prstGeom prst="rect">
+            <a:avLst/>
+          </a:prstGeom>
+        </p:spPr>
+      </p:pic>
+      <p:sp>
+        <p:nvSpPr>
+          <p:cNvPr id="62" name="rect"/>
+          <p:cNvSpPr/>
+          <p:nvPr/>
+        </p:nvSpPr>
+        <p:spPr>
+          <a:xfrm>
+            <a:off x="716915" y="5691505"/>
+            <a:ext cx="11278870" cy="1092200"/>
+          </a:xfrm>
+          <a:prstGeom prst="rect">
+            <a:avLst/>
+          </a:prstGeom>
+          <a:solidFill>
+            <a:srgbClr val="5B9BD5">
+              <a:alpha val="20000"/>
+            </a:srgbClr>
+          </a:solidFill>
+          <a:ln cap="flat">
+            <a:noFill/>
+            <a:prstDash val="solid"/>
+            <a:miter lim="0"/>
+          </a:ln>
+        </p:spPr>
+        <p:txBody>
+          <a:bodyPr rtlCol="0"/>
+          <a:p>
+            <a:pPr marL="342900" indent="-342900">
+              <a:buAutoNum type="arabicPeriod"/>
+            </a:pPr>
+            <a:r>
+              <a:rPr lang="en-GB" altLang="en-US" dirty="0">
+                <a:latin typeface="Arial" panose="020B0604020202020204" pitchFamily="34" charset="0"/>
+                <a:cs typeface="Arial" panose="020B0604020202020204" pitchFamily="34" charset="0"/>
+              </a:rPr>
+              <a:t>The pie chart showed that the train data is highly umbalanced with 7% hate speech and 93% free speech</a:t>
+            </a:r>
+            <a:endParaRPr lang="en-GB" altLang="en-US" dirty="0">
+              <a:latin typeface="Arial" panose="020B0604020202020204" pitchFamily="34" charset="0"/>
+              <a:cs typeface="Arial" panose="020B0604020202020204" pitchFamily="34" charset="0"/>
+            </a:endParaRPr>
+          </a:p>
+          <a:p>
+            <a:pPr marL="342900" indent="-342900">
+              <a:buAutoNum type="arabicPeriod"/>
+            </a:pPr>
+            <a:r>
+              <a:rPr lang="en-GB" altLang="en-US" dirty="0">
+                <a:latin typeface="Arial" panose="020B0604020202020204" pitchFamily="34" charset="0"/>
+                <a:cs typeface="Arial" panose="020B0604020202020204" pitchFamily="34" charset="0"/>
+              </a:rPr>
+              <a:t>The word count showed the count of unique word in the corpus </a:t>
+            </a:r>
+            <a:endParaRPr lang="en-US" altLang="en-GB" dirty="0">
+              <a:latin typeface="Arial" panose="020B0604020202020204" pitchFamily="34" charset="0"/>
+              <a:cs typeface="Arial" panose="020B0604020202020204" pitchFamily="34" charset="0"/>
+            </a:endParaRPr>
+          </a:p>
+          <a:p>
+            <a:pPr indent="0">
+              <a:buNone/>
+            </a:pPr>
+            <a:br>
+              <a:rPr lang="en-GB" dirty="0">
+                <a:latin typeface="Arial" panose="020B0604020202020204" pitchFamily="34" charset="0"/>
+                <a:cs typeface="Arial" panose="020B0604020202020204" pitchFamily="34" charset="0"/>
+              </a:rPr>
+            </a:br>
+            <a:endParaRPr lang="zh-CN" altLang="en-US" dirty="0">
+              <a:latin typeface="Arial" panose="020B0604020202020204" pitchFamily="34" charset="0"/>
+              <a:cs typeface="Arial" panose="020B0604020202020204" pitchFamily="34" charset="0"/>
+            </a:endParaRPr>
+          </a:p>
+        </p:txBody>
+      </p:sp>
+      <p:sp>
+        <p:nvSpPr>
+          <p:cNvPr id="65" name="textbox 65"/>
+          <p:cNvSpPr/>
+          <p:nvPr/>
+        </p:nvSpPr>
+        <p:spPr>
+          <a:xfrm>
+            <a:off x="684530" y="5337810"/>
+            <a:ext cx="3459480" cy="354330"/>
+          </a:xfrm>
+          <a:prstGeom prst="rect">
+            <a:avLst/>
+          </a:prstGeom>
+          <a:solidFill>
+            <a:srgbClr val="5B9BD5"/>
+          </a:solidFill>
+        </p:spPr>
+        <p:txBody>
+          <a:bodyPr vert="horz" wrap="square" lIns="0" tIns="0" rIns="0" bIns="0"/>
+          <a:p>
+            <a:pPr algn="l" rtl="0" eaLnBrk="0">
+              <a:lnSpc>
+                <a:spcPct val="135000"/>
+              </a:lnSpc>
+            </a:pPr>
+            <a:endParaRPr lang="en-US" altLang="en-US" sz="200" dirty="0">
+              <a:latin typeface="Arial" panose="020B0604020202020204" pitchFamily="34" charset="0"/>
+              <a:cs typeface="Arial" panose="020B0604020202020204" pitchFamily="34" charset="0"/>
+            </a:endParaRPr>
+          </a:p>
+          <a:p>
+            <a:pPr marL="262890" algn="l" rtl="0" eaLnBrk="0">
+              <a:lnSpc>
+                <a:spcPts val="1840"/>
+              </a:lnSpc>
+              <a:spcBef>
+                <a:spcPts val="0"/>
+              </a:spcBef>
+            </a:pPr>
+            <a:r>
+              <a:rPr b="1" kern="0" spc="-30" dirty="0">
+                <a:solidFill>
+                  <a:srgbClr val="000000">
+                    <a:alpha val="100000"/>
+                  </a:srgbClr>
+                </a:solidFill>
+                <a:latin typeface="Arial" panose="020B0604020202020204" pitchFamily="34" charset="0"/>
+                <a:ea typeface="Arial" panose="020B0604020202020204"/>
+                <a:cs typeface="Arial" panose="020B0604020202020204" pitchFamily="34" charset="0"/>
+              </a:rPr>
+              <a:t>Observations</a:t>
+            </a:r>
+            <a:r>
+              <a:rPr kern="0" spc="-20" dirty="0">
+                <a:solidFill>
+                  <a:srgbClr val="000000">
+                    <a:alpha val="100000"/>
+                  </a:srgbClr>
+                </a:solidFill>
+                <a:latin typeface="Arial" panose="020B0604020202020204" pitchFamily="34" charset="0"/>
+                <a:ea typeface="Arial" panose="020B0604020202020204"/>
+                <a:cs typeface="Arial" panose="020B0604020202020204" pitchFamily="34" charset="0"/>
+              </a:rPr>
+              <a:t> </a:t>
+            </a:r>
+            <a:r>
+              <a:rPr b="1" kern="0" spc="-30" dirty="0">
+                <a:solidFill>
+                  <a:srgbClr val="000000">
+                    <a:alpha val="100000"/>
+                  </a:srgbClr>
+                </a:solidFill>
+                <a:latin typeface="Arial" panose="020B0604020202020204" pitchFamily="34" charset="0"/>
+                <a:ea typeface="Arial" panose="020B0604020202020204"/>
+                <a:cs typeface="Arial" panose="020B0604020202020204" pitchFamily="34" charset="0"/>
+              </a:rPr>
+              <a:t>/</a:t>
+            </a:r>
+            <a:r>
+              <a:rPr kern="0" spc="80" dirty="0">
+                <a:solidFill>
+                  <a:srgbClr val="000000">
+                    <a:alpha val="100000"/>
+                  </a:srgbClr>
+                </a:solidFill>
+                <a:latin typeface="Arial" panose="020B0604020202020204" pitchFamily="34" charset="0"/>
+                <a:ea typeface="Arial" panose="020B0604020202020204"/>
+                <a:cs typeface="Arial" panose="020B0604020202020204" pitchFamily="34" charset="0"/>
+              </a:rPr>
+              <a:t> </a:t>
+            </a:r>
+            <a:r>
+              <a:rPr b="1" kern="0" spc="-30" dirty="0">
+                <a:solidFill>
+                  <a:srgbClr val="000000">
+                    <a:alpha val="100000"/>
+                  </a:srgbClr>
+                </a:solidFill>
+                <a:latin typeface="Arial" panose="020B0604020202020204" pitchFamily="34" charset="0"/>
+                <a:ea typeface="Arial" panose="020B0604020202020204"/>
+                <a:cs typeface="Arial" panose="020B0604020202020204" pitchFamily="34" charset="0"/>
+              </a:rPr>
+              <a:t>Findings</a:t>
+            </a:r>
+            <a:endParaRPr lang="en-US" altLang="en-US" dirty="0">
+              <a:latin typeface="Arial" panose="020B0604020202020204" pitchFamily="34" charset="0"/>
+              <a:cs typeface="Arial" panose="020B0604020202020204" pitchFamily="34" charset="0"/>
+            </a:endParaRPr>
+          </a:p>
+        </p:txBody>
+      </p:sp>
     </p:spTree>
   </p:cSld>
   <p:clrMapOvr>
@@ -4112,74 +6737,265 @@
             <p:ph type="title"/>
           </p:nvPr>
         </p:nvSpPr>
-        <p:spPr/>
-        <p:txBody>
-          <a:bodyPr/>
-          <a:p>
-            <a:r>
-              <a:rPr lang="en-GB" altLang="en-US"/>
-              <a:t>Recommendations</a:t>
-            </a:r>
-            <a:endParaRPr lang="en-GB" altLang="en-US"/>
-          </a:p>
-        </p:txBody>
-      </p:sp>
-      <p:sp>
-        <p:nvSpPr>
-          <p:cNvPr id="3" name="Content Placeholder 2"/>
-          <p:cNvSpPr>
-            <a:spLocks noGrp="1"/>
-          </p:cNvSpPr>
-          <p:nvPr>
-            <p:ph idx="1"/>
-          </p:nvPr>
-        </p:nvSpPr>
-        <p:spPr/>
-        <p:txBody>
-          <a:bodyPr/>
-          <a:p>
-            <a:pPr marL="0" indent="0">
+        <p:spPr>
+          <a:xfrm>
+            <a:off x="838200" y="365125"/>
+            <a:ext cx="10515600" cy="546735"/>
+          </a:xfrm>
+        </p:spPr>
+        <p:txBody>
+          <a:bodyPr>
+            <a:normAutofit/>
+          </a:bodyPr>
+          <a:p>
+            <a:r>
+              <a:rPr lang="en-GB" altLang="en-US" sz="3110" b="1">
+                <a:solidFill>
+                  <a:srgbClr val="0070C0"/>
+                </a:solidFill>
+                <a:latin typeface="Arial" panose="020B0604020202020204" pitchFamily="34" charset="0"/>
+                <a:cs typeface="Arial" panose="020B0604020202020204" pitchFamily="34" charset="0"/>
+                <a:sym typeface="+mn-ea"/>
+              </a:rPr>
+              <a:t>nanoGPT </a:t>
+            </a:r>
+            <a:r>
+              <a:rPr lang="en-US" sz="3110" b="1">
+                <a:solidFill>
+                  <a:srgbClr val="0070C0"/>
+                </a:solidFill>
+                <a:latin typeface="Arial" panose="020B0604020202020204" pitchFamily="34" charset="0"/>
+                <a:cs typeface="Arial" panose="020B0604020202020204" pitchFamily="34" charset="0"/>
+                <a:sym typeface="+mn-ea"/>
+              </a:rPr>
+              <a:t>Mode</a:t>
+            </a:r>
+            <a:r>
+              <a:rPr lang="en-GB" altLang="en-US" sz="3110" b="1">
+                <a:solidFill>
+                  <a:srgbClr val="0070C0"/>
+                </a:solidFill>
+                <a:latin typeface="Arial" panose="020B0604020202020204" pitchFamily="34" charset="0"/>
+                <a:cs typeface="Arial" panose="020B0604020202020204" pitchFamily="34" charset="0"/>
+                <a:sym typeface="+mn-ea"/>
+              </a:rPr>
+              <a:t>l</a:t>
+            </a:r>
+            <a:endParaRPr lang="en-US" sz="3110"/>
+          </a:p>
+        </p:txBody>
+      </p:sp>
+      <p:pic>
+        <p:nvPicPr>
+          <p:cNvPr id="5" name="Content Placeholder 4"/>
+          <p:cNvPicPr>
+            <a:picLocks noChangeAspect="1"/>
+          </p:cNvPicPr>
+          <p:nvPr>
+            <p:ph sz="half" idx="1"/>
+          </p:nvPr>
+        </p:nvPicPr>
+        <p:blipFill>
+          <a:blip r:embed="rId1"/>
+          <a:stretch>
+            <a:fillRect/>
+          </a:stretch>
+        </p:blipFill>
+        <p:spPr>
+          <a:xfrm>
+            <a:off x="838200" y="1031240"/>
+            <a:ext cx="9935845" cy="3490595"/>
+          </a:xfrm>
+          <a:prstGeom prst="rect">
+            <a:avLst/>
+          </a:prstGeom>
+        </p:spPr>
+      </p:pic>
+      <p:sp>
+        <p:nvSpPr>
+          <p:cNvPr id="62" name="rect"/>
+          <p:cNvSpPr/>
+          <p:nvPr/>
+        </p:nvSpPr>
+        <p:spPr>
+          <a:xfrm>
+            <a:off x="716915" y="5090795"/>
+            <a:ext cx="11019155" cy="1554480"/>
+          </a:xfrm>
+          <a:prstGeom prst="rect">
+            <a:avLst/>
+          </a:prstGeom>
+          <a:solidFill>
+            <a:srgbClr val="5B9BD5">
+              <a:alpha val="20000"/>
+            </a:srgbClr>
+          </a:solidFill>
+          <a:ln cap="flat">
+            <a:noFill/>
+            <a:prstDash val="solid"/>
+            <a:miter lim="0"/>
+          </a:ln>
+        </p:spPr>
+        <p:txBody>
+          <a:bodyPr rtlCol="0"/>
+          <a:p>
+            <a:pPr marL="342900" indent="-342900">
+              <a:buAutoNum type="arabicPeriod"/>
+            </a:pPr>
+            <a:r>
+              <a:rPr lang="en-US" altLang="en-GB" dirty="0">
+                <a:latin typeface="Arial" panose="020B0604020202020204" pitchFamily="34" charset="0"/>
+                <a:cs typeface="Arial" panose="020B0604020202020204" pitchFamily="34" charset="0"/>
+              </a:rPr>
+              <a:t>Attention CLS Token Pooling has the highest accuracy (0.9320) and performs better than others in terms of precision and recall for label 1. </a:t>
+            </a:r>
+            <a:endParaRPr lang="en-US" altLang="en-GB" dirty="0">
+              <a:latin typeface="Arial" panose="020B0604020202020204" pitchFamily="34" charset="0"/>
+              <a:cs typeface="Arial" panose="020B0604020202020204" pitchFamily="34" charset="0"/>
+            </a:endParaRPr>
+          </a:p>
+          <a:p>
+            <a:pPr marL="342900" indent="-342900">
+              <a:buAutoNum type="arabicPeriod"/>
+            </a:pPr>
+            <a:r>
+              <a:rPr lang="en-US" altLang="en-GB" dirty="0">
+                <a:latin typeface="Arial" panose="020B0604020202020204" pitchFamily="34" charset="0"/>
+                <a:cs typeface="Arial" panose="020B0604020202020204" pitchFamily="34" charset="0"/>
+              </a:rPr>
+              <a:t>Attention Mean and Weighted Pooling also perform well, but their accuracy is slightly lower than attention_cls. Attention Max and Hybrid Pooling have the same accuracy (0.9287), which is lower than the other strategies, and they both have poor F1-scores for label 1.</a:t>
+            </a:r>
+            <a:endParaRPr lang="en-US" altLang="en-GB" dirty="0">
+              <a:latin typeface="Arial" panose="020B0604020202020204" pitchFamily="34" charset="0"/>
+              <a:cs typeface="Arial" panose="020B0604020202020204" pitchFamily="34" charset="0"/>
+            </a:endParaRPr>
+          </a:p>
+          <a:p>
+            <a:pPr indent="0">
               <a:buNone/>
             </a:pPr>
-            <a:r>
-              <a:rPr lang="en-GB" altLang="en-US"/>
-              <a:t>1. </a:t>
-            </a:r>
-            <a:r>
-              <a:rPr lang="en-US"/>
-              <a:t>xLSTM model outperforms the nanoGPT model in terms of accuracy, precision, recall, and F1 score </a:t>
-            </a:r>
-            <a:r>
-              <a:rPr lang="en-GB" altLang="en-US"/>
-              <a:t>and</a:t>
-            </a:r>
-            <a:r>
-              <a:rPr lang="en-US"/>
-              <a:t> does so with significantly fewer parameters</a:t>
-            </a:r>
-            <a:r>
-              <a:rPr lang="en-GB" altLang="en-US"/>
-              <a:t> making it</a:t>
-            </a:r>
-            <a:r>
-              <a:rPr lang="en-US"/>
-              <a:t> a more efficient and effective solution for hate speech detection. </a:t>
-            </a:r>
-            <a:endParaRPr lang="en-US"/>
-          </a:p>
-          <a:p>
-            <a:pPr marL="0" indent="0">
-              <a:buNone/>
+            <a:br>
+              <a:rPr lang="en-GB" dirty="0">
+                <a:latin typeface="Arial" panose="020B0604020202020204" pitchFamily="34" charset="0"/>
+                <a:cs typeface="Arial" panose="020B0604020202020204" pitchFamily="34" charset="0"/>
+              </a:rPr>
+            </a:br>
+            <a:endParaRPr lang="zh-CN" altLang="en-US" dirty="0">
+              <a:latin typeface="Arial" panose="020B0604020202020204" pitchFamily="34" charset="0"/>
+              <a:cs typeface="Arial" panose="020B0604020202020204" pitchFamily="34" charset="0"/>
+            </a:endParaRPr>
+          </a:p>
+        </p:txBody>
+      </p:sp>
+      <p:sp>
+        <p:nvSpPr>
+          <p:cNvPr id="65" name="textbox 65"/>
+          <p:cNvSpPr/>
+          <p:nvPr/>
+        </p:nvSpPr>
+        <p:spPr>
+          <a:xfrm>
+            <a:off x="740410" y="4737100"/>
+            <a:ext cx="3459480" cy="354330"/>
+          </a:xfrm>
+          <a:prstGeom prst="rect">
+            <a:avLst/>
+          </a:prstGeom>
+          <a:solidFill>
+            <a:srgbClr val="5B9BD5"/>
+          </a:solidFill>
+        </p:spPr>
+        <p:txBody>
+          <a:bodyPr vert="horz" wrap="square" lIns="0" tIns="0" rIns="0" bIns="0"/>
+          <a:p>
+            <a:pPr algn="l" rtl="0" eaLnBrk="0">
+              <a:lnSpc>
+                <a:spcPct val="135000"/>
+              </a:lnSpc>
             </a:pPr>
-            <a:r>
-              <a:rPr lang="en-GB" altLang="en-US"/>
-              <a:t>2. xLSTM </a:t>
-            </a:r>
-            <a:r>
-              <a:rPr lang="en-US"/>
-              <a:t>offers superior performance while being resource-efficient, providing a strong competitive advantage in the NLP market.</a:t>
-            </a:r>
-            <a:endParaRPr lang="en-US"/>
+            <a:endParaRPr lang="en-US" altLang="en-US" sz="200" dirty="0">
+              <a:latin typeface="Arial" panose="020B0604020202020204" pitchFamily="34" charset="0"/>
+              <a:cs typeface="Arial" panose="020B0604020202020204" pitchFamily="34" charset="0"/>
+            </a:endParaRPr>
+          </a:p>
+          <a:p>
+            <a:pPr marL="262890" algn="l" rtl="0" eaLnBrk="0">
+              <a:lnSpc>
+                <a:spcPts val="1840"/>
+              </a:lnSpc>
+              <a:spcBef>
+                <a:spcPts val="0"/>
+              </a:spcBef>
+            </a:pPr>
+            <a:r>
+              <a:rPr b="1" kern="0" spc="-30" dirty="0">
+                <a:solidFill>
+                  <a:srgbClr val="000000">
+                    <a:alpha val="100000"/>
+                  </a:srgbClr>
+                </a:solidFill>
+                <a:latin typeface="Arial" panose="020B0604020202020204" pitchFamily="34" charset="0"/>
+                <a:ea typeface="Arial" panose="020B0604020202020204"/>
+                <a:cs typeface="Arial" panose="020B0604020202020204" pitchFamily="34" charset="0"/>
+              </a:rPr>
+              <a:t>Observations</a:t>
+            </a:r>
+            <a:r>
+              <a:rPr kern="0" spc="-20" dirty="0">
+                <a:solidFill>
+                  <a:srgbClr val="000000">
+                    <a:alpha val="100000"/>
+                  </a:srgbClr>
+                </a:solidFill>
+                <a:latin typeface="Arial" panose="020B0604020202020204" pitchFamily="34" charset="0"/>
+                <a:ea typeface="Arial" panose="020B0604020202020204"/>
+                <a:cs typeface="Arial" panose="020B0604020202020204" pitchFamily="34" charset="0"/>
+              </a:rPr>
+              <a:t> </a:t>
+            </a:r>
+            <a:r>
+              <a:rPr b="1" kern="0" spc="-30" dirty="0">
+                <a:solidFill>
+                  <a:srgbClr val="000000">
+                    <a:alpha val="100000"/>
+                  </a:srgbClr>
+                </a:solidFill>
+                <a:latin typeface="Arial" panose="020B0604020202020204" pitchFamily="34" charset="0"/>
+                <a:ea typeface="Arial" panose="020B0604020202020204"/>
+                <a:cs typeface="Arial" panose="020B0604020202020204" pitchFamily="34" charset="0"/>
+              </a:rPr>
+              <a:t>/</a:t>
+            </a:r>
+            <a:r>
+              <a:rPr kern="0" spc="80" dirty="0">
+                <a:solidFill>
+                  <a:srgbClr val="000000">
+                    <a:alpha val="100000"/>
+                  </a:srgbClr>
+                </a:solidFill>
+                <a:latin typeface="Arial" panose="020B0604020202020204" pitchFamily="34" charset="0"/>
+                <a:ea typeface="Arial" panose="020B0604020202020204"/>
+                <a:cs typeface="Arial" panose="020B0604020202020204" pitchFamily="34" charset="0"/>
+              </a:rPr>
+              <a:t> </a:t>
+            </a:r>
+            <a:r>
+              <a:rPr b="1" kern="0" spc="-30" dirty="0">
+                <a:solidFill>
+                  <a:srgbClr val="000000">
+                    <a:alpha val="100000"/>
+                  </a:srgbClr>
+                </a:solidFill>
+                <a:latin typeface="Arial" panose="020B0604020202020204" pitchFamily="34" charset="0"/>
+                <a:ea typeface="Arial" panose="020B0604020202020204"/>
+                <a:cs typeface="Arial" panose="020B0604020202020204" pitchFamily="34" charset="0"/>
+              </a:rPr>
+              <a:t>Findings</a:t>
+            </a:r>
+            <a:endParaRPr lang="en-US" altLang="en-US" dirty="0">
+              <a:latin typeface="Arial" panose="020B0604020202020204" pitchFamily="34" charset="0"/>
+              <a:cs typeface="Arial" panose="020B0604020202020204" pitchFamily="34" charset="0"/>
+            </a:endParaRPr>
           </a:p>
         </p:txBody>
       </p:sp>
@@ -4200,14 +7016,7 @@
         <p:cNvGrpSpPr/>
         <p:nvPr/>
       </p:nvGrpSpPr>
-      <p:grpSpPr>
-        <a:xfrm>
-          <a:off x="0" y="0"/>
-          <a:ext cx="0" cy="0"/>
-          <a:chOff x="0" y="0"/>
-          <a:chExt cx="0" cy="0"/>
-        </a:xfrm>
-      </p:grpSpPr>
+      <p:grpSpPr/>
       <p:sp>
         <p:nvSpPr>
           <p:cNvPr id="2" name="Title 1"/>
@@ -4215,101 +7024,1512 @@
             <a:spLocks noGrp="1"/>
           </p:cNvSpPr>
           <p:nvPr>
-            <p:ph type="ctrTitle"/>
+            <p:ph type="title"/>
           </p:nvPr>
         </p:nvSpPr>
         <p:spPr>
-          <a:xfrm rot="5400000">
-            <a:off x="-562431" y="562430"/>
-            <a:ext cx="6858002" cy="5733142"/>
+          <a:xfrm>
+            <a:off x="838200" y="365125"/>
+            <a:ext cx="10515600" cy="628650"/>
           </a:xfrm>
+        </p:spPr>
+        <p:txBody>
+          <a:bodyPr>
+            <a:normAutofit/>
+          </a:bodyPr>
+          <a:p>
+            <a:r>
+              <a:rPr lang="en-GB" altLang="en-US" sz="2665" b="1">
+                <a:solidFill>
+                  <a:srgbClr val="0070C0"/>
+                </a:solidFill>
+                <a:latin typeface="Arial" panose="020B0604020202020204" pitchFamily="34" charset="0"/>
+                <a:cs typeface="Arial" panose="020B0604020202020204" pitchFamily="34" charset="0"/>
+              </a:rPr>
+              <a:t>nanoGPT </a:t>
+            </a:r>
+            <a:r>
+              <a:rPr lang="en-US" sz="2665" b="1">
+                <a:solidFill>
+                  <a:srgbClr val="0070C0"/>
+                </a:solidFill>
+                <a:latin typeface="Arial" panose="020B0604020202020204" pitchFamily="34" charset="0"/>
+                <a:cs typeface="Arial" panose="020B0604020202020204" pitchFamily="34" charset="0"/>
+              </a:rPr>
+              <a:t>Mode</a:t>
+            </a:r>
+            <a:r>
+              <a:rPr lang="en-GB" altLang="en-US" sz="2665" b="1">
+                <a:solidFill>
+                  <a:srgbClr val="0070C0"/>
+                </a:solidFill>
+                <a:latin typeface="Arial" panose="020B0604020202020204" pitchFamily="34" charset="0"/>
+                <a:cs typeface="Arial" panose="020B0604020202020204" pitchFamily="34" charset="0"/>
+              </a:rPr>
+              <a:t>l Metrics</a:t>
+            </a:r>
+            <a:endParaRPr lang="en-GB" altLang="en-US" sz="2665" b="1">
+              <a:solidFill>
+                <a:srgbClr val="0070C0"/>
+              </a:solidFill>
+              <a:latin typeface="Arial" panose="020B0604020202020204" pitchFamily="34" charset="0"/>
+              <a:cs typeface="Arial" panose="020B0604020202020204" pitchFamily="34" charset="0"/>
+            </a:endParaRPr>
+          </a:p>
+        </p:txBody>
+      </p:sp>
+      <p:graphicFrame>
+        <p:nvGraphicFramePr>
+          <p:cNvPr id="4" name="Content Placeholder 3"/>
+          <p:cNvGraphicFramePr/>
+          <p:nvPr>
+            <p:ph idx="1"/>
+          </p:nvPr>
+        </p:nvGraphicFramePr>
+        <p:xfrm>
+          <a:off x="716915" y="993140"/>
+          <a:ext cx="10194290" cy="2926715"/>
+        </p:xfrm>
+        <a:graphic>
+          <a:graphicData uri="http://schemas.openxmlformats.org/drawingml/2006/table">
+            <a:tbl>
+              <a:tblPr firstRow="1" bandRow="1">
+                <a:tableStyleId>{5C22544A-7EE6-4342-B048-85BDC9FD1C3A}</a:tableStyleId>
+              </a:tblPr>
+              <a:tblGrid>
+                <a:gridCol w="1995805"/>
+                <a:gridCol w="852805"/>
+                <a:gridCol w="873760"/>
+                <a:gridCol w="735330"/>
+                <a:gridCol w="826135"/>
+                <a:gridCol w="895350"/>
+                <a:gridCol w="768985"/>
+                <a:gridCol w="767715"/>
+                <a:gridCol w="767080"/>
+                <a:gridCol w="855980"/>
+                <a:gridCol w="855345"/>
+              </a:tblGrid>
+              <a:tr h="395605">
+                <a:tc>
+                  <a:txBody>
+                    <a:bodyPr/>
+                    <a:p>
+                      <a:pPr>
+                        <a:buNone/>
+                      </a:pPr>
+                      <a:r>
+                        <a:rPr lang="en-GB" altLang="en-US"/>
+                        <a:t>Pooling</a:t>
+                      </a:r>
+                      <a:endParaRPr lang="en-GB" altLang="en-US"/>
+                    </a:p>
+                  </a:txBody>
+                  <a:tcPr/>
+                </a:tc>
+                <a:tc gridSpan="2">
+                  <a:txBody>
+                    <a:bodyPr/>
+                    <a:p>
+                      <a:pPr>
+                        <a:buNone/>
+                      </a:pPr>
+                      <a:r>
+                        <a:rPr lang="en-GB" altLang="en-US"/>
+                        <a:t>mean</a:t>
+                      </a:r>
+                      <a:endParaRPr lang="en-GB" altLang="en-US"/>
+                    </a:p>
+                  </a:txBody>
+                  <a:tcPr/>
+                </a:tc>
+                <a:tc hMerge="1">
+                  <a:tcPr/>
+                </a:tc>
+                <a:tc gridSpan="2">
+                  <a:txBody>
+                    <a:bodyPr/>
+                    <a:p>
+                      <a:pPr>
+                        <a:buNone/>
+                      </a:pPr>
+                      <a:r>
+                        <a:rPr lang="en-GB" altLang="en-US"/>
+                        <a:t>cls</a:t>
+                      </a:r>
+                      <a:endParaRPr lang="en-GB" altLang="en-US"/>
+                    </a:p>
+                  </a:txBody>
+                  <a:tcPr/>
+                </a:tc>
+                <a:tc hMerge="1">
+                  <a:tcPr/>
+                </a:tc>
+                <a:tc gridSpan="2">
+                  <a:txBody>
+                    <a:bodyPr/>
+                    <a:p>
+                      <a:pPr>
+                        <a:buNone/>
+                      </a:pPr>
+                      <a:r>
+                        <a:rPr lang="en-GB" altLang="en-US"/>
+                        <a:t>max</a:t>
+                      </a:r>
+                      <a:endParaRPr lang="en-GB" altLang="en-US"/>
+                    </a:p>
+                  </a:txBody>
+                  <a:tcPr/>
+                </a:tc>
+                <a:tc hMerge="1">
+                  <a:tcPr/>
+                </a:tc>
+                <a:tc gridSpan="2">
+                  <a:txBody>
+                    <a:bodyPr/>
+                    <a:p>
+                      <a:pPr>
+                        <a:buNone/>
+                      </a:pPr>
+                      <a:r>
+                        <a:rPr lang="en-GB" altLang="en-US" sz="1800">
+                          <a:sym typeface="+mn-ea"/>
+                        </a:rPr>
+                        <a:t>weighted</a:t>
+                      </a:r>
+                      <a:endParaRPr lang="en-GB" altLang="en-US"/>
+                    </a:p>
+                  </a:txBody>
+                  <a:tcPr/>
+                </a:tc>
+                <a:tc hMerge="1">
+                  <a:tcPr/>
+                </a:tc>
+                <a:tc gridSpan="2">
+                  <a:txBody>
+                    <a:bodyPr/>
+                    <a:p>
+                      <a:pPr>
+                        <a:buNone/>
+                      </a:pPr>
+                      <a:r>
+                        <a:rPr lang="en-GB" altLang="en-US"/>
+                        <a:t>Hybrid</a:t>
+                      </a:r>
+                      <a:endParaRPr lang="en-GB" altLang="en-US"/>
+                    </a:p>
+                  </a:txBody>
+                  <a:tcPr/>
+                </a:tc>
+                <a:tc hMerge="1">
+                  <a:tcPr/>
+                </a:tc>
+              </a:tr>
+              <a:tr h="365760">
+                <a:tc>
+                  <a:txBody>
+                    <a:bodyPr/>
+                    <a:p>
+                      <a:pPr>
+                        <a:buNone/>
+                      </a:pPr>
+                      <a:r>
+                        <a:rPr lang="en-GB" altLang="en-US" sz="1800">
+                          <a:sym typeface="+mn-ea"/>
+                        </a:rPr>
+                        <a:t>Class</a:t>
+                      </a:r>
+                      <a:endParaRPr lang="en-US"/>
+                    </a:p>
+                  </a:txBody>
+                  <a:tcPr/>
+                </a:tc>
+                <a:tc>
+                  <a:txBody>
+                    <a:bodyPr/>
+                    <a:p>
+                      <a:pPr>
+                        <a:buNone/>
+                      </a:pPr>
+                      <a:r>
+                        <a:rPr lang="en-GB" altLang="en-US"/>
+                        <a:t>0</a:t>
+                      </a:r>
+                      <a:endParaRPr lang="en-GB" altLang="en-US"/>
+                    </a:p>
+                  </a:txBody>
+                  <a:tcPr/>
+                </a:tc>
+                <a:tc>
+                  <a:txBody>
+                    <a:bodyPr/>
+                    <a:p>
+                      <a:pPr>
+                        <a:buNone/>
+                      </a:pPr>
+                      <a:r>
+                        <a:rPr lang="en-GB" altLang="en-US"/>
+                        <a:t>1</a:t>
+                      </a:r>
+                      <a:endParaRPr lang="en-GB" altLang="en-US"/>
+                    </a:p>
+                  </a:txBody>
+                  <a:tcPr/>
+                </a:tc>
+                <a:tc>
+                  <a:txBody>
+                    <a:bodyPr/>
+                    <a:p>
+                      <a:pPr>
+                        <a:buNone/>
+                      </a:pPr>
+                      <a:r>
+                        <a:rPr lang="en-GB" altLang="en-US"/>
+                        <a:t>0</a:t>
+                      </a:r>
+                      <a:endParaRPr lang="en-GB" altLang="en-US"/>
+                    </a:p>
+                  </a:txBody>
+                  <a:tcPr/>
+                </a:tc>
+                <a:tc>
+                  <a:txBody>
+                    <a:bodyPr/>
+                    <a:p>
+                      <a:pPr>
+                        <a:buNone/>
+                      </a:pPr>
+                      <a:r>
+                        <a:rPr lang="en-GB" altLang="en-US"/>
+                        <a:t>1</a:t>
+                      </a:r>
+                      <a:endParaRPr lang="en-GB" altLang="en-US"/>
+                    </a:p>
+                  </a:txBody>
+                  <a:tcPr/>
+                </a:tc>
+                <a:tc>
+                  <a:txBody>
+                    <a:bodyPr/>
+                    <a:p>
+                      <a:pPr>
+                        <a:buNone/>
+                      </a:pPr>
+                      <a:r>
+                        <a:rPr lang="en-GB" altLang="en-US"/>
+                        <a:t>0</a:t>
+                      </a:r>
+                      <a:endParaRPr lang="en-GB" altLang="en-US"/>
+                    </a:p>
+                  </a:txBody>
+                  <a:tcPr/>
+                </a:tc>
+                <a:tc>
+                  <a:txBody>
+                    <a:bodyPr/>
+                    <a:p>
+                      <a:pPr>
+                        <a:buNone/>
+                      </a:pPr>
+                      <a:r>
+                        <a:rPr lang="en-GB" altLang="en-US"/>
+                        <a:t>1</a:t>
+                      </a:r>
+                      <a:endParaRPr lang="en-GB" altLang="en-US"/>
+                    </a:p>
+                  </a:txBody>
+                  <a:tcPr/>
+                </a:tc>
+                <a:tc>
+                  <a:txBody>
+                    <a:bodyPr/>
+                    <a:p>
+                      <a:pPr>
+                        <a:buNone/>
+                      </a:pPr>
+                      <a:r>
+                        <a:rPr lang="en-GB" altLang="en-US"/>
+                        <a:t>0</a:t>
+                      </a:r>
+                      <a:endParaRPr lang="en-GB" altLang="en-US"/>
+                    </a:p>
+                  </a:txBody>
+                  <a:tcPr/>
+                </a:tc>
+                <a:tc>
+                  <a:txBody>
+                    <a:bodyPr/>
+                    <a:p>
+                      <a:pPr>
+                        <a:buNone/>
+                      </a:pPr>
+                      <a:r>
+                        <a:rPr lang="en-GB" altLang="en-US"/>
+                        <a:t>1</a:t>
+                      </a:r>
+                      <a:endParaRPr lang="en-GB" altLang="en-US"/>
+                    </a:p>
+                  </a:txBody>
+                  <a:tcPr/>
+                </a:tc>
+                <a:tc>
+                  <a:txBody>
+                    <a:bodyPr/>
+                    <a:p>
+                      <a:pPr>
+                        <a:buNone/>
+                      </a:pPr>
+                      <a:r>
+                        <a:rPr lang="en-GB" altLang="en-US"/>
+                        <a:t>0</a:t>
+                      </a:r>
+                      <a:endParaRPr lang="en-GB" altLang="en-US"/>
+                    </a:p>
+                  </a:txBody>
+                  <a:tcPr/>
+                </a:tc>
+                <a:tc>
+                  <a:txBody>
+                    <a:bodyPr/>
+                    <a:p>
+                      <a:pPr>
+                        <a:buNone/>
+                      </a:pPr>
+                      <a:r>
+                        <a:rPr lang="en-GB" altLang="en-US"/>
+                        <a:t>0.00</a:t>
+                      </a:r>
+                      <a:endParaRPr lang="en-GB" altLang="en-US"/>
+                    </a:p>
+                  </a:txBody>
+                  <a:tcPr/>
+                </a:tc>
+              </a:tr>
+              <a:tr h="396240">
+                <a:tc>
+                  <a:txBody>
+                    <a:bodyPr/>
+                    <a:p>
+                      <a:pPr>
+                        <a:buNone/>
+                      </a:pPr>
+                      <a:r>
+                        <a:rPr lang="en-GB" altLang="en-US"/>
+                        <a:t>Precision</a:t>
+                      </a:r>
+                      <a:endParaRPr lang="en-GB" altLang="en-US"/>
+                    </a:p>
+                  </a:txBody>
+                  <a:tcPr/>
+                </a:tc>
+                <a:tc>
+                  <a:txBody>
+                    <a:bodyPr/>
+                    <a:p>
+                      <a:pPr>
+                        <a:buNone/>
+                      </a:pPr>
+                      <a:r>
+                        <a:rPr lang="en-GB" altLang="en-US"/>
+                        <a:t>0.93   </a:t>
+                      </a:r>
+                      <a:endParaRPr lang="en-GB" altLang="en-US"/>
+                    </a:p>
+                  </a:txBody>
+                  <a:tcPr/>
+                </a:tc>
+                <a:tc>
+                  <a:txBody>
+                    <a:bodyPr/>
+                    <a:p>
+                      <a:pPr>
+                        <a:buNone/>
+                      </a:pPr>
+                      <a:r>
+                        <a:rPr lang="en-GB" altLang="en-US"/>
+                        <a:t>0.80 </a:t>
+                      </a:r>
+                      <a:endParaRPr lang="en-GB" altLang="en-US"/>
+                    </a:p>
+                  </a:txBody>
+                  <a:tcPr/>
+                </a:tc>
+                <a:tc>
+                  <a:txBody>
+                    <a:bodyPr/>
+                    <a:p>
+                      <a:pPr>
+                        <a:buNone/>
+                      </a:pPr>
+                      <a:r>
+                        <a:rPr lang="en-GB" altLang="en-US"/>
+                        <a:t>0.93   </a:t>
+                      </a:r>
+                      <a:endParaRPr lang="en-GB" altLang="en-US"/>
+                    </a:p>
+                  </a:txBody>
+                  <a:tcPr/>
+                </a:tc>
+                <a:tc>
+                  <a:txBody>
+                    <a:bodyPr/>
+                    <a:p>
+                      <a:pPr>
+                        <a:buNone/>
+                      </a:pPr>
+                      <a:r>
+                        <a:rPr lang="en-GB" altLang="en-US"/>
+                        <a:t>0.80 </a:t>
+                      </a:r>
+                      <a:endParaRPr lang="en-GB" altLang="en-US"/>
+                    </a:p>
+                  </a:txBody>
+                  <a:tcPr/>
+                </a:tc>
+                <a:tc>
+                  <a:txBody>
+                    <a:bodyPr/>
+                    <a:p>
+                      <a:pPr>
+                        <a:buNone/>
+                      </a:pPr>
+                      <a:r>
+                        <a:rPr lang="en-GB" altLang="en-US"/>
+                        <a:t>0.93     </a:t>
+                      </a:r>
+                      <a:endParaRPr lang="en-GB" altLang="en-US"/>
+                    </a:p>
+                  </a:txBody>
+                  <a:tcPr/>
+                </a:tc>
+                <a:tc>
+                  <a:txBody>
+                    <a:bodyPr/>
+                    <a:p>
+                      <a:pPr>
+                        <a:buNone/>
+                      </a:pPr>
+                      <a:r>
+                        <a:rPr lang="en-GB" altLang="en-US"/>
+                        <a:t>0.00</a:t>
+                      </a:r>
+                      <a:endParaRPr lang="en-GB" altLang="en-US"/>
+                    </a:p>
+                  </a:txBody>
+                  <a:tcPr/>
+                </a:tc>
+                <a:tc>
+                  <a:txBody>
+                    <a:bodyPr/>
+                    <a:p>
+                      <a:pPr>
+                        <a:buNone/>
+                      </a:pPr>
+                      <a:r>
+                        <a:rPr lang="en-GB" altLang="en-US"/>
+                        <a:t>0.93      </a:t>
+                      </a:r>
+                      <a:endParaRPr lang="en-GB" altLang="en-US"/>
+                    </a:p>
+                  </a:txBody>
+                  <a:tcPr/>
+                </a:tc>
+                <a:tc>
+                  <a:txBody>
+                    <a:bodyPr/>
+                    <a:p>
+                      <a:pPr>
+                        <a:buNone/>
+                      </a:pPr>
+                      <a:r>
+                        <a:rPr lang="en-GB" altLang="en-US"/>
+                        <a:t>0.80     </a:t>
+                      </a:r>
+                      <a:endParaRPr lang="en-GB" altLang="en-US"/>
+                    </a:p>
+                  </a:txBody>
+                  <a:tcPr/>
+                </a:tc>
+                <a:tc>
+                  <a:txBody>
+                    <a:bodyPr/>
+                    <a:p>
+                      <a:pPr>
+                        <a:buNone/>
+                      </a:pPr>
+                      <a:r>
+                        <a:rPr lang="en-GB" altLang="en-US"/>
+                        <a:t>0.93</a:t>
+                      </a:r>
+                      <a:endParaRPr lang="en-GB" altLang="en-US"/>
+                    </a:p>
+                  </a:txBody>
+                  <a:tcPr/>
+                </a:tc>
+                <a:tc>
+                  <a:txBody>
+                    <a:bodyPr/>
+                    <a:p>
+                      <a:pPr>
+                        <a:buNone/>
+                      </a:pPr>
+                      <a:r>
+                        <a:rPr lang="en-GB" altLang="en-US"/>
+                        <a:t>0.00</a:t>
+                      </a:r>
+                      <a:endParaRPr lang="en-GB" altLang="en-US"/>
+                    </a:p>
+                  </a:txBody>
+                  <a:tcPr/>
+                </a:tc>
+              </a:tr>
+              <a:tr h="565150">
+                <a:tc>
+                  <a:txBody>
+                    <a:bodyPr/>
+                    <a:p>
+                      <a:pPr>
+                        <a:buNone/>
+                      </a:pPr>
+                      <a:r>
+                        <a:rPr lang="en-GB" altLang="en-US"/>
+                        <a:t>Recall</a:t>
+                      </a:r>
+                      <a:endParaRPr lang="en-GB" altLang="en-US"/>
+                    </a:p>
+                  </a:txBody>
+                  <a:tcPr/>
+                </a:tc>
+                <a:tc>
+                  <a:txBody>
+                    <a:bodyPr/>
+                    <a:p>
+                      <a:pPr>
+                        <a:buNone/>
+                      </a:pPr>
+                      <a:r>
+                        <a:rPr lang="en-GB" altLang="en-US"/>
+                        <a:t>1.00      </a:t>
+                      </a:r>
+                      <a:endParaRPr lang="en-GB" altLang="en-US"/>
+                    </a:p>
+                  </a:txBody>
+                  <a:tcPr/>
+                </a:tc>
+                <a:tc>
+                  <a:txBody>
+                    <a:bodyPr/>
+                    <a:p>
+                      <a:pPr>
+                        <a:buNone/>
+                      </a:pPr>
+                      <a:r>
+                        <a:rPr lang="en-GB" altLang="en-US"/>
+                        <a:t> 0.05      </a:t>
+                      </a:r>
+                      <a:endParaRPr lang="en-GB" altLang="en-US"/>
+                    </a:p>
+                  </a:txBody>
+                  <a:tcPr/>
+                </a:tc>
+                <a:tc>
+                  <a:txBody>
+                    <a:bodyPr/>
+                    <a:p>
+                      <a:pPr>
+                        <a:buNone/>
+                      </a:pPr>
+                      <a:r>
+                        <a:rPr lang="en-GB" altLang="en-US"/>
+                        <a:t>1.00      </a:t>
+                      </a:r>
+                      <a:endParaRPr lang="en-GB" altLang="en-US"/>
+                    </a:p>
+                  </a:txBody>
+                  <a:tcPr/>
+                </a:tc>
+                <a:tc>
+                  <a:txBody>
+                    <a:bodyPr/>
+                    <a:p>
+                      <a:pPr>
+                        <a:buNone/>
+                      </a:pPr>
+                      <a:r>
+                        <a:rPr lang="en-GB" altLang="en-US"/>
+                        <a:t>0.05      </a:t>
+                      </a:r>
+                      <a:endParaRPr lang="en-GB" altLang="en-US"/>
+                    </a:p>
+                  </a:txBody>
+                  <a:tcPr/>
+                </a:tc>
+                <a:tc>
+                  <a:txBody>
+                    <a:bodyPr/>
+                    <a:p>
+                      <a:pPr>
+                        <a:buNone/>
+                      </a:pPr>
+                      <a:r>
+                        <a:rPr lang="en-GB" altLang="en-US"/>
+                        <a:t>1.00      </a:t>
+                      </a:r>
+                      <a:endParaRPr lang="en-GB" altLang="en-US"/>
+                    </a:p>
+                  </a:txBody>
+                  <a:tcPr/>
+                </a:tc>
+                <a:tc>
+                  <a:txBody>
+                    <a:bodyPr/>
+                    <a:p>
+                      <a:pPr>
+                        <a:buNone/>
+                      </a:pPr>
+                      <a:r>
+                        <a:rPr lang="en-GB" altLang="en-US"/>
+                        <a:t>0.00</a:t>
+                      </a:r>
+                      <a:endParaRPr lang="en-GB" altLang="en-US"/>
+                    </a:p>
+                  </a:txBody>
+                  <a:tcPr/>
+                </a:tc>
+                <a:tc>
+                  <a:txBody>
+                    <a:bodyPr/>
+                    <a:p>
+                      <a:pPr>
+                        <a:buNone/>
+                      </a:pPr>
+                      <a:r>
+                        <a:rPr lang="en-GB" altLang="en-US"/>
+                        <a:t>1.00      </a:t>
+                      </a:r>
+                      <a:endParaRPr lang="en-GB" altLang="en-US"/>
+                    </a:p>
+                  </a:txBody>
+                  <a:tcPr/>
+                </a:tc>
+                <a:tc>
+                  <a:txBody>
+                    <a:bodyPr/>
+                    <a:p>
+                      <a:pPr>
+                        <a:buNone/>
+                      </a:pPr>
+                      <a:r>
+                        <a:rPr lang="en-GB" altLang="en-US"/>
+                        <a:t>0.05     </a:t>
+                      </a:r>
+                      <a:endParaRPr lang="en-GB" altLang="en-US"/>
+                    </a:p>
+                  </a:txBody>
+                  <a:tcPr/>
+                </a:tc>
+                <a:tc>
+                  <a:txBody>
+                    <a:bodyPr/>
+                    <a:p>
+                      <a:pPr>
+                        <a:buNone/>
+                      </a:pPr>
+                      <a:r>
+                        <a:rPr lang="en-GB" altLang="en-US"/>
+                        <a:t>1.00      </a:t>
+                      </a:r>
+                      <a:endParaRPr lang="en-GB" altLang="en-US"/>
+                    </a:p>
+                  </a:txBody>
+                  <a:tcPr/>
+                </a:tc>
+                <a:tc>
+                  <a:txBody>
+                    <a:bodyPr/>
+                    <a:p>
+                      <a:pPr>
+                        <a:buNone/>
+                      </a:pPr>
+                      <a:r>
+                        <a:rPr lang="en-GB" altLang="en-US"/>
+                        <a:t>0.00</a:t>
+                      </a:r>
+                      <a:endParaRPr lang="en-GB" altLang="en-US"/>
+                    </a:p>
+                  </a:txBody>
+                  <a:tcPr/>
+                </a:tc>
+              </a:tr>
+              <a:tr h="563880">
+                <a:tc>
+                  <a:txBody>
+                    <a:bodyPr/>
+                    <a:p>
+                      <a:pPr>
+                        <a:buNone/>
+                      </a:pPr>
+                      <a:r>
+                        <a:rPr lang="en-GB" altLang="en-US"/>
+                        <a:t>F1-Score</a:t>
+                      </a:r>
+                      <a:endParaRPr lang="en-GB" altLang="en-US"/>
+                    </a:p>
+                  </a:txBody>
+                  <a:tcPr/>
+                </a:tc>
+                <a:tc>
+                  <a:txBody>
+                    <a:bodyPr/>
+                    <a:p>
+                      <a:pPr>
+                        <a:buNone/>
+                      </a:pPr>
+                      <a:r>
+                        <a:rPr lang="en-GB" altLang="en-US"/>
+                        <a:t>0.96 </a:t>
+                      </a:r>
+                      <a:endParaRPr lang="en-GB" altLang="en-US"/>
+                    </a:p>
+                  </a:txBody>
+                  <a:tcPr/>
+                </a:tc>
+                <a:tc>
+                  <a:txBody>
+                    <a:bodyPr/>
+                    <a:p>
+                      <a:pPr>
+                        <a:buNone/>
+                      </a:pPr>
+                      <a:r>
+                        <a:rPr lang="en-GB" altLang="en-US"/>
+                        <a:t> 0.10</a:t>
+                      </a:r>
+                      <a:endParaRPr lang="en-GB" altLang="en-US"/>
+                    </a:p>
+                  </a:txBody>
+                  <a:tcPr/>
+                </a:tc>
+                <a:tc>
+                  <a:txBody>
+                    <a:bodyPr/>
+                    <a:p>
+                      <a:pPr>
+                        <a:buNone/>
+                      </a:pPr>
+                      <a:r>
+                        <a:rPr lang="en-GB" altLang="en-US"/>
+                        <a:t>0.96 </a:t>
+                      </a:r>
+                      <a:endParaRPr lang="en-GB" altLang="en-US"/>
+                    </a:p>
+                  </a:txBody>
+                  <a:tcPr/>
+                </a:tc>
+                <a:tc>
+                  <a:txBody>
+                    <a:bodyPr/>
+                    <a:p>
+                      <a:pPr>
+                        <a:buNone/>
+                      </a:pPr>
+                      <a:r>
+                        <a:rPr lang="en-GB" altLang="en-US"/>
+                        <a:t>0.10</a:t>
+                      </a:r>
+                      <a:endParaRPr lang="en-GB" altLang="en-US"/>
+                    </a:p>
+                  </a:txBody>
+                  <a:tcPr/>
+                </a:tc>
+                <a:tc>
+                  <a:txBody>
+                    <a:bodyPr/>
+                    <a:p>
+                      <a:pPr>
+                        <a:buNone/>
+                      </a:pPr>
+                      <a:r>
+                        <a:rPr lang="en-GB" altLang="en-US"/>
+                        <a:t>0.96</a:t>
+                      </a:r>
+                      <a:endParaRPr lang="en-GB" altLang="en-US"/>
+                    </a:p>
+                  </a:txBody>
+                  <a:tcPr/>
+                </a:tc>
+                <a:tc>
+                  <a:txBody>
+                    <a:bodyPr/>
+                    <a:p>
+                      <a:pPr>
+                        <a:buNone/>
+                      </a:pPr>
+                      <a:r>
+                        <a:rPr lang="en-GB" altLang="en-US"/>
+                        <a:t>0.00</a:t>
+                      </a:r>
+                      <a:endParaRPr lang="en-GB" altLang="en-US"/>
+                    </a:p>
+                  </a:txBody>
+                  <a:tcPr/>
+                </a:tc>
+                <a:tc>
+                  <a:txBody>
+                    <a:bodyPr/>
+                    <a:p>
+                      <a:pPr>
+                        <a:buNone/>
+                      </a:pPr>
+                      <a:r>
+                        <a:rPr lang="en-GB" altLang="en-US"/>
+                        <a:t>0.96</a:t>
+                      </a:r>
+                      <a:endParaRPr lang="en-GB" altLang="en-US"/>
+                    </a:p>
+                  </a:txBody>
+                  <a:tcPr/>
+                </a:tc>
+                <a:tc>
+                  <a:txBody>
+                    <a:bodyPr/>
+                    <a:p>
+                      <a:pPr>
+                        <a:buNone/>
+                      </a:pPr>
+                      <a:r>
+                        <a:rPr lang="en-GB" altLang="en-US"/>
+                        <a:t>0.10</a:t>
+                      </a:r>
+                      <a:endParaRPr lang="en-GB" altLang="en-US"/>
+                    </a:p>
+                  </a:txBody>
+                  <a:tcPr/>
+                </a:tc>
+                <a:tc>
+                  <a:txBody>
+                    <a:bodyPr/>
+                    <a:p>
+                      <a:pPr>
+                        <a:buNone/>
+                      </a:pPr>
+                      <a:r>
+                        <a:rPr lang="en-GB" altLang="en-US"/>
+                        <a:t>0.96</a:t>
+                      </a:r>
+                      <a:endParaRPr lang="en-GB" altLang="en-US"/>
+                    </a:p>
+                  </a:txBody>
+                  <a:tcPr/>
+                </a:tc>
+                <a:tc>
+                  <a:txBody>
+                    <a:bodyPr/>
+                    <a:p>
+                      <a:pPr>
+                        <a:buNone/>
+                      </a:pPr>
+                      <a:r>
+                        <a:rPr lang="en-GB" altLang="en-US"/>
+                        <a:t>0.00</a:t>
+                      </a:r>
+                      <a:endParaRPr lang="en-GB" altLang="en-US"/>
+                    </a:p>
+                  </a:txBody>
+                  <a:tcPr/>
+                </a:tc>
+              </a:tr>
+              <a:tr h="640080">
+                <a:tc>
+                  <a:txBody>
+                    <a:bodyPr/>
+                    <a:p>
+                      <a:pPr>
+                        <a:buNone/>
+                      </a:pPr>
+                      <a:r>
+                        <a:rPr lang="en-GB" altLang="en-US" sz="1800"/>
+                        <a:t>Accuracy</a:t>
+                      </a:r>
+                      <a:endParaRPr lang="en-GB" altLang="en-US" sz="1800"/>
+                    </a:p>
+                    <a:p>
+                      <a:pPr>
+                        <a:buNone/>
+                      </a:pPr>
+                      <a:endParaRPr lang="en-GB" altLang="en-US"/>
+                    </a:p>
+                  </a:txBody>
+                  <a:tcPr/>
+                </a:tc>
+                <a:tc gridSpan="2">
+                  <a:txBody>
+                    <a:bodyPr/>
+                    <a:p>
+                      <a:pPr>
+                        <a:buNone/>
+                      </a:pPr>
+                      <a:r>
+                        <a:rPr lang="en-GB" altLang="en-US"/>
+                        <a:t>0.9314</a:t>
+                      </a:r>
+                      <a:endParaRPr lang="en-GB" altLang="en-US"/>
+                    </a:p>
+                  </a:txBody>
+                  <a:tcPr/>
+                </a:tc>
+                <a:tc hMerge="1">
+                  <a:tcPr/>
+                </a:tc>
+                <a:tc gridSpan="2">
+                  <a:txBody>
+                    <a:bodyPr/>
+                    <a:p>
+                      <a:pPr>
+                        <a:buNone/>
+                      </a:pPr>
+                      <a:r>
+                        <a:rPr lang="en-GB" altLang="en-US"/>
+                        <a:t>0.9319</a:t>
+                      </a:r>
+                      <a:endParaRPr lang="en-GB" altLang="en-US"/>
+                    </a:p>
+                  </a:txBody>
+                  <a:tcPr/>
+                </a:tc>
+                <a:tc hMerge="1">
+                  <a:tcPr/>
+                </a:tc>
+                <a:tc gridSpan="2">
+                  <a:txBody>
+                    <a:bodyPr/>
+                    <a:p>
+                      <a:pPr>
+                        <a:buNone/>
+                      </a:pPr>
+                      <a:r>
+                        <a:rPr lang="en-GB" altLang="en-US"/>
+                        <a:t>0.9286</a:t>
+                      </a:r>
+                      <a:endParaRPr lang="en-GB" altLang="en-US"/>
+                    </a:p>
+                  </a:txBody>
+                  <a:tcPr/>
+                </a:tc>
+                <a:tc hMerge="1">
+                  <a:tcPr/>
+                </a:tc>
+                <a:tc gridSpan="2">
+                  <a:txBody>
+                    <a:bodyPr/>
+                    <a:p>
+                      <a:pPr>
+                        <a:buNone/>
+                      </a:pPr>
+                      <a:r>
+                        <a:rPr lang="en-GB" altLang="en-US" sz="1800">
+                          <a:sym typeface="+mn-ea"/>
+                        </a:rPr>
+                        <a:t>0.93148</a:t>
+                      </a:r>
+                      <a:endParaRPr lang="en-GB" altLang="en-US"/>
+                    </a:p>
+                  </a:txBody>
+                  <a:tcPr/>
+                </a:tc>
+                <a:tc hMerge="1">
+                  <a:tcPr/>
+                </a:tc>
+                <a:tc gridSpan="2">
+                  <a:txBody>
+                    <a:bodyPr/>
+                    <a:p>
+                      <a:pPr>
+                        <a:buNone/>
+                      </a:pPr>
+                      <a:r>
+                        <a:rPr lang="en-GB" altLang="en-US"/>
+                        <a:t>0.9286</a:t>
+                      </a:r>
+                      <a:endParaRPr lang="en-GB" altLang="en-US"/>
+                    </a:p>
+                  </a:txBody>
+                  <a:tcPr/>
+                </a:tc>
+                <a:tc hMerge="1">
+                  <a:tcPr/>
+                </a:tc>
+              </a:tr>
+            </a:tbl>
+          </a:graphicData>
+        </a:graphic>
+      </p:graphicFrame>
+      <p:sp>
+        <p:nvSpPr>
+          <p:cNvPr id="65" name="textbox 65"/>
+          <p:cNvSpPr/>
+          <p:nvPr/>
+        </p:nvSpPr>
+        <p:spPr>
+          <a:xfrm>
+            <a:off x="740410" y="4024630"/>
+            <a:ext cx="3459480" cy="354330"/>
+          </a:xfrm>
+          <a:prstGeom prst="rect">
+            <a:avLst/>
+          </a:prstGeom>
           <a:solidFill>
-            <a:srgbClr val="3B3B3B"/>
+            <a:srgbClr val="5B9BD5"/>
           </a:solidFill>
         </p:spPr>
         <p:txBody>
-          <a:bodyPr vert="vert270" anchor="t" anchorCtr="0"/>
-          <a:lstStyle/>
-          <a:p>
-            <a:endParaRPr lang="en-US" b="1" dirty="0">
+          <a:bodyPr vert="horz" wrap="square" lIns="0" tIns="0" rIns="0" bIns="0"/>
+          <a:p>
+            <a:pPr algn="l" rtl="0" eaLnBrk="0">
+              <a:lnSpc>
+                <a:spcPct val="135000"/>
+              </a:lnSpc>
+            </a:pPr>
+            <a:endParaRPr lang="en-US" altLang="en-US" sz="200" dirty="0">
+              <a:latin typeface="Arial" panose="020B0604020202020204" pitchFamily="34" charset="0"/>
+              <a:cs typeface="Arial" panose="020B0604020202020204" pitchFamily="34" charset="0"/>
+            </a:endParaRPr>
+          </a:p>
+          <a:p>
+            <a:pPr marL="262890" algn="l" rtl="0" eaLnBrk="0">
+              <a:lnSpc>
+                <a:spcPts val="1840"/>
+              </a:lnSpc>
+              <a:spcBef>
+                <a:spcPts val="0"/>
+              </a:spcBef>
+            </a:pPr>
+            <a:r>
+              <a:rPr b="1" kern="0" spc="-30" dirty="0">
+                <a:solidFill>
+                  <a:srgbClr val="000000">
+                    <a:alpha val="100000"/>
+                  </a:srgbClr>
+                </a:solidFill>
+                <a:latin typeface="Arial" panose="020B0604020202020204" pitchFamily="34" charset="0"/>
+                <a:ea typeface="Arial" panose="020B0604020202020204"/>
+                <a:cs typeface="Arial" panose="020B0604020202020204" pitchFamily="34" charset="0"/>
+              </a:rPr>
+              <a:t>Observations</a:t>
+            </a:r>
+            <a:r>
+              <a:rPr kern="0" spc="-20" dirty="0">
+                <a:solidFill>
+                  <a:srgbClr val="000000">
+                    <a:alpha val="100000"/>
+                  </a:srgbClr>
+                </a:solidFill>
+                <a:latin typeface="Arial" panose="020B0604020202020204" pitchFamily="34" charset="0"/>
+                <a:ea typeface="Arial" panose="020B0604020202020204"/>
+                <a:cs typeface="Arial" panose="020B0604020202020204" pitchFamily="34" charset="0"/>
+              </a:rPr>
+              <a:t> </a:t>
+            </a:r>
+            <a:r>
+              <a:rPr b="1" kern="0" spc="-30" dirty="0">
+                <a:solidFill>
+                  <a:srgbClr val="000000">
+                    <a:alpha val="100000"/>
+                  </a:srgbClr>
+                </a:solidFill>
+                <a:latin typeface="Arial" panose="020B0604020202020204" pitchFamily="34" charset="0"/>
+                <a:ea typeface="Arial" panose="020B0604020202020204"/>
+                <a:cs typeface="Arial" panose="020B0604020202020204" pitchFamily="34" charset="0"/>
+              </a:rPr>
+              <a:t>/</a:t>
+            </a:r>
+            <a:r>
+              <a:rPr kern="0" spc="80" dirty="0">
+                <a:solidFill>
+                  <a:srgbClr val="000000">
+                    <a:alpha val="100000"/>
+                  </a:srgbClr>
+                </a:solidFill>
+                <a:latin typeface="Arial" panose="020B0604020202020204" pitchFamily="34" charset="0"/>
+                <a:ea typeface="Arial" panose="020B0604020202020204"/>
+                <a:cs typeface="Arial" panose="020B0604020202020204" pitchFamily="34" charset="0"/>
+              </a:rPr>
+              <a:t> </a:t>
+            </a:r>
+            <a:r>
+              <a:rPr b="1" kern="0" spc="-30" dirty="0">
+                <a:solidFill>
+                  <a:srgbClr val="000000">
+                    <a:alpha val="100000"/>
+                  </a:srgbClr>
+                </a:solidFill>
+                <a:latin typeface="Arial" panose="020B0604020202020204" pitchFamily="34" charset="0"/>
+                <a:ea typeface="Arial" panose="020B0604020202020204"/>
+                <a:cs typeface="Arial" panose="020B0604020202020204" pitchFamily="34" charset="0"/>
+              </a:rPr>
+              <a:t>Findings</a:t>
+            </a:r>
+            <a:endParaRPr lang="en-US" altLang="en-US" dirty="0">
+              <a:latin typeface="Arial" panose="020B0604020202020204" pitchFamily="34" charset="0"/>
+              <a:cs typeface="Arial" panose="020B0604020202020204" pitchFamily="34" charset="0"/>
+            </a:endParaRPr>
+          </a:p>
+        </p:txBody>
+      </p:sp>
+      <p:sp>
+        <p:nvSpPr>
+          <p:cNvPr id="62" name="rect"/>
+          <p:cNvSpPr/>
+          <p:nvPr/>
+        </p:nvSpPr>
+        <p:spPr>
+          <a:xfrm>
+            <a:off x="716915" y="4392295"/>
+            <a:ext cx="11019155" cy="1972310"/>
+          </a:xfrm>
+          <a:prstGeom prst="rect">
+            <a:avLst/>
+          </a:prstGeom>
+          <a:solidFill>
+            <a:srgbClr val="5B9BD5">
+              <a:alpha val="20000"/>
+            </a:srgbClr>
+          </a:solidFill>
+          <a:ln cap="flat">
+            <a:noFill/>
+            <a:prstDash val="solid"/>
+            <a:miter lim="0"/>
+          </a:ln>
+        </p:spPr>
+        <p:txBody>
+          <a:bodyPr rtlCol="0"/>
+          <a:p>
+            <a:pPr marL="342900" indent="-342900">
+              <a:buAutoNum type="arabicPeriod"/>
+            </a:pPr>
+            <a:r>
+              <a:rPr lang="en-US" altLang="en-GB" dirty="0">
+                <a:latin typeface="Arial" panose="020B0604020202020204" pitchFamily="34" charset="0"/>
+                <a:cs typeface="Arial" panose="020B0604020202020204" pitchFamily="34" charset="0"/>
+              </a:rPr>
+              <a:t>Attention CLS Token Pooling has the highest accuracy (0.9320) and performs better than others in terms of precision and recall for label 1. </a:t>
+            </a:r>
+            <a:endParaRPr lang="en-US" altLang="en-GB" dirty="0">
+              <a:latin typeface="Arial" panose="020B0604020202020204" pitchFamily="34" charset="0"/>
+              <a:cs typeface="Arial" panose="020B0604020202020204" pitchFamily="34" charset="0"/>
+            </a:endParaRPr>
+          </a:p>
+          <a:p>
+            <a:pPr marL="342900" indent="-342900">
+              <a:buAutoNum type="arabicPeriod"/>
+            </a:pPr>
+            <a:r>
+              <a:rPr lang="en-US" altLang="en-GB" dirty="0">
+                <a:latin typeface="Arial" panose="020B0604020202020204" pitchFamily="34" charset="0"/>
+                <a:cs typeface="Arial" panose="020B0604020202020204" pitchFamily="34" charset="0"/>
+              </a:rPr>
+              <a:t>Attention Mean and Weighted Pooling also perform well, but their accuracy is slightly lower than attention_cls. Attention Max and Hybrid Pooling have the same accuracy (0.9287), which is lower than the other strategies, and they both have poor F1-scores for label 1.</a:t>
+            </a:r>
+            <a:endParaRPr lang="en-US" altLang="en-GB" dirty="0">
+              <a:latin typeface="Arial" panose="020B0604020202020204" pitchFamily="34" charset="0"/>
+              <a:cs typeface="Arial" panose="020B0604020202020204" pitchFamily="34" charset="0"/>
+            </a:endParaRPr>
+          </a:p>
+          <a:p>
+            <a:pPr indent="0">
+              <a:buNone/>
+            </a:pPr>
+            <a:br>
+              <a:rPr lang="en-GB" dirty="0">
+                <a:latin typeface="Arial" panose="020B0604020202020204" pitchFamily="34" charset="0"/>
+                <a:cs typeface="Arial" panose="020B0604020202020204" pitchFamily="34" charset="0"/>
+              </a:rPr>
+            </a:br>
+            <a:endParaRPr lang="zh-CN" altLang="en-US" dirty="0">
+              <a:latin typeface="Arial" panose="020B0604020202020204" pitchFamily="34" charset="0"/>
+              <a:cs typeface="Arial" panose="020B0604020202020204" pitchFamily="34" charset="0"/>
+            </a:endParaRPr>
+          </a:p>
+        </p:txBody>
+      </p:sp>
+    </p:spTree>
+  </p:cSld>
+  <p:clrMapOvr>
+    <a:masterClrMapping/>
+  </p:clrMapOvr>
+</p:sld>
+</file>
+
+<file path=ppt/slides/slide9.xml><?xml version="1.0" encoding="utf-8"?>
+<p:sld xmlns:a="http://schemas.openxmlformats.org/drawingml/2006/main" xmlns:r="http://schemas.openxmlformats.org/officeDocument/2006/relationships" xmlns:p="http://schemas.openxmlformats.org/presentationml/2006/main">
+  <p:cSld>
+    <p:spTree>
+      <p:nvGrpSpPr>
+        <p:cNvPr id="1" name=""/>
+        <p:cNvGrpSpPr/>
+        <p:nvPr/>
+      </p:nvGrpSpPr>
+      <p:grpSpPr/>
+      <p:sp>
+        <p:nvSpPr>
+          <p:cNvPr id="2" name="Title 1"/>
+          <p:cNvSpPr>
+            <a:spLocks noGrp="1"/>
+          </p:cNvSpPr>
+          <p:nvPr>
+            <p:ph type="title"/>
+          </p:nvPr>
+        </p:nvSpPr>
+        <p:spPr>
+          <a:xfrm>
+            <a:off x="838200" y="365125"/>
+            <a:ext cx="10515600" cy="835025"/>
+          </a:xfrm>
+        </p:spPr>
+        <p:txBody>
+          <a:bodyPr>
+            <a:normAutofit/>
+          </a:bodyPr>
+          <a:p>
+            <a:r>
+              <a:rPr lang="en-GB" altLang="en-US" sz="2665" b="1">
+                <a:solidFill>
+                  <a:schemeClr val="accent1"/>
+                </a:solidFill>
+                <a:latin typeface="Arial" panose="020B0604020202020204" pitchFamily="34" charset="0"/>
+                <a:cs typeface="Arial" panose="020B0604020202020204" pitchFamily="34" charset="0"/>
+              </a:rPr>
+              <a:t>xLSTM Metrics</a:t>
+            </a:r>
+            <a:endParaRPr lang="en-GB" altLang="en-US" sz="2665" b="1">
               <a:solidFill>
-                <a:srgbClr val="FF6600"/>
+                <a:schemeClr val="accent1"/>
               </a:solidFill>
+              <a:latin typeface="Arial" panose="020B0604020202020204" pitchFamily="34" charset="0"/>
+              <a:cs typeface="Arial" panose="020B0604020202020204" pitchFamily="34" charset="0"/>
             </a:endParaRPr>
           </a:p>
         </p:txBody>
       </p:sp>
       <p:pic>
         <p:nvPicPr>
-          <p:cNvPr id="4" name="Picture 3"/>
+          <p:cNvPr id="4" name="Content Placeholder 3"/>
           <p:cNvPicPr>
             <a:picLocks noChangeAspect="1"/>
           </p:cNvPicPr>
-          <p:nvPr/>
+          <p:nvPr>
+            <p:ph sz="half" idx="1"/>
+          </p:nvPr>
         </p:nvPicPr>
         <p:blipFill>
-          <a:blip r:embed="rId1">
-            <a:extLst>
-              <a:ext uri="{28A0092B-C50C-407E-A947-70E740481C1C}">
-                <a14:useLocalDpi xmlns:a14="http://schemas.microsoft.com/office/drawing/2010/main" val="0"/>
-              </a:ext>
-            </a:extLst>
-          </a:blip>
+          <a:blip r:embed="rId1"/>
           <a:stretch>
             <a:fillRect/>
           </a:stretch>
         </p:blipFill>
         <p:spPr>
           <a:xfrm>
-            <a:off x="0" y="5863771"/>
-            <a:ext cx="1654627" cy="994232"/>
+            <a:off x="838200" y="1356360"/>
+            <a:ext cx="5181600" cy="3550285"/>
           </a:xfrm>
           <a:prstGeom prst="rect">
             <a:avLst/>
           </a:prstGeom>
         </p:spPr>
       </p:pic>
-      <p:sp>
-        <p:nvSpPr>
-          <p:cNvPr id="6" name="Subtitle 5"/>
-          <p:cNvSpPr>
-            <a:spLocks noGrp="1"/>
-          </p:cNvSpPr>
-          <p:nvPr>
-            <p:ph type="subTitle" idx="1"/>
-          </p:nvPr>
-        </p:nvSpPr>
+      <p:pic>
+        <p:nvPicPr>
+          <p:cNvPr id="5" name="Content Placeholder 4"/>
+          <p:cNvPicPr>
+            <a:picLocks noChangeAspect="1"/>
+          </p:cNvPicPr>
+          <p:nvPr>
+            <p:ph sz="half" idx="2"/>
+          </p:nvPr>
+        </p:nvPicPr>
+        <p:blipFill>
+          <a:blip r:embed="rId2"/>
+          <a:stretch>
+            <a:fillRect/>
+          </a:stretch>
+        </p:blipFill>
         <p:spPr>
           <a:xfrm>
-            <a:off x="5152570" y="2481943"/>
-            <a:ext cx="5558973" cy="1655762"/>
+            <a:off x="6172200" y="1356995"/>
+            <a:ext cx="5181600" cy="3549650"/>
           </a:xfrm>
+          <a:prstGeom prst="rect">
+            <a:avLst/>
+          </a:prstGeom>
         </p:spPr>
-        <p:txBody>
-          <a:bodyPr>
-            <a:normAutofit/>
-          </a:bodyPr>
-          <a:lstStyle/>
-          <a:p>
-            <a:r>
-              <a:rPr lang="en-US" sz="6600" dirty="0">
+      </p:pic>
+      <p:sp>
+        <p:nvSpPr>
+          <p:cNvPr id="65" name="textbox 65"/>
+          <p:cNvSpPr/>
+          <p:nvPr/>
+        </p:nvSpPr>
+        <p:spPr>
+          <a:xfrm>
+            <a:off x="740410" y="4960620"/>
+            <a:ext cx="3459480" cy="354330"/>
+          </a:xfrm>
+          <a:prstGeom prst="rect">
+            <a:avLst/>
+          </a:prstGeom>
+          <a:solidFill>
+            <a:srgbClr val="5B9BD5"/>
+          </a:solidFill>
+        </p:spPr>
+        <p:txBody>
+          <a:bodyPr vert="horz" wrap="square" lIns="0" tIns="0" rIns="0" bIns="0"/>
+          <a:p>
+            <a:pPr algn="l" rtl="0" eaLnBrk="0">
+              <a:lnSpc>
+                <a:spcPct val="135000"/>
+              </a:lnSpc>
+            </a:pPr>
+            <a:endParaRPr lang="en-US" altLang="en-US" sz="200" dirty="0">
+              <a:latin typeface="Arial" panose="020B0604020202020204" pitchFamily="34" charset="0"/>
+              <a:cs typeface="Arial" panose="020B0604020202020204" pitchFamily="34" charset="0"/>
+            </a:endParaRPr>
+          </a:p>
+          <a:p>
+            <a:pPr marL="262890" algn="l" rtl="0" eaLnBrk="0">
+              <a:lnSpc>
+                <a:spcPts val="1840"/>
+              </a:lnSpc>
+              <a:spcBef>
+                <a:spcPts val="0"/>
+              </a:spcBef>
+            </a:pPr>
+            <a:r>
+              <a:rPr b="1" kern="0" spc="-30" dirty="0">
                 <a:solidFill>
-                  <a:srgbClr val="FF6600"/>
+                  <a:srgbClr val="000000">
+                    <a:alpha val="100000"/>
+                  </a:srgbClr>
                 </a:solidFill>
-              </a:rPr>
-              <a:t>Thank You</a:t>
-            </a:r>
-            <a:endParaRPr lang="en-US" sz="6600" dirty="0">
-              <a:solidFill>
-                <a:srgbClr val="FF6600"/>
-              </a:solidFill>
+                <a:latin typeface="Arial" panose="020B0604020202020204" pitchFamily="34" charset="0"/>
+                <a:ea typeface="Arial" panose="020B0604020202020204"/>
+                <a:cs typeface="Arial" panose="020B0604020202020204" pitchFamily="34" charset="0"/>
+              </a:rPr>
+              <a:t>Observations</a:t>
+            </a:r>
+            <a:r>
+              <a:rPr kern="0" spc="-20" dirty="0">
+                <a:solidFill>
+                  <a:srgbClr val="000000">
+                    <a:alpha val="100000"/>
+                  </a:srgbClr>
+                </a:solidFill>
+                <a:latin typeface="Arial" panose="020B0604020202020204" pitchFamily="34" charset="0"/>
+                <a:ea typeface="Arial" panose="020B0604020202020204"/>
+                <a:cs typeface="Arial" panose="020B0604020202020204" pitchFamily="34" charset="0"/>
+              </a:rPr>
+              <a:t> </a:t>
+            </a:r>
+            <a:r>
+              <a:rPr b="1" kern="0" spc="-30" dirty="0">
+                <a:solidFill>
+                  <a:srgbClr val="000000">
+                    <a:alpha val="100000"/>
+                  </a:srgbClr>
+                </a:solidFill>
+                <a:latin typeface="Arial" panose="020B0604020202020204" pitchFamily="34" charset="0"/>
+                <a:ea typeface="Arial" panose="020B0604020202020204"/>
+                <a:cs typeface="Arial" panose="020B0604020202020204" pitchFamily="34" charset="0"/>
+              </a:rPr>
+              <a:t>/</a:t>
+            </a:r>
+            <a:r>
+              <a:rPr kern="0" spc="80" dirty="0">
+                <a:solidFill>
+                  <a:srgbClr val="000000">
+                    <a:alpha val="100000"/>
+                  </a:srgbClr>
+                </a:solidFill>
+                <a:latin typeface="Arial" panose="020B0604020202020204" pitchFamily="34" charset="0"/>
+                <a:ea typeface="Arial" panose="020B0604020202020204"/>
+                <a:cs typeface="Arial" panose="020B0604020202020204" pitchFamily="34" charset="0"/>
+              </a:rPr>
+              <a:t> </a:t>
+            </a:r>
+            <a:r>
+              <a:rPr b="1" kern="0" spc="-30" dirty="0">
+                <a:solidFill>
+                  <a:srgbClr val="000000">
+                    <a:alpha val="100000"/>
+                  </a:srgbClr>
+                </a:solidFill>
+                <a:latin typeface="Arial" panose="020B0604020202020204" pitchFamily="34" charset="0"/>
+                <a:ea typeface="Arial" panose="020B0604020202020204"/>
+                <a:cs typeface="Arial" panose="020B0604020202020204" pitchFamily="34" charset="0"/>
+              </a:rPr>
+              <a:t>Findings</a:t>
+            </a:r>
+            <a:endParaRPr lang="en-US" altLang="en-US" dirty="0">
+              <a:latin typeface="Arial" panose="020B0604020202020204" pitchFamily="34" charset="0"/>
+              <a:cs typeface="Arial" panose="020B0604020202020204" pitchFamily="34" charset="0"/>
             </a:endParaRPr>
           </a:p>
-          <a:p>
-            <a:endParaRPr lang="en-US" sz="6600" dirty="0">
-              <a:solidFill>
-                <a:srgbClr val="FF6600"/>
-              </a:solidFill>
+        </p:txBody>
+      </p:sp>
+      <p:sp>
+        <p:nvSpPr>
+          <p:cNvPr id="62" name="rect"/>
+          <p:cNvSpPr/>
+          <p:nvPr/>
+        </p:nvSpPr>
+        <p:spPr>
+          <a:xfrm>
+            <a:off x="716915" y="5300345"/>
+            <a:ext cx="11019155" cy="1554480"/>
+          </a:xfrm>
+          <a:prstGeom prst="rect">
+            <a:avLst/>
+          </a:prstGeom>
+          <a:solidFill>
+            <a:srgbClr val="5B9BD5">
+              <a:alpha val="20000"/>
+            </a:srgbClr>
+          </a:solidFill>
+          <a:ln cap="flat">
+            <a:noFill/>
+            <a:prstDash val="solid"/>
+            <a:miter lim="0"/>
+          </a:ln>
+        </p:spPr>
+        <p:txBody>
+          <a:bodyPr rtlCol="0"/>
+          <a:p>
+            <a:pPr marL="342900" indent="-342900">
+              <a:buAutoNum type="arabicPeriod"/>
+            </a:pPr>
+            <a:r>
+              <a:rPr lang="en-GB" altLang="en-US" dirty="0">
+                <a:latin typeface="Arial" panose="020B0604020202020204" pitchFamily="34" charset="0"/>
+                <a:cs typeface="Arial" panose="020B0604020202020204" pitchFamily="34" charset="0"/>
+              </a:rPr>
+              <a:t>The performance metrics shows a near perfect (100%) model. It depicts the superiority of xLSTM in hate speech detection among major LLMs.</a:t>
+            </a:r>
+            <a:endParaRPr lang="en-US" altLang="en-GB" dirty="0">
+              <a:latin typeface="Arial" panose="020B0604020202020204" pitchFamily="34" charset="0"/>
+              <a:cs typeface="Arial" panose="020B0604020202020204" pitchFamily="34" charset="0"/>
+            </a:endParaRPr>
+          </a:p>
+          <a:p>
+            <a:pPr indent="0">
+              <a:buNone/>
+            </a:pPr>
+            <a:br>
+              <a:rPr lang="en-GB" dirty="0">
+                <a:latin typeface="Arial" panose="020B0604020202020204" pitchFamily="34" charset="0"/>
+                <a:cs typeface="Arial" panose="020B0604020202020204" pitchFamily="34" charset="0"/>
+              </a:rPr>
+            </a:br>
+            <a:endParaRPr lang="zh-CN" altLang="en-US" dirty="0">
+              <a:latin typeface="Arial" panose="020B0604020202020204" pitchFamily="34" charset="0"/>
+              <a:cs typeface="Arial" panose="020B0604020202020204" pitchFamily="34" charset="0"/>
             </a:endParaRPr>
           </a:p>
         </p:txBody>
@@ -4579,4 +8799,263 @@
     </a:ext>
   </a:extLst>
 </a:theme>
+</file>
+
+<file path=ppt/theme/theme2.xml><?xml version="1.0" encoding="utf-8"?>
+<a:theme xmlns:a="http://schemas.openxmlformats.org/drawingml/2006/main" name="Office Theme">
+  <a:themeElements>
+    <a:clrScheme name="Office">
+      <a:dk1>
+        <a:sysClr val="windowText" lastClr="000000"/>
+      </a:dk1>
+      <a:lt1>
+        <a:sysClr val="window" lastClr="FFFFFF"/>
+      </a:lt1>
+      <a:dk2>
+        <a:srgbClr val="44546A"/>
+      </a:dk2>
+      <a:lt2>
+        <a:srgbClr val="E7E6E6"/>
+      </a:lt2>
+      <a:accent1>
+        <a:srgbClr val="5B9BD5"/>
+      </a:accent1>
+      <a:accent2>
+        <a:srgbClr val="ED7D31"/>
+      </a:accent2>
+      <a:accent3>
+        <a:srgbClr val="A5A5A5"/>
+      </a:accent3>
+      <a:accent4>
+        <a:srgbClr val="FFC000"/>
+      </a:accent4>
+      <a:accent5>
+        <a:srgbClr val="4472C4"/>
+      </a:accent5>
+      <a:accent6>
+        <a:srgbClr val="70AD47"/>
+      </a:accent6>
+      <a:hlink>
+        <a:srgbClr val="0563C1"/>
+      </a:hlink>
+      <a:folHlink>
+        <a:srgbClr val="954F72"/>
+      </a:folHlink>
+    </a:clrScheme>
+    <a:fontScheme name="Office">
+      <a:majorFont>
+        <a:latin typeface="Calibri Light"/>
+        <a:ea typeface=""/>
+        <a:cs typeface=""/>
+        <a:font script="Jpan" typeface="ＭＳ Ｐゴシック"/>
+        <a:font script="Hang" typeface="맑은 고딕"/>
+        <a:font script="Hans" typeface="宋体"/>
+        <a:font script="Hant" typeface="新細明體"/>
+        <a:font script="Arab" typeface="Times New Roman"/>
+        <a:font script="Hebr" typeface="Times New Roman"/>
+        <a:font script="Thai" typeface="Angsana New"/>
+        <a:font script="Ethi" typeface="Nyala"/>
+        <a:font script="Beng" typeface="Vrinda"/>
+        <a:font script="Gujr" typeface="Shruti"/>
+        <a:font script="Khmr" typeface="MoolBoran"/>
+        <a:font script="Knda" typeface="Tunga"/>
+        <a:font script="Guru" typeface="Raavi"/>
+        <a:font script="Cans" typeface="Euphemia"/>
+        <a:font script="Cher" typeface="Plantagenet Cherokee"/>
+        <a:font script="Yiii" typeface="Microsoft Yi Baiti"/>
+        <a:font script="Tibt" typeface="Microsoft Himalaya"/>
+        <a:font script="Thaa" typeface="MV Boli"/>
+        <a:font script="Deva" typeface="Mangal"/>
+        <a:font script="Telu" typeface="Gautami"/>
+        <a:font script="Taml" typeface="Latha"/>
+        <a:font script="Syrc" typeface="Estrangelo Edessa"/>
+        <a:font script="Orya" typeface="Kalinga"/>
+        <a:font script="Mlym" typeface="Kartika"/>
+        <a:font script="Laoo" typeface="DokChampa"/>
+        <a:font script="Sinh" typeface="Iskoola Pota"/>
+        <a:font script="Mong" typeface="Mongolian Baiti"/>
+        <a:font script="Viet" typeface="Times New Roman"/>
+        <a:font script="Uigh" typeface="Microsoft Uighur"/>
+        <a:font script="Geor" typeface="Sylfaen"/>
+      </a:majorFont>
+      <a:minorFont>
+        <a:latin typeface="Calibri"/>
+        <a:ea typeface=""/>
+        <a:cs typeface=""/>
+        <a:font script="Jpan" typeface="ＭＳ Ｐゴシック"/>
+        <a:font script="Hang" typeface="맑은 고딕"/>
+        <a:font script="Hans" typeface="宋体"/>
+        <a:font script="Hant" typeface="新細明體"/>
+        <a:font script="Arab" typeface="Arial"/>
+        <a:font script="Hebr" typeface="Arial"/>
+        <a:font script="Thai" typeface="Cordia New"/>
+        <a:font script="Ethi" typeface="Nyala"/>
+        <a:font script="Beng" typeface="Vrinda"/>
+        <a:font script="Gujr" typeface="Shruti"/>
+        <a:font script="Khmr" typeface="DaunPenh"/>
+        <a:font script="Knda" typeface="Tunga"/>
+        <a:font script="Guru" typeface="Raavi"/>
+        <a:font script="Cans" typeface="Euphemia"/>
+        <a:font script="Cher" typeface="Plantagenet Cherokee"/>
+        <a:font script="Yiii" typeface="Microsoft Yi Baiti"/>
+        <a:font script="Tibt" typeface="Microsoft Himalaya"/>
+        <a:font script="Thaa" typeface="MV Boli"/>
+        <a:font script="Deva" typeface="Mangal"/>
+        <a:font script="Telu" typeface="Gautami"/>
+        <a:font script="Taml" typeface="Latha"/>
+        <a:font script="Syrc" typeface="Estrangelo Edessa"/>
+        <a:font script="Orya" typeface="Kalinga"/>
+        <a:font script="Mlym" typeface="Kartika"/>
+        <a:font script="Laoo" typeface="DokChampa"/>
+        <a:font script="Sinh" typeface="Iskoola Pota"/>
+        <a:font script="Mong" typeface="Mongolian Baiti"/>
+        <a:font script="Viet" typeface="Arial"/>
+        <a:font script="Uigh" typeface="Microsoft Uighur"/>
+        <a:font script="Geor" typeface="Sylfaen"/>
+      </a:minorFont>
+    </a:fontScheme>
+    <a:fmtScheme name="Office">
+      <a:fillStyleLst>
+        <a:solidFill>
+          <a:schemeClr val="phClr"/>
+        </a:solidFill>
+        <a:gradFill rotWithShape="1">
+          <a:gsLst>
+            <a:gs pos="0">
+              <a:schemeClr val="phClr">
+                <a:lumMod val="110000"/>
+                <a:satMod val="105000"/>
+                <a:tint val="67000"/>
+              </a:schemeClr>
+            </a:gs>
+            <a:gs pos="50000">
+              <a:schemeClr val="phClr">
+                <a:lumMod val="105000"/>
+                <a:satMod val="103000"/>
+                <a:tint val="73000"/>
+              </a:schemeClr>
+            </a:gs>
+            <a:gs pos="100000">
+              <a:schemeClr val="phClr">
+                <a:lumMod val="105000"/>
+                <a:satMod val="109000"/>
+                <a:tint val="81000"/>
+              </a:schemeClr>
+            </a:gs>
+          </a:gsLst>
+          <a:lin ang="5400000" scaled="0"/>
+        </a:gradFill>
+        <a:gradFill rotWithShape="1">
+          <a:gsLst>
+            <a:gs pos="0">
+              <a:schemeClr val="phClr">
+                <a:satMod val="103000"/>
+                <a:lumMod val="102000"/>
+                <a:tint val="94000"/>
+              </a:schemeClr>
+            </a:gs>
+            <a:gs pos="50000">
+              <a:schemeClr val="phClr">
+                <a:satMod val="110000"/>
+                <a:lumMod val="100000"/>
+                <a:shade val="100000"/>
+              </a:schemeClr>
+            </a:gs>
+            <a:gs pos="100000">
+              <a:schemeClr val="phClr">
+                <a:lumMod val="99000"/>
+                <a:satMod val="120000"/>
+                <a:shade val="78000"/>
+              </a:schemeClr>
+            </a:gs>
+          </a:gsLst>
+          <a:lin ang="5400000" scaled="0"/>
+        </a:gradFill>
+      </a:fillStyleLst>
+      <a:lnStyleLst>
+        <a:ln w="6350" cap="flat" cmpd="sng" algn="ctr">
+          <a:solidFill>
+            <a:schemeClr val="phClr"/>
+          </a:solidFill>
+          <a:prstDash val="solid"/>
+          <a:miter lim="800000"/>
+        </a:ln>
+        <a:ln w="12700" cap="flat" cmpd="sng" algn="ctr">
+          <a:solidFill>
+            <a:schemeClr val="phClr"/>
+          </a:solidFill>
+          <a:prstDash val="solid"/>
+          <a:miter lim="800000"/>
+        </a:ln>
+        <a:ln w="19050" cap="flat" cmpd="sng" algn="ctr">
+          <a:solidFill>
+            <a:schemeClr val="phClr"/>
+          </a:solidFill>
+          <a:prstDash val="solid"/>
+          <a:miter lim="800000"/>
+        </a:ln>
+      </a:lnStyleLst>
+      <a:effectStyleLst>
+        <a:effectStyle>
+          <a:effectLst/>
+        </a:effectStyle>
+        <a:effectStyle>
+          <a:effectLst/>
+        </a:effectStyle>
+        <a:effectStyle>
+          <a:effectLst>
+            <a:outerShdw blurRad="57150" dist="19050" dir="5400000" algn="ctr" rotWithShape="0">
+              <a:srgbClr val="000000">
+                <a:alpha val="63000"/>
+              </a:srgbClr>
+            </a:outerShdw>
+          </a:effectLst>
+        </a:effectStyle>
+      </a:effectStyleLst>
+      <a:bgFillStyleLst>
+        <a:solidFill>
+          <a:schemeClr val="phClr"/>
+        </a:solidFill>
+        <a:solidFill>
+          <a:schemeClr val="phClr">
+            <a:tint val="95000"/>
+            <a:satMod val="170000"/>
+          </a:schemeClr>
+        </a:solidFill>
+        <a:gradFill rotWithShape="1">
+          <a:gsLst>
+            <a:gs pos="0">
+              <a:schemeClr val="phClr">
+                <a:tint val="93000"/>
+                <a:satMod val="150000"/>
+                <a:shade val="98000"/>
+                <a:lumMod val="102000"/>
+              </a:schemeClr>
+            </a:gs>
+            <a:gs pos="50000">
+              <a:schemeClr val="phClr">
+                <a:tint val="98000"/>
+                <a:satMod val="130000"/>
+                <a:shade val="90000"/>
+                <a:lumMod val="103000"/>
+              </a:schemeClr>
+            </a:gs>
+            <a:gs pos="100000">
+              <a:schemeClr val="phClr">
+                <a:shade val="63000"/>
+                <a:satMod val="120000"/>
+              </a:schemeClr>
+            </a:gs>
+          </a:gsLst>
+          <a:lin ang="5400000" scaled="0"/>
+        </a:gradFill>
+      </a:bgFillStyleLst>
+    </a:fmtScheme>
+  </a:themeElements>
+  <a:extLst>
+    <a:ext uri="{05A4C25C-085E-4340-85A3-A5531E510DB2}">
+      <thm15:themeFamily xmlns:thm15="http://schemas.microsoft.com/office/thememl/2012/main" name="Office Theme" id="{62F939B6-93AF-4DB8-9C6B-D6C7DFDC589F}" vid="{4A3C46E8-61CC-4603-A589-7422A47A8E4A}"/>
+    </a:ext>
+  </a:extLst>
+</a:theme>
 </file>
--- a/Data Glacier Internship.pptx
+++ b/Data Glacier Internship.pptx
@@ -5511,6 +5511,54 @@
           <a:p>
             <a:pPr algn="just"/>
             <a:r>
+              <a:rPr lang="en-GB" altLang="en-US" sz="2800" dirty="0">
+                <a:solidFill>
+                  <a:srgbClr val="FF6600"/>
+                </a:solidFill>
+              </a:rPr>
+              <a:t>         nanoGPT Model Performance</a:t>
+            </a:r>
+            <a:endParaRPr lang="en-GB" altLang="en-US" sz="2800" dirty="0">
+              <a:solidFill>
+                <a:srgbClr val="FF6600"/>
+              </a:solidFill>
+            </a:endParaRPr>
+          </a:p>
+          <a:p>
+            <a:pPr algn="just"/>
+            <a:r>
+              <a:rPr lang="en-GB" altLang="en-US" sz="2800" dirty="0">
+                <a:solidFill>
+                  <a:srgbClr val="FF6600"/>
+                </a:solidFill>
+              </a:rPr>
+              <a:t>         nanoGPT Model Metrics</a:t>
+            </a:r>
+            <a:endParaRPr lang="en-GB" altLang="en-US" sz="2800" dirty="0">
+              <a:solidFill>
+                <a:srgbClr val="FF6600"/>
+              </a:solidFill>
+            </a:endParaRPr>
+          </a:p>
+          <a:p>
+            <a:pPr algn="just"/>
+            <a:r>
+              <a:rPr lang="en-GB" altLang="en-US" sz="2800" dirty="0">
+                <a:solidFill>
+                  <a:srgbClr val="FF6600"/>
+                </a:solidFill>
+              </a:rPr>
+              <a:t>         xLSTM Performance Metrics</a:t>
+            </a:r>
+            <a:endParaRPr lang="en-US" sz="2800" dirty="0">
+              <a:solidFill>
+                <a:srgbClr val="FF6600"/>
+              </a:solidFill>
+            </a:endParaRPr>
+          </a:p>
+          <a:p>
+            <a:pPr algn="just"/>
+            <a:r>
               <a:rPr lang="en-US" sz="2800" dirty="0">
                 <a:solidFill>
                   <a:srgbClr val="FF6600"/>
@@ -6779,7 +6827,7 @@
                 <a:cs typeface="Arial" panose="020B0604020202020204" pitchFamily="34" charset="0"/>
                 <a:sym typeface="+mn-ea"/>
               </a:rPr>
-              <a:t>l</a:t>
+              <a:t>l Performance</a:t>
             </a:r>
             <a:endParaRPr lang="en-US" sz="3110"/>
           </a:p>
@@ -8298,7 +8346,7 @@
                 <a:latin typeface="Arial" panose="020B0604020202020204" pitchFamily="34" charset="0"/>
                 <a:cs typeface="Arial" panose="020B0604020202020204" pitchFamily="34" charset="0"/>
               </a:rPr>
-              <a:t>xLSTM Metrics</a:t>
+              <a:t>xLSTM Performance Metrics</a:t>
             </a:r>
             <a:endParaRPr lang="en-GB" altLang="en-US" sz="2665" b="1">
               <a:solidFill>

--- a/Data Glacier Internship.pptx
+++ b/Data Glacier Internship.pptx
@@ -6891,13 +6891,13 @@
               <a:buAutoNum type="arabicPeriod"/>
             </a:pPr>
             <a:r>
-              <a:rPr lang="en-US" altLang="en-GB" dirty="0">
-                <a:latin typeface="Arial" panose="020B0604020202020204" pitchFamily="34" charset="0"/>
-                <a:cs typeface="Arial" panose="020B0604020202020204" pitchFamily="34" charset="0"/>
-              </a:rPr>
-              <a:t>Attention CLS Token Pooling has the highest accuracy (0.9320) and performs better than others in terms of precision and recall for label 1. </a:t>
-            </a:r>
-            <a:endParaRPr lang="en-US" altLang="en-GB" dirty="0">
+              <a:rPr lang="en-GB" altLang="en-US" dirty="0">
+                <a:latin typeface="Arial" panose="020B0604020202020204" pitchFamily="34" charset="0"/>
+                <a:cs typeface="Arial" panose="020B0604020202020204" pitchFamily="34" charset="0"/>
+              </a:rPr>
+              <a:t>The chart shows a modest training and validation loss for our nanoGPT model that will perform optimally well. It shows a a constantly decreasing loss as the number of batch increases.</a:t>
+            </a:r>
+            <a:endParaRPr lang="en-GB" altLang="en-US" dirty="0">
               <a:latin typeface="Arial" panose="020B0604020202020204" pitchFamily="34" charset="0"/>
               <a:cs typeface="Arial" panose="020B0604020202020204" pitchFamily="34" charset="0"/>
             </a:endParaRPr>
@@ -6907,11 +6907,11 @@
               <a:buAutoNum type="arabicPeriod"/>
             </a:pPr>
             <a:r>
-              <a:rPr lang="en-US" altLang="en-GB" dirty="0">
-                <a:latin typeface="Arial" panose="020B0604020202020204" pitchFamily="34" charset="0"/>
-                <a:cs typeface="Arial" panose="020B0604020202020204" pitchFamily="34" charset="0"/>
-              </a:rPr>
-              <a:t>Attention Mean and Weighted Pooling also perform well, but their accuracy is slightly lower than attention_cls. Attention Max and Hybrid Pooling have the same accuracy (0.9287), which is lower than the other strategies, and they both have poor F1-scores for label 1.</a:t>
+              <a:rPr lang="en-GB" altLang="en-US" dirty="0">
+                <a:latin typeface="Arial" panose="020B0604020202020204" pitchFamily="34" charset="0"/>
+                <a:cs typeface="Arial" panose="020B0604020202020204" pitchFamily="34" charset="0"/>
+              </a:rPr>
+              <a:t>Performance optimisation can be further acheived with increased number of parameters and batch. </a:t>
             </a:r>
             <a:endParaRPr lang="en-US" altLang="en-GB" dirty="0">
               <a:latin typeface="Arial" panose="020B0604020202020204" pitchFamily="34" charset="0"/>

--- a/Data Glacier Internship.pptx
+++ b/Data Glacier Internship.pptx
@@ -18,10 +18,11 @@
     <p:sldId id="278" r:id="rId11"/>
     <p:sldId id="283" r:id="rId12"/>
     <p:sldId id="281" r:id="rId13"/>
-    <p:sldId id="273" r:id="rId14"/>
-    <p:sldId id="277" r:id="rId15"/>
-    <p:sldId id="279" r:id="rId16"/>
-    <p:sldId id="268" r:id="rId17"/>
+    <p:sldId id="290" r:id="rId14"/>
+    <p:sldId id="273" r:id="rId15"/>
+    <p:sldId id="277" r:id="rId16"/>
+    <p:sldId id="279" r:id="rId17"/>
+    <p:sldId id="268" r:id="rId18"/>
   </p:sldIdLst>
   <p:sldSz cx="12192000" cy="6858000"/>
   <p:notesSz cx="6858000" cy="9144000"/>
@@ -4345,8 +4346,8 @@
             </a:endParaRPr>
           </a:p>
           <a:p>
-            <a:pPr marL="342900" indent="-342900">
-              <a:buAutoNum type="arabicPeriod"/>
+            <a:pPr indent="0">
+              <a:buNone/>
             </a:pPr>
             <a:br>
               <a:rPr lang="en-GB" dirty="0">
@@ -4392,23 +4393,25 @@
         <p:spPr>
           <a:xfrm>
             <a:off x="838200" y="365125"/>
-            <a:ext cx="10515600" cy="659130"/>
+            <a:ext cx="10515600" cy="781685"/>
           </a:xfrm>
         </p:spPr>
         <p:txBody>
-          <a:bodyPr/>
-          <a:p>
-            <a:r>
-              <a:rPr lang="en-GB" altLang="en-US" sz="2800" b="1">
+          <a:bodyPr>
+            <a:normAutofit/>
+          </a:bodyPr>
+          <a:p>
+            <a:r>
+              <a:rPr lang="en-GB" altLang="en-US" sz="2665" b="1">
                 <a:solidFill>
                   <a:srgbClr val="0070C0"/>
                 </a:solidFill>
                 <a:latin typeface="Arial" panose="020B0604020202020204" pitchFamily="34" charset="0"/>
                 <a:cs typeface="Arial" panose="020B0604020202020204" pitchFamily="34" charset="0"/>
               </a:rPr>
-              <a:t>Recommendations</a:t>
-            </a:r>
-            <a:endParaRPr lang="en-GB" altLang="en-US" sz="2800" b="1">
+              <a:t>Model Deployment</a:t>
+            </a:r>
+            <a:endParaRPr lang="en-GB" altLang="en-US" sz="2665" b="1">
               <a:solidFill>
                 <a:srgbClr val="0070C0"/>
               </a:solidFill>
@@ -4420,98 +4423,236 @@
       </p:sp>
       <p:sp>
         <p:nvSpPr>
-          <p:cNvPr id="3" name="Content Placeholder 2"/>
-          <p:cNvSpPr>
-            <a:spLocks noGrp="1"/>
-          </p:cNvSpPr>
-          <p:nvPr>
-            <p:ph idx="1"/>
-          </p:nvPr>
+          <p:cNvPr id="65" name="textbox 65"/>
+          <p:cNvSpPr/>
+          <p:nvPr/>
         </p:nvSpPr>
         <p:spPr>
           <a:xfrm>
-            <a:off x="838200" y="1266825"/>
-            <a:ext cx="10515600" cy="2955925"/>
+            <a:off x="716915" y="5374005"/>
+            <a:ext cx="3459480" cy="354330"/>
           </a:xfrm>
+          <a:prstGeom prst="rect">
+            <a:avLst/>
+          </a:prstGeom>
+          <a:solidFill>
+            <a:srgbClr val="5B9BD5"/>
+          </a:solidFill>
         </p:spPr>
         <p:txBody>
-          <a:bodyPr/>
-          <a:p>
-            <a:pPr marL="0" indent="0">
-              <a:buNone/>
+          <a:bodyPr vert="horz" wrap="square" lIns="0" tIns="0" rIns="0" bIns="0"/>
+          <a:p>
+            <a:pPr algn="l" rtl="0" eaLnBrk="0">
+              <a:lnSpc>
+                <a:spcPct val="135000"/>
+              </a:lnSpc>
             </a:pPr>
-            <a:r>
-              <a:rPr lang="en-GB" altLang="en-US" sz="2400">
-                <a:latin typeface="Arial" panose="020B0604020202020204" pitchFamily="34" charset="0"/>
-                <a:cs typeface="Arial" panose="020B0604020202020204" pitchFamily="34" charset="0"/>
-              </a:rPr>
-              <a:t>1. </a:t>
-            </a:r>
-            <a:r>
-              <a:rPr lang="en-US" sz="2400">
-                <a:latin typeface="Arial" panose="020B0604020202020204" pitchFamily="34" charset="0"/>
-                <a:cs typeface="Arial" panose="020B0604020202020204" pitchFamily="34" charset="0"/>
-              </a:rPr>
-              <a:t>xLSTM model outperforms the nanoGPT model in terms of accuracy, precision, recall, and F1 score </a:t>
-            </a:r>
-            <a:r>
-              <a:rPr lang="en-GB" altLang="en-US" sz="2400">
-                <a:latin typeface="Arial" panose="020B0604020202020204" pitchFamily="34" charset="0"/>
-                <a:cs typeface="Arial" panose="020B0604020202020204" pitchFamily="34" charset="0"/>
-              </a:rPr>
-              <a:t>and</a:t>
-            </a:r>
-            <a:r>
-              <a:rPr lang="en-US" sz="2400">
-                <a:latin typeface="Arial" panose="020B0604020202020204" pitchFamily="34" charset="0"/>
-                <a:cs typeface="Arial" panose="020B0604020202020204" pitchFamily="34" charset="0"/>
-              </a:rPr>
-              <a:t> does so with significantly fewer parameters</a:t>
-            </a:r>
-            <a:r>
-              <a:rPr lang="en-GB" altLang="en-US" sz="2400">
-                <a:latin typeface="Arial" panose="020B0604020202020204" pitchFamily="34" charset="0"/>
-                <a:cs typeface="Arial" panose="020B0604020202020204" pitchFamily="34" charset="0"/>
-              </a:rPr>
-              <a:t> making it</a:t>
-            </a:r>
-            <a:r>
-              <a:rPr lang="en-US" sz="2400">
-                <a:latin typeface="Arial" panose="020B0604020202020204" pitchFamily="34" charset="0"/>
-                <a:cs typeface="Arial" panose="020B0604020202020204" pitchFamily="34" charset="0"/>
-              </a:rPr>
-              <a:t> a more efficient and effective solution for hate speech detection. </a:t>
-            </a:r>
-            <a:endParaRPr lang="en-US" sz="2400">
+            <a:endParaRPr lang="en-US" altLang="en-US" sz="200" dirty="0">
               <a:latin typeface="Arial" panose="020B0604020202020204" pitchFamily="34" charset="0"/>
               <a:cs typeface="Arial" panose="020B0604020202020204" pitchFamily="34" charset="0"/>
             </a:endParaRPr>
           </a:p>
           <a:p>
-            <a:pPr marL="0" indent="0">
-              <a:buNone/>
+            <a:pPr marL="262890" algn="l" rtl="0" eaLnBrk="0">
+              <a:lnSpc>
+                <a:spcPts val="1840"/>
+              </a:lnSpc>
+              <a:spcBef>
+                <a:spcPts val="0"/>
+              </a:spcBef>
             </a:pPr>
             <a:r>
-              <a:rPr lang="en-GB" altLang="en-US" sz="2400">
-                <a:latin typeface="Arial" panose="020B0604020202020204" pitchFamily="34" charset="0"/>
-                <a:cs typeface="Arial" panose="020B0604020202020204" pitchFamily="34" charset="0"/>
-              </a:rPr>
-              <a:t>2. xLSTM </a:t>
-            </a:r>
-            <a:r>
-              <a:rPr lang="en-US" sz="2400">
-                <a:latin typeface="Arial" panose="020B0604020202020204" pitchFamily="34" charset="0"/>
-                <a:cs typeface="Arial" panose="020B0604020202020204" pitchFamily="34" charset="0"/>
-              </a:rPr>
-              <a:t>offers superior performance while being resource-efficient, providing a strong competitive advantage in the NLP market.</a:t>
-            </a:r>
-            <a:endParaRPr lang="en-US" sz="2400">
+              <a:rPr b="1" kern="0" spc="-30" dirty="0">
+                <a:solidFill>
+                  <a:srgbClr val="000000">
+                    <a:alpha val="100000"/>
+                  </a:srgbClr>
+                </a:solidFill>
+                <a:latin typeface="Arial" panose="020B0604020202020204" pitchFamily="34" charset="0"/>
+                <a:ea typeface="Arial" panose="020B0604020202020204"/>
+                <a:cs typeface="Arial" panose="020B0604020202020204" pitchFamily="34" charset="0"/>
+              </a:rPr>
+              <a:t>Observations</a:t>
+            </a:r>
+            <a:r>
+              <a:rPr kern="0" spc="-20" dirty="0">
+                <a:solidFill>
+                  <a:srgbClr val="000000">
+                    <a:alpha val="100000"/>
+                  </a:srgbClr>
+                </a:solidFill>
+                <a:latin typeface="Arial" panose="020B0604020202020204" pitchFamily="34" charset="0"/>
+                <a:ea typeface="Arial" panose="020B0604020202020204"/>
+                <a:cs typeface="Arial" panose="020B0604020202020204" pitchFamily="34" charset="0"/>
+              </a:rPr>
+              <a:t> </a:t>
+            </a:r>
+            <a:r>
+              <a:rPr b="1" kern="0" spc="-30" dirty="0">
+                <a:solidFill>
+                  <a:srgbClr val="000000">
+                    <a:alpha val="100000"/>
+                  </a:srgbClr>
+                </a:solidFill>
+                <a:latin typeface="Arial" panose="020B0604020202020204" pitchFamily="34" charset="0"/>
+                <a:ea typeface="Arial" panose="020B0604020202020204"/>
+                <a:cs typeface="Arial" panose="020B0604020202020204" pitchFamily="34" charset="0"/>
+              </a:rPr>
+              <a:t>/</a:t>
+            </a:r>
+            <a:r>
+              <a:rPr kern="0" spc="80" dirty="0">
+                <a:solidFill>
+                  <a:srgbClr val="000000">
+                    <a:alpha val="100000"/>
+                  </a:srgbClr>
+                </a:solidFill>
+                <a:latin typeface="Arial" panose="020B0604020202020204" pitchFamily="34" charset="0"/>
+                <a:ea typeface="Arial" panose="020B0604020202020204"/>
+                <a:cs typeface="Arial" panose="020B0604020202020204" pitchFamily="34" charset="0"/>
+              </a:rPr>
+              <a:t> </a:t>
+            </a:r>
+            <a:r>
+              <a:rPr b="1" kern="0" spc="-30" dirty="0">
+                <a:solidFill>
+                  <a:srgbClr val="000000">
+                    <a:alpha val="100000"/>
+                  </a:srgbClr>
+                </a:solidFill>
+                <a:latin typeface="Arial" panose="020B0604020202020204" pitchFamily="34" charset="0"/>
+                <a:ea typeface="Arial" panose="020B0604020202020204"/>
+                <a:cs typeface="Arial" panose="020B0604020202020204" pitchFamily="34" charset="0"/>
+              </a:rPr>
+              <a:t>Findings</a:t>
+            </a:r>
+            <a:endParaRPr lang="en-US" altLang="en-US" dirty="0">
               <a:latin typeface="Arial" panose="020B0604020202020204" pitchFamily="34" charset="0"/>
               <a:cs typeface="Arial" panose="020B0604020202020204" pitchFamily="34" charset="0"/>
             </a:endParaRPr>
           </a:p>
         </p:txBody>
       </p:sp>
+      <p:sp>
+        <p:nvSpPr>
+          <p:cNvPr id="62" name="rect"/>
+          <p:cNvSpPr/>
+          <p:nvPr/>
+        </p:nvSpPr>
+        <p:spPr>
+          <a:xfrm>
+            <a:off x="716915" y="5728335"/>
+            <a:ext cx="11019155" cy="1115060"/>
+          </a:xfrm>
+          <a:prstGeom prst="rect">
+            <a:avLst/>
+          </a:prstGeom>
+          <a:solidFill>
+            <a:srgbClr val="5B9BD5">
+              <a:alpha val="20000"/>
+            </a:srgbClr>
+          </a:solidFill>
+          <a:ln cap="flat">
+            <a:noFill/>
+            <a:prstDash val="solid"/>
+            <a:miter lim="0"/>
+          </a:ln>
+        </p:spPr>
+        <p:txBody>
+          <a:bodyPr rtlCol="0"/>
+          <a:p>
+            <a:pPr marL="342900" indent="-342900">
+              <a:buAutoNum type="arabicPeriod"/>
+            </a:pPr>
+            <a:r>
+              <a:rPr lang="en-GB" altLang="en-US" dirty="0">
+                <a:latin typeface="Arial" panose="020B0604020202020204" pitchFamily="34" charset="0"/>
+                <a:cs typeface="Arial" panose="020B0604020202020204" pitchFamily="34" charset="0"/>
+              </a:rPr>
+              <a:t>Image1 shows Azure App configuartion for our HateDetectorService while image 2 is screenshop of https://hatedetectorservice-hagwa8gya7gnhvef.uksouth-01.azurewebsites.net/ to test workability of our app. </a:t>
+            </a:r>
+            <a:endParaRPr lang="en-GB" altLang="en-US" dirty="0">
+              <a:latin typeface="Arial" panose="020B0604020202020204" pitchFamily="34" charset="0"/>
+              <a:cs typeface="Arial" panose="020B0604020202020204" pitchFamily="34" charset="0"/>
+            </a:endParaRPr>
+          </a:p>
+          <a:p>
+            <a:pPr marL="342900" indent="-342900">
+              <a:buAutoNum type="arabicPeriod"/>
+            </a:pPr>
+            <a:r>
+              <a:rPr lang="en-GB" altLang="en-US" dirty="0">
+                <a:latin typeface="Arial" panose="020B0604020202020204" pitchFamily="34" charset="0"/>
+                <a:cs typeface="Arial" panose="020B0604020202020204" pitchFamily="34" charset="0"/>
+              </a:rPr>
+              <a:t>Model performance is good but more training is needed on large dataset.</a:t>
+            </a:r>
+            <a:br>
+              <a:rPr lang="en-GB" dirty="0">
+                <a:latin typeface="Arial" panose="020B0604020202020204" pitchFamily="34" charset="0"/>
+                <a:cs typeface="Arial" panose="020B0604020202020204" pitchFamily="34" charset="0"/>
+              </a:rPr>
+            </a:br>
+            <a:endParaRPr lang="zh-CN" altLang="en-US" dirty="0">
+              <a:latin typeface="Arial" panose="020B0604020202020204" pitchFamily="34" charset="0"/>
+              <a:cs typeface="Arial" panose="020B0604020202020204" pitchFamily="34" charset="0"/>
+            </a:endParaRPr>
+          </a:p>
+        </p:txBody>
+      </p:sp>
+      <p:pic>
+        <p:nvPicPr>
+          <p:cNvPr id="5" name="Content Placeholder 4"/>
+          <p:cNvPicPr>
+            <a:picLocks noChangeAspect="1"/>
+          </p:cNvPicPr>
+          <p:nvPr>
+            <p:ph sz="half" idx="1"/>
+          </p:nvPr>
+        </p:nvPicPr>
+        <p:blipFill>
+          <a:blip r:embed="rId1"/>
+          <a:stretch>
+            <a:fillRect/>
+          </a:stretch>
+        </p:blipFill>
+        <p:spPr>
+          <a:xfrm>
+            <a:off x="717550" y="1233170"/>
+            <a:ext cx="9198610" cy="4044950"/>
+          </a:xfrm>
+          <a:prstGeom prst="rect">
+            <a:avLst/>
+          </a:prstGeom>
+        </p:spPr>
+      </p:pic>
+      <p:pic>
+        <p:nvPicPr>
+          <p:cNvPr id="6" name="Content Placeholder 5"/>
+          <p:cNvPicPr>
+            <a:picLocks noChangeAspect="1"/>
+          </p:cNvPicPr>
+          <p:nvPr>
+            <p:ph sz="half" idx="2"/>
+          </p:nvPr>
+        </p:nvPicPr>
+        <p:blipFill>
+          <a:blip r:embed="rId2"/>
+          <a:srcRect b="60284"/>
+          <a:stretch>
+            <a:fillRect/>
+          </a:stretch>
+        </p:blipFill>
+        <p:spPr>
+          <a:xfrm rot="5400000">
+            <a:off x="8858885" y="2633345"/>
+            <a:ext cx="4116070" cy="1365250"/>
+          </a:xfrm>
+          <a:prstGeom prst="rect">
+            <a:avLst/>
+          </a:prstGeom>
+        </p:spPr>
+      </p:pic>
     </p:spTree>
   </p:cSld>
   <p:clrMapOvr>
@@ -4543,30 +4684,28 @@
         <p:spPr>
           <a:xfrm>
             <a:off x="838200" y="365125"/>
-            <a:ext cx="10515600" cy="643890"/>
+            <a:ext cx="10515600" cy="659130"/>
           </a:xfrm>
         </p:spPr>
         <p:txBody>
           <a:bodyPr/>
           <a:p>
             <a:r>
-              <a:rPr lang="en-US" sz="2800" b="1">
+              <a:rPr lang="en-GB" altLang="en-US" sz="2800" b="1">
                 <a:solidFill>
                   <a:srgbClr val="0070C0"/>
                 </a:solidFill>
                 <a:latin typeface="Arial" panose="020B0604020202020204" pitchFamily="34" charset="0"/>
                 <a:cs typeface="Arial" panose="020B0604020202020204" pitchFamily="34" charset="0"/>
-                <a:sym typeface="+mn-ea"/>
-              </a:rPr>
-              <a:t>Conclusion</a:t>
-            </a:r>
-            <a:endParaRPr lang="en-US" sz="2800" b="1">
+              </a:rPr>
+              <a:t>Recommendations</a:t>
+            </a:r>
+            <a:endParaRPr lang="en-GB" altLang="en-US" sz="2800" b="1">
               <a:solidFill>
                 <a:srgbClr val="0070C0"/>
               </a:solidFill>
               <a:latin typeface="Arial" panose="020B0604020202020204" pitchFamily="34" charset="0"/>
               <a:cs typeface="Arial" panose="020B0604020202020204" pitchFamily="34" charset="0"/>
-              <a:sym typeface="+mn-ea"/>
             </a:endParaRPr>
           </a:p>
         </p:txBody>
@@ -4583,24 +4722,100 @@
         </p:nvSpPr>
         <p:spPr>
           <a:xfrm>
-            <a:off x="838200" y="1297940"/>
-            <a:ext cx="10515600" cy="2893695"/>
+            <a:off x="838200" y="1266825"/>
+            <a:ext cx="10515600" cy="2955925"/>
           </a:xfrm>
         </p:spPr>
         <p:txBody>
-          <a:bodyPr/>
+          <a:bodyPr>
+            <a:normAutofit lnSpcReduction="10000"/>
+          </a:bodyPr>
           <a:p>
             <a:pPr marL="0" indent="0">
               <a:buNone/>
             </a:pPr>
             <a:r>
+              <a:rPr lang="en-GB" altLang="en-US" sz="2400">
+                <a:latin typeface="Arial" panose="020B0604020202020204" pitchFamily="34" charset="0"/>
+                <a:cs typeface="Arial" panose="020B0604020202020204" pitchFamily="34" charset="0"/>
+              </a:rPr>
+              <a:t>1. </a:t>
+            </a:r>
+            <a:r>
               <a:rPr lang="en-US" sz="2400">
                 <a:latin typeface="Arial" panose="020B0604020202020204" pitchFamily="34" charset="0"/>
                 <a:cs typeface="Arial" panose="020B0604020202020204" pitchFamily="34" charset="0"/>
               </a:rPr>
-              <a:t>The comparative analysis clearly demonstrates that the xLSTM model not only outperforms the nanoGPT model in terms of accuracy, precision, recall, and F1 score but also does so with significantly fewer parameters. This makes the xLSTM model a more efficient and effective solution for hate speech detection. </a:t>
+              <a:t>xLSTM model outperforms the nanoGPT model in terms of accuracy, precision, recall, and F1 score </a:t>
+            </a:r>
+            <a:r>
+              <a:rPr lang="en-GB" altLang="en-US" sz="2400">
+                <a:latin typeface="Arial" panose="020B0604020202020204" pitchFamily="34" charset="0"/>
+                <a:cs typeface="Arial" panose="020B0604020202020204" pitchFamily="34" charset="0"/>
+              </a:rPr>
+              <a:t>and</a:t>
+            </a:r>
+            <a:r>
+              <a:rPr lang="en-US" sz="2400">
+                <a:latin typeface="Arial" panose="020B0604020202020204" pitchFamily="34" charset="0"/>
+                <a:cs typeface="Arial" panose="020B0604020202020204" pitchFamily="34" charset="0"/>
+              </a:rPr>
+              <a:t> does so with significantly fewer parameters</a:t>
+            </a:r>
+            <a:r>
+              <a:rPr lang="en-GB" altLang="en-US" sz="2400">
+                <a:latin typeface="Arial" panose="020B0604020202020204" pitchFamily="34" charset="0"/>
+                <a:cs typeface="Arial" panose="020B0604020202020204" pitchFamily="34" charset="0"/>
+              </a:rPr>
+              <a:t> making it</a:t>
+            </a:r>
+            <a:r>
+              <a:rPr lang="en-US" sz="2400">
+                <a:latin typeface="Arial" panose="020B0604020202020204" pitchFamily="34" charset="0"/>
+                <a:cs typeface="Arial" panose="020B0604020202020204" pitchFamily="34" charset="0"/>
+              </a:rPr>
+              <a:t> a more efficient and effective solution for hate speech detection. </a:t>
             </a:r>
             <a:endParaRPr lang="en-US" sz="2400">
+              <a:latin typeface="Arial" panose="020B0604020202020204" pitchFamily="34" charset="0"/>
+              <a:cs typeface="Arial" panose="020B0604020202020204" pitchFamily="34" charset="0"/>
+            </a:endParaRPr>
+          </a:p>
+          <a:p>
+            <a:pPr marL="0" indent="0">
+              <a:buNone/>
+            </a:pPr>
+            <a:r>
+              <a:rPr lang="en-GB" altLang="en-US" sz="2400">
+                <a:latin typeface="Arial" panose="020B0604020202020204" pitchFamily="34" charset="0"/>
+                <a:cs typeface="Arial" panose="020B0604020202020204" pitchFamily="34" charset="0"/>
+              </a:rPr>
+              <a:t>2. xLSTM </a:t>
+            </a:r>
+            <a:r>
+              <a:rPr lang="en-US" sz="2400">
+                <a:latin typeface="Arial" panose="020B0604020202020204" pitchFamily="34" charset="0"/>
+                <a:cs typeface="Arial" panose="020B0604020202020204" pitchFamily="34" charset="0"/>
+              </a:rPr>
+              <a:t>offers superior performance while being resource-efficient, providing a strong competitive advantage in the NLP market.</a:t>
+            </a:r>
+            <a:endParaRPr lang="en-US" sz="2400">
+              <a:latin typeface="Arial" panose="020B0604020202020204" pitchFamily="34" charset="0"/>
+              <a:cs typeface="Arial" panose="020B0604020202020204" pitchFamily="34" charset="0"/>
+            </a:endParaRPr>
+          </a:p>
+          <a:p>
+            <a:pPr marL="0" indent="0">
+              <a:buNone/>
+            </a:pPr>
+            <a:r>
+              <a:rPr lang="en-GB" altLang="en-US" sz="2400">
+                <a:latin typeface="Arial" panose="020B0604020202020204" pitchFamily="34" charset="0"/>
+                <a:cs typeface="Arial" panose="020B0604020202020204" pitchFamily="34" charset="0"/>
+              </a:rPr>
+              <a:t>3. Training using very large dataset will improve hate speech detection ability.</a:t>
+            </a:r>
+            <a:endParaRPr lang="en-GB" altLang="en-US" sz="2400">
               <a:latin typeface="Arial" panose="020B0604020202020204" pitchFamily="34" charset="0"/>
               <a:cs typeface="Arial" panose="020B0604020202020204" pitchFamily="34" charset="0"/>
             </a:endParaRPr>
@@ -4637,31 +4852,31 @@
         </p:nvSpPr>
         <p:spPr>
           <a:xfrm>
-            <a:off x="341630" y="365125"/>
-            <a:ext cx="10515600" cy="520065"/>
+            <a:off x="838200" y="365125"/>
+            <a:ext cx="10515600" cy="643890"/>
           </a:xfrm>
         </p:spPr>
         <p:txBody>
-          <a:bodyPr>
-            <a:normAutofit/>
-          </a:bodyPr>
-          <a:p>
-            <a:r>
-              <a:rPr lang="en-GB" altLang="en-US" sz="2800" b="1">
+          <a:bodyPr/>
+          <a:p>
+            <a:r>
+              <a:rPr lang="en-US" sz="2800" b="1">
                 <a:solidFill>
                   <a:srgbClr val="0070C0"/>
                 </a:solidFill>
                 <a:latin typeface="Arial" panose="020B0604020202020204" pitchFamily="34" charset="0"/>
                 <a:cs typeface="Arial" panose="020B0604020202020204" pitchFamily="34" charset="0"/>
-              </a:rPr>
-              <a:t>Future Work</a:t>
-            </a:r>
-            <a:endParaRPr lang="en-GB" altLang="en-US" sz="2800" b="1">
+                <a:sym typeface="+mn-ea"/>
+              </a:rPr>
+              <a:t>Conclusion</a:t>
+            </a:r>
+            <a:endParaRPr lang="en-US" sz="2800" b="1">
               <a:solidFill>
                 <a:srgbClr val="0070C0"/>
               </a:solidFill>
               <a:latin typeface="Arial" panose="020B0604020202020204" pitchFamily="34" charset="0"/>
               <a:cs typeface="Arial" panose="020B0604020202020204" pitchFamily="34" charset="0"/>
+              <a:sym typeface="+mn-ea"/>
             </a:endParaRPr>
           </a:p>
         </p:txBody>
@@ -4678,14 +4893,12 @@
         </p:nvSpPr>
         <p:spPr>
           <a:xfrm>
-            <a:off x="341630" y="885190"/>
-            <a:ext cx="11710670" cy="4284345"/>
+            <a:off x="838200" y="1297940"/>
+            <a:ext cx="10515600" cy="2893695"/>
           </a:xfrm>
         </p:spPr>
         <p:txBody>
-          <a:bodyPr>
-            <a:noAutofit/>
-          </a:bodyPr>
+          <a:bodyPr/>
           <a:p>
             <a:pPr marL="0" indent="0">
               <a:buNone/>
@@ -4695,169 +4908,21 @@
                 <a:latin typeface="Arial" panose="020B0604020202020204" pitchFamily="34" charset="0"/>
                 <a:cs typeface="Arial" panose="020B0604020202020204" pitchFamily="34" charset="0"/>
               </a:rPr>
-              <a:t>We will make better hate detection by:</a:t>
-            </a:r>
-            <a:endParaRPr lang="en-US" sz="2400">
-              <a:latin typeface="Arial" panose="020B0604020202020204" pitchFamily="34" charset="0"/>
-              <a:cs typeface="Arial" panose="020B0604020202020204" pitchFamily="34" charset="0"/>
-            </a:endParaRPr>
-          </a:p>
-          <a:p>
+              <a:t>The comparative analysis clearly demonstrates that the xLSTM model not only outperforms the nanoGPT model in terms of accuracy, precision, recall, and F1 score but also does so with significantly fewer parameters. This makes the xLSTM model a more efficient and effective solution for hate speech detection</a:t>
+            </a:r>
             <a:r>
               <a:rPr lang="en-GB" altLang="en-US" sz="2400">
                 <a:latin typeface="Arial" panose="020B0604020202020204" pitchFamily="34" charset="0"/>
                 <a:cs typeface="Arial" panose="020B0604020202020204" pitchFamily="34" charset="0"/>
               </a:rPr>
-              <a:t>A</a:t>
+              <a:t> which still needed more ytraining on large dataset for optimum performance</a:t>
             </a:r>
             <a:r>
               <a:rPr lang="en-US" sz="2400">
                 <a:latin typeface="Arial" panose="020B0604020202020204" pitchFamily="34" charset="0"/>
                 <a:cs typeface="Arial" panose="020B0604020202020204" pitchFamily="34" charset="0"/>
               </a:rPr>
-              <a:t>ugmentation</a:t>
-            </a:r>
-            <a:r>
-              <a:rPr lang="en-GB" altLang="en-US" sz="2400">
-                <a:latin typeface="Arial" panose="020B0604020202020204" pitchFamily="34" charset="0"/>
-                <a:cs typeface="Arial" panose="020B0604020202020204" pitchFamily="34" charset="0"/>
-              </a:rPr>
-              <a:t> of</a:t>
-            </a:r>
-            <a:r>
-              <a:rPr lang="en-US" sz="2400">
-                <a:latin typeface="Arial" panose="020B0604020202020204" pitchFamily="34" charset="0"/>
-                <a:cs typeface="Arial" panose="020B0604020202020204" pitchFamily="34" charset="0"/>
-              </a:rPr>
-              <a:t> the training data by abusive wording from the language dictionary</a:t>
-            </a:r>
-            <a:r>
-              <a:rPr lang="en-GB" altLang="en-US" sz="2400">
-                <a:latin typeface="Arial" panose="020B0604020202020204" pitchFamily="34" charset="0"/>
-                <a:cs typeface="Arial" panose="020B0604020202020204" pitchFamily="34" charset="0"/>
-              </a:rPr>
-              <a:t> </a:t>
-            </a:r>
-            <a:r>
-              <a:rPr lang="en-US" sz="2400">
-                <a:latin typeface="Arial" panose="020B0604020202020204" pitchFamily="34" charset="0"/>
-                <a:cs typeface="Arial" panose="020B0604020202020204" pitchFamily="34" charset="0"/>
-              </a:rPr>
-              <a:t>using another than GPT2 embedding</a:t>
-            </a:r>
-            <a:endParaRPr lang="en-US" sz="2400">
-              <a:latin typeface="Arial" panose="020B0604020202020204" pitchFamily="34" charset="0"/>
-              <a:cs typeface="Arial" panose="020B0604020202020204" pitchFamily="34" charset="0"/>
-            </a:endParaRPr>
-          </a:p>
-          <a:p>
-            <a:r>
-              <a:rPr lang="en-GB" altLang="en-US" sz="2400">
-                <a:latin typeface="Arial" panose="020B0604020202020204" pitchFamily="34" charset="0"/>
-                <a:cs typeface="Arial" panose="020B0604020202020204" pitchFamily="34" charset="0"/>
-              </a:rPr>
-              <a:t>I</a:t>
-            </a:r>
-            <a:r>
-              <a:rPr lang="en-US" sz="2400">
-                <a:latin typeface="Arial" panose="020B0604020202020204" pitchFamily="34" charset="0"/>
-                <a:cs typeface="Arial" panose="020B0604020202020204" pitchFamily="34" charset="0"/>
-              </a:rPr>
-              <a:t>ncorporating pretraining loop in which the model will learn next word instead of binary classification</a:t>
-            </a:r>
-            <a:endParaRPr lang="en-US" sz="2400">
-              <a:latin typeface="Arial" panose="020B0604020202020204" pitchFamily="34" charset="0"/>
-              <a:cs typeface="Arial" panose="020B0604020202020204" pitchFamily="34" charset="0"/>
-            </a:endParaRPr>
-          </a:p>
-          <a:p>
-            <a:r>
-              <a:rPr lang="en-GB" altLang="en-US" sz="2400">
-                <a:latin typeface="Arial" panose="020B0604020202020204" pitchFamily="34" charset="0"/>
-                <a:cs typeface="Arial" panose="020B0604020202020204" pitchFamily="34" charset="0"/>
-              </a:rPr>
-              <a:t>E</a:t>
-            </a:r>
-            <a:r>
-              <a:rPr lang="en-US" sz="2400">
-                <a:latin typeface="Arial" panose="020B0604020202020204" pitchFamily="34" charset="0"/>
-                <a:cs typeface="Arial" panose="020B0604020202020204" pitchFamily="34" charset="0"/>
-              </a:rPr>
-              <a:t>ns</a:t>
-            </a:r>
-            <a:r>
-              <a:rPr lang="en-GB" altLang="en-US" sz="2400">
-                <a:latin typeface="Arial" panose="020B0604020202020204" pitchFamily="34" charset="0"/>
-                <a:cs typeface="Arial" panose="020B0604020202020204" pitchFamily="34" charset="0"/>
-              </a:rPr>
-              <a:t>e</a:t>
-            </a:r>
-            <a:r>
-              <a:rPr lang="en-US" sz="2400">
-                <a:latin typeface="Arial" panose="020B0604020202020204" pitchFamily="34" charset="0"/>
-                <a:cs typeface="Arial" panose="020B0604020202020204" pitchFamily="34" charset="0"/>
-              </a:rPr>
-              <a:t>mble model by stacking xLSTM and GPT in residual block, where say, learning signal nanoGPT : xLSTM is 1:3</a:t>
-            </a:r>
-            <a:endParaRPr lang="en-US" sz="2400">
-              <a:latin typeface="Arial" panose="020B0604020202020204" pitchFamily="34" charset="0"/>
-              <a:cs typeface="Arial" panose="020B0604020202020204" pitchFamily="34" charset="0"/>
-            </a:endParaRPr>
-          </a:p>
-          <a:p>
-            <a:r>
-              <a:rPr lang="en-GB" altLang="en-US" sz="2400">
-                <a:latin typeface="Arial" panose="020B0604020202020204" pitchFamily="34" charset="0"/>
-                <a:cs typeface="Arial" panose="020B0604020202020204" pitchFamily="34" charset="0"/>
-              </a:rPr>
-              <a:t>U</a:t>
-            </a:r>
-            <a:r>
-              <a:rPr lang="en-US" sz="2400">
-                <a:latin typeface="Arial" panose="020B0604020202020204" pitchFamily="34" charset="0"/>
-                <a:cs typeface="Arial" panose="020B0604020202020204" pitchFamily="34" charset="0"/>
-              </a:rPr>
-              <a:t>sing adversarial training based on synthetic data augmentation on the ongoing basis during training</a:t>
-            </a:r>
-            <a:endParaRPr lang="en-US" sz="2400">
-              <a:latin typeface="Arial" panose="020B0604020202020204" pitchFamily="34" charset="0"/>
-              <a:cs typeface="Arial" panose="020B0604020202020204" pitchFamily="34" charset="0"/>
-            </a:endParaRPr>
-          </a:p>
-          <a:p>
-            <a:r>
-              <a:rPr lang="en-GB" altLang="en-US" sz="2400">
-                <a:latin typeface="Arial" panose="020B0604020202020204" pitchFamily="34" charset="0"/>
-                <a:cs typeface="Arial" panose="020B0604020202020204" pitchFamily="34" charset="0"/>
-              </a:rPr>
-              <a:t>I</a:t>
-            </a:r>
-            <a:r>
-              <a:rPr lang="en-US" sz="2400">
-                <a:latin typeface="Arial" panose="020B0604020202020204" pitchFamily="34" charset="0"/>
-                <a:cs typeface="Arial" panose="020B0604020202020204" pitchFamily="34" charset="0"/>
-              </a:rPr>
-              <a:t>ncorporating external liquid layers that will learn how to set up residual connections between blocks, blocks and so on</a:t>
-            </a:r>
-            <a:endParaRPr lang="en-US" sz="2400">
-              <a:latin typeface="Arial" panose="020B0604020202020204" pitchFamily="34" charset="0"/>
-              <a:cs typeface="Arial" panose="020B0604020202020204" pitchFamily="34" charset="0"/>
-            </a:endParaRPr>
-          </a:p>
-          <a:p>
-            <a:r>
-              <a:rPr lang="en-GB" altLang="en-US" sz="2400">
-                <a:latin typeface="Arial" panose="020B0604020202020204" pitchFamily="34" charset="0"/>
-                <a:cs typeface="Arial" panose="020B0604020202020204" pitchFamily="34" charset="0"/>
-              </a:rPr>
-              <a:t>C</a:t>
-            </a:r>
-            <a:r>
-              <a:rPr lang="en-US" sz="2400">
-                <a:latin typeface="Arial" panose="020B0604020202020204" pitchFamily="34" charset="0"/>
-                <a:cs typeface="Arial" panose="020B0604020202020204" pitchFamily="34" charset="0"/>
-              </a:rPr>
-              <a:t>urrent model is not trained enough since it should be trained on much larger number of tokens and conditionaly take into account abusive dictionary and phrases. </a:t>
+              <a:t>. </a:t>
             </a:r>
             <a:endParaRPr lang="en-US" sz="2400">
               <a:latin typeface="Arial" panose="020B0604020202020204" pitchFamily="34" charset="0"/>
@@ -4875,6 +4940,265 @@
 </file>
 
 <file path=ppt/slides/slide14.xml><?xml version="1.0" encoding="utf-8"?>
+<p:sld xmlns:a="http://schemas.openxmlformats.org/drawingml/2006/main" xmlns:r="http://schemas.openxmlformats.org/officeDocument/2006/relationships" xmlns:p="http://schemas.openxmlformats.org/presentationml/2006/main">
+  <p:cSld>
+    <p:spTree>
+      <p:nvGrpSpPr>
+        <p:cNvPr id="1" name=""/>
+        <p:cNvGrpSpPr/>
+        <p:nvPr/>
+      </p:nvGrpSpPr>
+      <p:grpSpPr/>
+      <p:sp>
+        <p:nvSpPr>
+          <p:cNvPr id="2" name="Title 1"/>
+          <p:cNvSpPr>
+            <a:spLocks noGrp="1"/>
+          </p:cNvSpPr>
+          <p:nvPr>
+            <p:ph type="title"/>
+          </p:nvPr>
+        </p:nvSpPr>
+        <p:spPr>
+          <a:xfrm>
+            <a:off x="341630" y="365125"/>
+            <a:ext cx="10515600" cy="520065"/>
+          </a:xfrm>
+        </p:spPr>
+        <p:txBody>
+          <a:bodyPr>
+            <a:normAutofit/>
+          </a:bodyPr>
+          <a:p>
+            <a:r>
+              <a:rPr lang="en-GB" altLang="en-US" sz="2800" b="1">
+                <a:solidFill>
+                  <a:srgbClr val="0070C0"/>
+                </a:solidFill>
+                <a:latin typeface="Arial" panose="020B0604020202020204" pitchFamily="34" charset="0"/>
+                <a:cs typeface="Arial" panose="020B0604020202020204" pitchFamily="34" charset="0"/>
+              </a:rPr>
+              <a:t>Future Work</a:t>
+            </a:r>
+            <a:endParaRPr lang="en-GB" altLang="en-US" sz="2800" b="1">
+              <a:solidFill>
+                <a:srgbClr val="0070C0"/>
+              </a:solidFill>
+              <a:latin typeface="Arial" panose="020B0604020202020204" pitchFamily="34" charset="0"/>
+              <a:cs typeface="Arial" panose="020B0604020202020204" pitchFamily="34" charset="0"/>
+            </a:endParaRPr>
+          </a:p>
+        </p:txBody>
+      </p:sp>
+      <p:sp>
+        <p:nvSpPr>
+          <p:cNvPr id="3" name="Content Placeholder 2"/>
+          <p:cNvSpPr>
+            <a:spLocks noGrp="1"/>
+          </p:cNvSpPr>
+          <p:nvPr>
+            <p:ph idx="1"/>
+          </p:nvPr>
+        </p:nvSpPr>
+        <p:spPr>
+          <a:xfrm>
+            <a:off x="341630" y="885190"/>
+            <a:ext cx="11710670" cy="4284345"/>
+          </a:xfrm>
+        </p:spPr>
+        <p:txBody>
+          <a:bodyPr>
+            <a:noAutofit/>
+          </a:bodyPr>
+          <a:p>
+            <a:pPr marL="0" indent="0">
+              <a:buNone/>
+            </a:pPr>
+            <a:r>
+              <a:rPr lang="en-US" sz="2400">
+                <a:latin typeface="Arial" panose="020B0604020202020204" pitchFamily="34" charset="0"/>
+                <a:cs typeface="Arial" panose="020B0604020202020204" pitchFamily="34" charset="0"/>
+              </a:rPr>
+              <a:t>We will make better hate detection by:</a:t>
+            </a:r>
+            <a:endParaRPr lang="en-US" sz="2400">
+              <a:latin typeface="Arial" panose="020B0604020202020204" pitchFamily="34" charset="0"/>
+              <a:cs typeface="Arial" panose="020B0604020202020204" pitchFamily="34" charset="0"/>
+            </a:endParaRPr>
+          </a:p>
+          <a:p>
+            <a:r>
+              <a:rPr lang="en-GB" altLang="en-US" sz="2400">
+                <a:latin typeface="Arial" panose="020B0604020202020204" pitchFamily="34" charset="0"/>
+                <a:cs typeface="Arial" panose="020B0604020202020204" pitchFamily="34" charset="0"/>
+              </a:rPr>
+              <a:t>A</a:t>
+            </a:r>
+            <a:r>
+              <a:rPr lang="en-US" sz="2400">
+                <a:latin typeface="Arial" panose="020B0604020202020204" pitchFamily="34" charset="0"/>
+                <a:cs typeface="Arial" panose="020B0604020202020204" pitchFamily="34" charset="0"/>
+              </a:rPr>
+              <a:t>ugmentation</a:t>
+            </a:r>
+            <a:r>
+              <a:rPr lang="en-GB" altLang="en-US" sz="2400">
+                <a:latin typeface="Arial" panose="020B0604020202020204" pitchFamily="34" charset="0"/>
+                <a:cs typeface="Arial" panose="020B0604020202020204" pitchFamily="34" charset="0"/>
+              </a:rPr>
+              <a:t> of</a:t>
+            </a:r>
+            <a:r>
+              <a:rPr lang="en-US" sz="2400">
+                <a:latin typeface="Arial" panose="020B0604020202020204" pitchFamily="34" charset="0"/>
+                <a:cs typeface="Arial" panose="020B0604020202020204" pitchFamily="34" charset="0"/>
+              </a:rPr>
+              <a:t> the training data by abusive wording from the language dictionary</a:t>
+            </a:r>
+            <a:r>
+              <a:rPr lang="en-GB" altLang="en-US" sz="2400">
+                <a:latin typeface="Arial" panose="020B0604020202020204" pitchFamily="34" charset="0"/>
+                <a:cs typeface="Arial" panose="020B0604020202020204" pitchFamily="34" charset="0"/>
+              </a:rPr>
+              <a:t> </a:t>
+            </a:r>
+            <a:r>
+              <a:rPr lang="en-US" sz="2400">
+                <a:latin typeface="Arial" panose="020B0604020202020204" pitchFamily="34" charset="0"/>
+                <a:cs typeface="Arial" panose="020B0604020202020204" pitchFamily="34" charset="0"/>
+              </a:rPr>
+              <a:t>using another than GPT2 embedding</a:t>
+            </a:r>
+            <a:endParaRPr lang="en-US" sz="2400">
+              <a:latin typeface="Arial" panose="020B0604020202020204" pitchFamily="34" charset="0"/>
+              <a:cs typeface="Arial" panose="020B0604020202020204" pitchFamily="34" charset="0"/>
+            </a:endParaRPr>
+          </a:p>
+          <a:p>
+            <a:r>
+              <a:rPr lang="en-GB" altLang="en-US" sz="2400">
+                <a:latin typeface="Arial" panose="020B0604020202020204" pitchFamily="34" charset="0"/>
+                <a:cs typeface="Arial" panose="020B0604020202020204" pitchFamily="34" charset="0"/>
+              </a:rPr>
+              <a:t>I</a:t>
+            </a:r>
+            <a:r>
+              <a:rPr lang="en-US" sz="2400">
+                <a:latin typeface="Arial" panose="020B0604020202020204" pitchFamily="34" charset="0"/>
+                <a:cs typeface="Arial" panose="020B0604020202020204" pitchFamily="34" charset="0"/>
+              </a:rPr>
+              <a:t>ncorporating pretraining loop in which the model will learn next word instead of binary classification</a:t>
+            </a:r>
+            <a:endParaRPr lang="en-US" sz="2400">
+              <a:latin typeface="Arial" panose="020B0604020202020204" pitchFamily="34" charset="0"/>
+              <a:cs typeface="Arial" panose="020B0604020202020204" pitchFamily="34" charset="0"/>
+            </a:endParaRPr>
+          </a:p>
+          <a:p>
+            <a:r>
+              <a:rPr lang="en-GB" altLang="en-US" sz="2400">
+                <a:latin typeface="Arial" panose="020B0604020202020204" pitchFamily="34" charset="0"/>
+                <a:cs typeface="Arial" panose="020B0604020202020204" pitchFamily="34" charset="0"/>
+              </a:rPr>
+              <a:t>E</a:t>
+            </a:r>
+            <a:r>
+              <a:rPr lang="en-US" sz="2400">
+                <a:latin typeface="Arial" panose="020B0604020202020204" pitchFamily="34" charset="0"/>
+                <a:cs typeface="Arial" panose="020B0604020202020204" pitchFamily="34" charset="0"/>
+              </a:rPr>
+              <a:t>ns</a:t>
+            </a:r>
+            <a:r>
+              <a:rPr lang="en-GB" altLang="en-US" sz="2400">
+                <a:latin typeface="Arial" panose="020B0604020202020204" pitchFamily="34" charset="0"/>
+                <a:cs typeface="Arial" panose="020B0604020202020204" pitchFamily="34" charset="0"/>
+              </a:rPr>
+              <a:t>e</a:t>
+            </a:r>
+            <a:r>
+              <a:rPr lang="en-US" sz="2400">
+                <a:latin typeface="Arial" panose="020B0604020202020204" pitchFamily="34" charset="0"/>
+                <a:cs typeface="Arial" panose="020B0604020202020204" pitchFamily="34" charset="0"/>
+              </a:rPr>
+              <a:t>mble model by stacking xLSTM and GPT in residual block, where say, learning signal nanoGPT : xLSTM is 1:3</a:t>
+            </a:r>
+            <a:endParaRPr lang="en-US" sz="2400">
+              <a:latin typeface="Arial" panose="020B0604020202020204" pitchFamily="34" charset="0"/>
+              <a:cs typeface="Arial" panose="020B0604020202020204" pitchFamily="34" charset="0"/>
+            </a:endParaRPr>
+          </a:p>
+          <a:p>
+            <a:r>
+              <a:rPr lang="en-GB" altLang="en-US" sz="2400">
+                <a:latin typeface="Arial" panose="020B0604020202020204" pitchFamily="34" charset="0"/>
+                <a:cs typeface="Arial" panose="020B0604020202020204" pitchFamily="34" charset="0"/>
+              </a:rPr>
+              <a:t>U</a:t>
+            </a:r>
+            <a:r>
+              <a:rPr lang="en-US" sz="2400">
+                <a:latin typeface="Arial" panose="020B0604020202020204" pitchFamily="34" charset="0"/>
+                <a:cs typeface="Arial" panose="020B0604020202020204" pitchFamily="34" charset="0"/>
+              </a:rPr>
+              <a:t>sing adversarial training based on synthetic data augmentation on the ongoing basis during training</a:t>
+            </a:r>
+            <a:endParaRPr lang="en-US" sz="2400">
+              <a:latin typeface="Arial" panose="020B0604020202020204" pitchFamily="34" charset="0"/>
+              <a:cs typeface="Arial" panose="020B0604020202020204" pitchFamily="34" charset="0"/>
+            </a:endParaRPr>
+          </a:p>
+          <a:p>
+            <a:r>
+              <a:rPr lang="en-GB" altLang="en-US" sz="2400">
+                <a:latin typeface="Arial" panose="020B0604020202020204" pitchFamily="34" charset="0"/>
+                <a:cs typeface="Arial" panose="020B0604020202020204" pitchFamily="34" charset="0"/>
+              </a:rPr>
+              <a:t>I</a:t>
+            </a:r>
+            <a:r>
+              <a:rPr lang="en-US" sz="2400">
+                <a:latin typeface="Arial" panose="020B0604020202020204" pitchFamily="34" charset="0"/>
+                <a:cs typeface="Arial" panose="020B0604020202020204" pitchFamily="34" charset="0"/>
+              </a:rPr>
+              <a:t>ncorporating external liquid layers that will learn how to set up residual connections between blocks, blocks and so on</a:t>
+            </a:r>
+            <a:endParaRPr lang="en-US" sz="2400">
+              <a:latin typeface="Arial" panose="020B0604020202020204" pitchFamily="34" charset="0"/>
+              <a:cs typeface="Arial" panose="020B0604020202020204" pitchFamily="34" charset="0"/>
+            </a:endParaRPr>
+          </a:p>
+          <a:p>
+            <a:r>
+              <a:rPr lang="en-GB" altLang="en-US" sz="2400">
+                <a:latin typeface="Arial" panose="020B0604020202020204" pitchFamily="34" charset="0"/>
+                <a:cs typeface="Arial" panose="020B0604020202020204" pitchFamily="34" charset="0"/>
+              </a:rPr>
+              <a:t>C</a:t>
+            </a:r>
+            <a:r>
+              <a:rPr lang="en-US" sz="2400">
+                <a:latin typeface="Arial" panose="020B0604020202020204" pitchFamily="34" charset="0"/>
+                <a:cs typeface="Arial" panose="020B0604020202020204" pitchFamily="34" charset="0"/>
+              </a:rPr>
+              <a:t>urrent model is not trained enough since it should be trained on much larger number of tokens and conditionaly take into account abusive dictionary and phrases. </a:t>
+            </a:r>
+            <a:endParaRPr lang="en-US" sz="2400">
+              <a:latin typeface="Arial" panose="020B0604020202020204" pitchFamily="34" charset="0"/>
+              <a:cs typeface="Arial" panose="020B0604020202020204" pitchFamily="34" charset="0"/>
+            </a:endParaRPr>
+          </a:p>
+        </p:txBody>
+      </p:sp>
+    </p:spTree>
+  </p:cSld>
+  <p:clrMapOvr>
+    <a:masterClrMapping/>
+  </p:clrMapOvr>
+</p:sld>
+</file>
+
+<file path=ppt/slides/slide15.xml><?xml version="1.0" encoding="utf-8"?>
 <p:sld xmlns:a="http://schemas.openxmlformats.org/drawingml/2006/main" xmlns:r="http://schemas.openxmlformats.org/officeDocument/2006/relationships" xmlns:p="http://schemas.openxmlformats.org/presentationml/2006/main">
   <p:cSld>
     <p:spTree>
@@ -5370,7 +5694,7 @@
         </p:spPr>
         <p:txBody>
           <a:bodyPr vert="vert270">
-            <a:normAutofit lnSpcReduction="10000"/>
+            <a:normAutofit lnSpcReduction="20000"/>
           </a:bodyPr>
           <a:lstStyle/>
           <a:p>
@@ -5595,6 +5919,28 @@
                 <a:sym typeface="+mn-ea"/>
               </a:rPr>
               <a:t> Comparison</a:t>
+            </a:r>
+            <a:endParaRPr lang="en-GB" altLang="en-US" sz="2800">
+              <a:solidFill>
+                <a:srgbClr val="FF6600"/>
+              </a:solidFill>
+              <a:latin typeface="Calibri(Body)" charset="0"/>
+              <a:cs typeface="Calibri(Body)" charset="0"/>
+              <a:sym typeface="+mn-ea"/>
+            </a:endParaRPr>
+          </a:p>
+          <a:p>
+            <a:pPr algn="just"/>
+            <a:r>
+              <a:rPr lang="en-GB" altLang="en-US" sz="2800">
+                <a:solidFill>
+                  <a:srgbClr val="FF6600"/>
+                </a:solidFill>
+                <a:latin typeface="Calibri(Body)" charset="0"/>
+                <a:cs typeface="Calibri(Body)" charset="0"/>
+                <a:sym typeface="+mn-ea"/>
+              </a:rPr>
+              <a:t>         Model Deployment</a:t>
             </a:r>
             <a:endParaRPr lang="en-US" sz="2800" dirty="0">
               <a:solidFill>
@@ -5833,6 +6179,14 @@
                 <a:sym typeface="+mn-ea"/>
               </a:rPr>
               <a:t> of xLSTM's technology with some modification to adjust the training for binary classifier</a:t>
+            </a:r>
+            <a:r>
+              <a:rPr lang="en-GB" altLang="en-US" sz="2400">
+                <a:latin typeface="Arial" panose="020B0604020202020204" pitchFamily="34" charset="0"/>
+                <a:cs typeface="Arial" panose="020B0604020202020204" pitchFamily="34" charset="0"/>
+                <a:sym typeface="+mn-ea"/>
+              </a:rPr>
+              <a:t> and deploy model on Microsoft Azure</a:t>
             </a:r>
             <a:endParaRPr lang="en-US" sz="2400">
               <a:latin typeface="Arial" panose="020B0604020202020204" pitchFamily="34" charset="0"/>
